--- a/Topical Neural Networks Update - 02Nov23.pptx
+++ b/Topical Neural Networks Update - 02Nov23.pptx
@@ -5,13 +5,18 @@
     <p:sldMasterId id="2147483686" r:id="rId4"/>
   </p:sldMasterIdLst>
   <p:notesMasterIdLst>
-    <p:notesMasterId r:id="rId9"/>
+    <p:notesMasterId r:id="rId14"/>
   </p:notesMasterIdLst>
   <p:sldIdLst>
     <p:sldId id="256" r:id="rId5"/>
-    <p:sldId id="257" r:id="rId6"/>
-    <p:sldId id="258" r:id="rId7"/>
-    <p:sldId id="259" r:id="rId8"/>
+    <p:sldId id="263" r:id="rId6"/>
+    <p:sldId id="264" r:id="rId7"/>
+    <p:sldId id="260" r:id="rId8"/>
+    <p:sldId id="261" r:id="rId9"/>
+    <p:sldId id="257" r:id="rId10"/>
+    <p:sldId id="258" r:id="rId11"/>
+    <p:sldId id="259" r:id="rId12"/>
+    <p:sldId id="262" r:id="rId13"/>
   </p:sldIdLst>
   <p:sldSz cx="12192000" cy="6858000"/>
   <p:notesSz cx="6858000" cy="9144000"/>
@@ -223,9 +228,14 @@
         <p14:section name="Default Section" id="{6A60E3A1-4A6E-4C03-9820-6C45F04D0B56}">
           <p14:sldIdLst>
             <p14:sldId id="256"/>
+            <p14:sldId id="263"/>
+            <p14:sldId id="264"/>
+            <p14:sldId id="260"/>
+            <p14:sldId id="261"/>
             <p14:sldId id="257"/>
             <p14:sldId id="258"/>
             <p14:sldId id="259"/>
+            <p14:sldId id="262"/>
           </p14:sldIdLst>
         </p14:section>
       </p14:sectionLst>
@@ -243,7 +253,7 @@
 <file path=ppt/revisionInfo.xml><?xml version="1.0" encoding="utf-8"?>
 <p1510:revInfo xmlns:a="http://schemas.openxmlformats.org/drawingml/2006/main" xmlns:r="http://schemas.openxmlformats.org/officeDocument/2006/relationships" xmlns:p1510="http://schemas.microsoft.com/office/powerpoint/2015/10/main">
   <p1510:revLst>
-    <p1510:client id="{716BE2C2-1F34-459C-9F8E-A950414CA3EF}" v="1" dt="2023-11-06T20:56:29.205"/>
+    <p1510:client id="{716BE2C2-1F34-459C-9F8E-A950414CA3EF}" v="50" dt="2023-11-13T20:49:22.745"/>
   </p1510:revLst>
 </p1510:revInfo>
 </file>
@@ -1451,19 +1461,34 @@
   </pc:docChgLst>
   <pc:docChgLst>
     <pc:chgData name="Pasque, Kurt (LT)" userId="101d425e-7b67-438f-8588-88e46245ddde" providerId="ADAL" clId="{716BE2C2-1F34-459C-9F8E-A950414CA3EF}"/>
-    <pc:docChg chg="custSel addSld delSld modSld modSection">
-      <pc:chgData name="Pasque, Kurt (LT)" userId="101d425e-7b67-438f-8588-88e46245ddde" providerId="ADAL" clId="{716BE2C2-1F34-459C-9F8E-A950414CA3EF}" dt="2023-11-06T21:01:34.872" v="62" actId="1076"/>
+    <pc:docChg chg="undo custSel addSld delSld modSld sldOrd modSection">
+      <pc:chgData name="Pasque, Kurt (LT)" userId="101d425e-7b67-438f-8588-88e46245ddde" providerId="ADAL" clId="{716BE2C2-1F34-459C-9F8E-A950414CA3EF}" dt="2023-11-13T20:49:33.409" v="1194" actId="208"/>
       <pc:docMkLst>
         <pc:docMk/>
       </pc:docMkLst>
+      <pc:sldChg chg="modSp mod">
+        <pc:chgData name="Pasque, Kurt (LT)" userId="101d425e-7b67-438f-8588-88e46245ddde" providerId="ADAL" clId="{716BE2C2-1F34-459C-9F8E-A950414CA3EF}" dt="2023-11-08T21:11:30.172" v="731" actId="20577"/>
+        <pc:sldMkLst>
+          <pc:docMk/>
+          <pc:sldMk cId="2975709926" sldId="256"/>
+        </pc:sldMkLst>
+        <pc:spChg chg="mod">
+          <ac:chgData name="Pasque, Kurt (LT)" userId="101d425e-7b67-438f-8588-88e46245ddde" providerId="ADAL" clId="{716BE2C2-1F34-459C-9F8E-A950414CA3EF}" dt="2023-11-08T21:11:30.172" v="731" actId="20577"/>
+          <ac:spMkLst>
+            <pc:docMk/>
+            <pc:sldMk cId="2975709926" sldId="256"/>
+            <ac:spMk id="6" creationId="{C3C26251-549B-6D74-3B08-25C238F80EB2}"/>
+          </ac:spMkLst>
+        </pc:spChg>
+      </pc:sldChg>
       <pc:sldChg chg="addSp delSp modSp new mod">
-        <pc:chgData name="Pasque, Kurt (LT)" userId="101d425e-7b67-438f-8588-88e46245ddde" providerId="ADAL" clId="{716BE2C2-1F34-459C-9F8E-A950414CA3EF}" dt="2023-11-06T20:56:38.216" v="25" actId="20577"/>
+        <pc:chgData name="Pasque, Kurt (LT)" userId="101d425e-7b67-438f-8588-88e46245ddde" providerId="ADAL" clId="{716BE2C2-1F34-459C-9F8E-A950414CA3EF}" dt="2023-11-09T00:31:20.797" v="1115" actId="20577"/>
         <pc:sldMkLst>
           <pc:docMk/>
           <pc:sldMk cId="913688695" sldId="257"/>
         </pc:sldMkLst>
         <pc:spChg chg="mod">
-          <ac:chgData name="Pasque, Kurt (LT)" userId="101d425e-7b67-438f-8588-88e46245ddde" providerId="ADAL" clId="{716BE2C2-1F34-459C-9F8E-A950414CA3EF}" dt="2023-11-06T20:56:38.216" v="25" actId="20577"/>
+          <ac:chgData name="Pasque, Kurt (LT)" userId="101d425e-7b67-438f-8588-88e46245ddde" providerId="ADAL" clId="{716BE2C2-1F34-459C-9F8E-A950414CA3EF}" dt="2023-11-09T00:31:20.797" v="1115" actId="20577"/>
           <ac:spMkLst>
             <pc:docMk/>
             <pc:sldMk cId="913688695" sldId="257"/>
@@ -1479,7 +1504,15 @@
           </ac:spMkLst>
         </pc:spChg>
         <pc:picChg chg="add mod">
-          <ac:chgData name="Pasque, Kurt (LT)" userId="101d425e-7b67-438f-8588-88e46245ddde" providerId="ADAL" clId="{716BE2C2-1F34-459C-9F8E-A950414CA3EF}" dt="2023-11-06T20:56:16.644" v="5" actId="1076"/>
+          <ac:chgData name="Pasque, Kurt (LT)" userId="101d425e-7b67-438f-8588-88e46245ddde" providerId="ADAL" clId="{716BE2C2-1F34-459C-9F8E-A950414CA3EF}" dt="2023-11-08T20:31:38.447" v="65" actId="1076"/>
+          <ac:picMkLst>
+            <pc:docMk/>
+            <pc:sldMk cId="913688695" sldId="257"/>
+            <ac:picMk id="4" creationId="{EC59C78F-DB45-B6B6-F522-217770B9412D}"/>
+          </ac:picMkLst>
+        </pc:picChg>
+        <pc:picChg chg="add del mod">
+          <ac:chgData name="Pasque, Kurt (LT)" userId="101d425e-7b67-438f-8588-88e46245ddde" providerId="ADAL" clId="{716BE2C2-1F34-459C-9F8E-A950414CA3EF}" dt="2023-11-08T20:31:36.606" v="63" actId="478"/>
           <ac:picMkLst>
             <pc:docMk/>
             <pc:sldMk cId="913688695" sldId="257"/>
@@ -1496,13 +1529,13 @@
         </pc:picChg>
       </pc:sldChg>
       <pc:sldChg chg="addSp delSp modSp add mod">
-        <pc:chgData name="Pasque, Kurt (LT)" userId="101d425e-7b67-438f-8588-88e46245ddde" providerId="ADAL" clId="{716BE2C2-1F34-459C-9F8E-A950414CA3EF}" dt="2023-11-06T21:01:34.872" v="62" actId="1076"/>
+        <pc:chgData name="Pasque, Kurt (LT)" userId="101d425e-7b67-438f-8588-88e46245ddde" providerId="ADAL" clId="{716BE2C2-1F34-459C-9F8E-A950414CA3EF}" dt="2023-11-09T00:31:52.484" v="1125" actId="20577"/>
         <pc:sldMkLst>
           <pc:docMk/>
           <pc:sldMk cId="3193513255" sldId="258"/>
         </pc:sldMkLst>
         <pc:spChg chg="mod">
-          <ac:chgData name="Pasque, Kurt (LT)" userId="101d425e-7b67-438f-8588-88e46245ddde" providerId="ADAL" clId="{716BE2C2-1F34-459C-9F8E-A950414CA3EF}" dt="2023-11-06T20:56:54.202" v="34" actId="20577"/>
+          <ac:chgData name="Pasque, Kurt (LT)" userId="101d425e-7b67-438f-8588-88e46245ddde" providerId="ADAL" clId="{716BE2C2-1F34-459C-9F8E-A950414CA3EF}" dt="2023-11-09T00:31:52.484" v="1125" actId="20577"/>
           <ac:spMkLst>
             <pc:docMk/>
             <pc:sldMk cId="3193513255" sldId="258"/>
@@ -1517,6 +1550,14 @@
             <ac:picMk id="4" creationId="{9ADE687E-7C6A-30D1-E54F-66D19573DC5D}"/>
           </ac:picMkLst>
         </pc:picChg>
+        <pc:picChg chg="add mod">
+          <ac:chgData name="Pasque, Kurt (LT)" userId="101d425e-7b67-438f-8588-88e46245ddde" providerId="ADAL" clId="{716BE2C2-1F34-459C-9F8E-A950414CA3EF}" dt="2023-11-08T20:32:49.242" v="71" actId="1076"/>
+          <ac:picMkLst>
+            <pc:docMk/>
+            <pc:sldMk cId="3193513255" sldId="258"/>
+            <ac:picMk id="4" creationId="{F6BA69FA-6CC5-80A4-BD2A-B00C9D589754}"/>
+          </ac:picMkLst>
+        </pc:picChg>
         <pc:picChg chg="del">
           <ac:chgData name="Pasque, Kurt (LT)" userId="101d425e-7b67-438f-8588-88e46245ddde" providerId="ADAL" clId="{716BE2C2-1F34-459C-9F8E-A950414CA3EF}" dt="2023-11-06T20:56:47.078" v="27" actId="478"/>
           <ac:picMkLst>
@@ -1541,8 +1582,8 @@
             <ac:picMk id="8" creationId="{7D3CC032-CB64-D1E4-A484-3A9B800E842B}"/>
           </ac:picMkLst>
         </pc:picChg>
-        <pc:picChg chg="add mod">
-          <ac:chgData name="Pasque, Kurt (LT)" userId="101d425e-7b67-438f-8588-88e46245ddde" providerId="ADAL" clId="{716BE2C2-1F34-459C-9F8E-A950414CA3EF}" dt="2023-11-06T21:01:30.059" v="60" actId="1076"/>
+        <pc:picChg chg="add del mod">
+          <ac:chgData name="Pasque, Kurt (LT)" userId="101d425e-7b67-438f-8588-88e46245ddde" providerId="ADAL" clId="{716BE2C2-1F34-459C-9F8E-A950414CA3EF}" dt="2023-11-08T20:32:47.517" v="69" actId="478"/>
           <ac:picMkLst>
             <pc:docMk/>
             <pc:sldMk cId="3193513255" sldId="258"/>
@@ -1559,19 +1600,27 @@
         </pc:picChg>
       </pc:sldChg>
       <pc:sldChg chg="addSp delSp modSp add mod">
-        <pc:chgData name="Pasque, Kurt (LT)" userId="101d425e-7b67-438f-8588-88e46245ddde" providerId="ADAL" clId="{716BE2C2-1F34-459C-9F8E-A950414CA3EF}" dt="2023-11-06T20:58:10.755" v="56" actId="1076"/>
+        <pc:chgData name="Pasque, Kurt (LT)" userId="101d425e-7b67-438f-8588-88e46245ddde" providerId="ADAL" clId="{716BE2C2-1F34-459C-9F8E-A950414CA3EF}" dt="2023-11-09T00:32:25.508" v="1133" actId="20577"/>
         <pc:sldMkLst>
           <pc:docMk/>
           <pc:sldMk cId="3413000079" sldId="259"/>
         </pc:sldMkLst>
         <pc:spChg chg="mod">
-          <ac:chgData name="Pasque, Kurt (LT)" userId="101d425e-7b67-438f-8588-88e46245ddde" providerId="ADAL" clId="{716BE2C2-1F34-459C-9F8E-A950414CA3EF}" dt="2023-11-06T20:57:39.671" v="50" actId="20577"/>
+          <ac:chgData name="Pasque, Kurt (LT)" userId="101d425e-7b67-438f-8588-88e46245ddde" providerId="ADAL" clId="{716BE2C2-1F34-459C-9F8E-A950414CA3EF}" dt="2023-11-09T00:32:25.508" v="1133" actId="20577"/>
           <ac:spMkLst>
             <pc:docMk/>
             <pc:sldMk cId="3413000079" sldId="259"/>
             <ac:spMk id="2" creationId="{2D6961BA-1AE2-DA4D-85B1-EB065E052886}"/>
           </ac:spMkLst>
         </pc:spChg>
+        <pc:picChg chg="add mod">
+          <ac:chgData name="Pasque, Kurt (LT)" userId="101d425e-7b67-438f-8588-88e46245ddde" providerId="ADAL" clId="{716BE2C2-1F34-459C-9F8E-A950414CA3EF}" dt="2023-11-08T20:32:33.405" v="68" actId="1076"/>
+          <ac:picMkLst>
+            <pc:docMk/>
+            <pc:sldMk cId="3413000079" sldId="259"/>
+            <ac:picMk id="4" creationId="{6CDF42DE-AF13-3E2A-7E73-D9A2658A130D}"/>
+          </ac:picMkLst>
+        </pc:picChg>
         <pc:picChg chg="del">
           <ac:chgData name="Pasque, Kurt (LT)" userId="101d425e-7b67-438f-8588-88e46245ddde" providerId="ADAL" clId="{716BE2C2-1F34-459C-9F8E-A950414CA3EF}" dt="2023-11-06T20:57:19.644" v="40" actId="478"/>
           <ac:picMkLst>
@@ -1604,8 +1653,8 @@
             <ac:picMk id="8" creationId="{7D3CC032-CB64-D1E4-A484-3A9B800E842B}"/>
           </ac:picMkLst>
         </pc:picChg>
-        <pc:picChg chg="add mod">
-          <ac:chgData name="Pasque, Kurt (LT)" userId="101d425e-7b67-438f-8588-88e46245ddde" providerId="ADAL" clId="{716BE2C2-1F34-459C-9F8E-A950414CA3EF}" dt="2023-11-06T20:58:01.749" v="53" actId="1076"/>
+        <pc:picChg chg="add del mod">
+          <ac:chgData name="Pasque, Kurt (LT)" userId="101d425e-7b67-438f-8588-88e46245ddde" providerId="ADAL" clId="{716BE2C2-1F34-459C-9F8E-A950414CA3EF}" dt="2023-11-08T20:32:32.009" v="66" actId="478"/>
           <ac:picMkLst>
             <pc:docMk/>
             <pc:sldMk cId="3413000079" sldId="259"/>
@@ -1620,6 +1669,464 @@
             <ac:picMk id="12" creationId="{DED4978B-F7DB-2CB1-EE05-CA2430F98E15}"/>
           </ac:picMkLst>
         </pc:picChg>
+      </pc:sldChg>
+      <pc:sldChg chg="addSp delSp modSp new mod">
+        <pc:chgData name="Pasque, Kurt (LT)" userId="101d425e-7b67-438f-8588-88e46245ddde" providerId="ADAL" clId="{716BE2C2-1F34-459C-9F8E-A950414CA3EF}" dt="2023-11-09T00:03:52.687" v="822" actId="14100"/>
+        <pc:sldMkLst>
+          <pc:docMk/>
+          <pc:sldMk cId="522857407" sldId="260"/>
+        </pc:sldMkLst>
+        <pc:spChg chg="mod">
+          <ac:chgData name="Pasque, Kurt (LT)" userId="101d425e-7b67-438f-8588-88e46245ddde" providerId="ADAL" clId="{716BE2C2-1F34-459C-9F8E-A950414CA3EF}" dt="2023-11-08T20:33:13.848" v="120" actId="404"/>
+          <ac:spMkLst>
+            <pc:docMk/>
+            <pc:sldMk cId="522857407" sldId="260"/>
+            <ac:spMk id="2" creationId="{B5349707-71DF-9030-5772-F38E8468AC11}"/>
+          </ac:spMkLst>
+        </pc:spChg>
+        <pc:spChg chg="mod">
+          <ac:chgData name="Pasque, Kurt (LT)" userId="101d425e-7b67-438f-8588-88e46245ddde" providerId="ADAL" clId="{716BE2C2-1F34-459C-9F8E-A950414CA3EF}" dt="2023-11-08T20:48:00.189" v="533" actId="113"/>
+          <ac:spMkLst>
+            <pc:docMk/>
+            <pc:sldMk cId="522857407" sldId="260"/>
+            <ac:spMk id="3" creationId="{5C75A788-5382-A713-8EFC-12675FD12084}"/>
+          </ac:spMkLst>
+        </pc:spChg>
+        <pc:spChg chg="add del mod">
+          <ac:chgData name="Pasque, Kurt (LT)" userId="101d425e-7b67-438f-8588-88e46245ddde" providerId="ADAL" clId="{716BE2C2-1F34-459C-9F8E-A950414CA3EF}" dt="2023-11-08T20:33:56.368" v="131" actId="478"/>
+          <ac:spMkLst>
+            <pc:docMk/>
+            <pc:sldMk cId="522857407" sldId="260"/>
+            <ac:spMk id="5" creationId="{8A67A2E1-1F88-FBF7-36DF-C7E07F3DD781}"/>
+          </ac:spMkLst>
+        </pc:spChg>
+        <pc:spChg chg="add mod">
+          <ac:chgData name="Pasque, Kurt (LT)" userId="101d425e-7b67-438f-8588-88e46245ddde" providerId="ADAL" clId="{716BE2C2-1F34-459C-9F8E-A950414CA3EF}" dt="2023-11-08T20:50:32.238" v="634" actId="164"/>
+          <ac:spMkLst>
+            <pc:docMk/>
+            <pc:sldMk cId="522857407" sldId="260"/>
+            <ac:spMk id="7" creationId="{41757CDF-9285-77F7-626F-05216DC6AE38}"/>
+          </ac:spMkLst>
+        </pc:spChg>
+        <pc:spChg chg="add mod">
+          <ac:chgData name="Pasque, Kurt (LT)" userId="101d425e-7b67-438f-8588-88e46245ddde" providerId="ADAL" clId="{716BE2C2-1F34-459C-9F8E-A950414CA3EF}" dt="2023-11-09T00:03:52.687" v="822" actId="14100"/>
+          <ac:spMkLst>
+            <pc:docMk/>
+            <pc:sldMk cId="522857407" sldId="260"/>
+            <ac:spMk id="9" creationId="{05B45214-B641-2E5A-EF1B-687619E3A4DF}"/>
+          </ac:spMkLst>
+        </pc:spChg>
+        <pc:grpChg chg="add mod">
+          <ac:chgData name="Pasque, Kurt (LT)" userId="101d425e-7b67-438f-8588-88e46245ddde" providerId="ADAL" clId="{716BE2C2-1F34-459C-9F8E-A950414CA3EF}" dt="2023-11-08T20:50:35.158" v="635" actId="1076"/>
+          <ac:grpSpMkLst>
+            <pc:docMk/>
+            <pc:sldMk cId="522857407" sldId="260"/>
+            <ac:grpSpMk id="15" creationId="{854883D4-178C-B12B-FD32-AC0F69567E41}"/>
+          </ac:grpSpMkLst>
+        </pc:grpChg>
+        <pc:picChg chg="add mod">
+          <ac:chgData name="Pasque, Kurt (LT)" userId="101d425e-7b67-438f-8588-88e46245ddde" providerId="ADAL" clId="{716BE2C2-1F34-459C-9F8E-A950414CA3EF}" dt="2023-11-08T20:50:32.238" v="634" actId="164"/>
+          <ac:picMkLst>
+            <pc:docMk/>
+            <pc:sldMk cId="522857407" sldId="260"/>
+            <ac:picMk id="8" creationId="{D953750A-0537-E2F3-E510-8E951464E8CF}"/>
+          </ac:picMkLst>
+        </pc:picChg>
+        <pc:cxnChg chg="add mod">
+          <ac:chgData name="Pasque, Kurt (LT)" userId="101d425e-7b67-438f-8588-88e46245ddde" providerId="ADAL" clId="{716BE2C2-1F34-459C-9F8E-A950414CA3EF}" dt="2023-11-09T00:03:52.687" v="822" actId="14100"/>
+          <ac:cxnSpMkLst>
+            <pc:docMk/>
+            <pc:sldMk cId="522857407" sldId="260"/>
+            <ac:cxnSpMk id="11" creationId="{090C3C93-1ECC-DD8C-8A7C-B15A3FFD17CD}"/>
+          </ac:cxnSpMkLst>
+        </pc:cxnChg>
+      </pc:sldChg>
+      <pc:sldChg chg="addSp delSp modSp new mod">
+        <pc:chgData name="Pasque, Kurt (LT)" userId="101d425e-7b67-438f-8588-88e46245ddde" providerId="ADAL" clId="{716BE2C2-1F34-459C-9F8E-A950414CA3EF}" dt="2023-11-08T21:24:04.390" v="820" actId="20577"/>
+        <pc:sldMkLst>
+          <pc:docMk/>
+          <pc:sldMk cId="2799942086" sldId="261"/>
+        </pc:sldMkLst>
+        <pc:spChg chg="mod">
+          <ac:chgData name="Pasque, Kurt (LT)" userId="101d425e-7b67-438f-8588-88e46245ddde" providerId="ADAL" clId="{716BE2C2-1F34-459C-9F8E-A950414CA3EF}" dt="2023-11-08T20:48:26.145" v="537" actId="404"/>
+          <ac:spMkLst>
+            <pc:docMk/>
+            <pc:sldMk cId="2799942086" sldId="261"/>
+            <ac:spMk id="2" creationId="{BAFC9C09-D88F-9831-B5E6-B3E0A358F917}"/>
+          </ac:spMkLst>
+        </pc:spChg>
+        <pc:spChg chg="mod">
+          <ac:chgData name="Pasque, Kurt (LT)" userId="101d425e-7b67-438f-8588-88e46245ddde" providerId="ADAL" clId="{716BE2C2-1F34-459C-9F8E-A950414CA3EF}" dt="2023-11-08T21:22:03.789" v="733" actId="14100"/>
+          <ac:spMkLst>
+            <pc:docMk/>
+            <pc:sldMk cId="2799942086" sldId="261"/>
+            <ac:spMk id="3" creationId="{2CA6B673-0CC3-B715-8542-9C3E648CCA4A}"/>
+          </ac:spMkLst>
+        </pc:spChg>
+        <pc:spChg chg="add mod">
+          <ac:chgData name="Pasque, Kurt (LT)" userId="101d425e-7b67-438f-8588-88e46245ddde" providerId="ADAL" clId="{716BE2C2-1F34-459C-9F8E-A950414CA3EF}" dt="2023-11-08T21:22:48.116" v="738" actId="14100"/>
+          <ac:spMkLst>
+            <pc:docMk/>
+            <pc:sldMk cId="2799942086" sldId="261"/>
+            <ac:spMk id="5" creationId="{816F9CAE-F4F5-AB23-9E30-A8B33B6B967D}"/>
+          </ac:spMkLst>
+        </pc:spChg>
+        <pc:spChg chg="add mod">
+          <ac:chgData name="Pasque, Kurt (LT)" userId="101d425e-7b67-438f-8588-88e46245ddde" providerId="ADAL" clId="{716BE2C2-1F34-459C-9F8E-A950414CA3EF}" dt="2023-11-08T21:24:04.390" v="820" actId="20577"/>
+          <ac:spMkLst>
+            <pc:docMk/>
+            <pc:sldMk cId="2799942086" sldId="261"/>
+            <ac:spMk id="14" creationId="{BC30714D-F8B5-B7F9-50DD-BAB561318F41}"/>
+          </ac:spMkLst>
+        </pc:spChg>
+        <pc:spChg chg="add mod">
+          <ac:chgData name="Pasque, Kurt (LT)" userId="101d425e-7b67-438f-8588-88e46245ddde" providerId="ADAL" clId="{716BE2C2-1F34-459C-9F8E-A950414CA3EF}" dt="2023-11-08T21:24:01.202" v="819" actId="20577"/>
+          <ac:spMkLst>
+            <pc:docMk/>
+            <pc:sldMk cId="2799942086" sldId="261"/>
+            <ac:spMk id="15" creationId="{62F25BDD-3B1F-0A84-9A2B-A8B35C1A88C5}"/>
+          </ac:spMkLst>
+        </pc:spChg>
+        <pc:picChg chg="add del mod">
+          <ac:chgData name="Pasque, Kurt (LT)" userId="101d425e-7b67-438f-8588-88e46245ddde" providerId="ADAL" clId="{716BE2C2-1F34-459C-9F8E-A950414CA3EF}" dt="2023-11-08T21:04:31.658" v="708" actId="478"/>
+          <ac:picMkLst>
+            <pc:docMk/>
+            <pc:sldMk cId="2799942086" sldId="261"/>
+            <ac:picMk id="7" creationId="{C36C53F5-FDAF-513C-F74C-B8BBBD56DAC5}"/>
+          </ac:picMkLst>
+        </pc:picChg>
+        <pc:picChg chg="add del mod">
+          <ac:chgData name="Pasque, Kurt (LT)" userId="101d425e-7b67-438f-8588-88e46245ddde" providerId="ADAL" clId="{716BE2C2-1F34-459C-9F8E-A950414CA3EF}" dt="2023-11-08T21:09:35.481" v="714" actId="478"/>
+          <ac:picMkLst>
+            <pc:docMk/>
+            <pc:sldMk cId="2799942086" sldId="261"/>
+            <ac:picMk id="9" creationId="{CD193FF2-282F-C40F-F005-77687B30AE29}"/>
+          </ac:picMkLst>
+        </pc:picChg>
+        <pc:picChg chg="add mod">
+          <ac:chgData name="Pasque, Kurt (LT)" userId="101d425e-7b67-438f-8588-88e46245ddde" providerId="ADAL" clId="{716BE2C2-1F34-459C-9F8E-A950414CA3EF}" dt="2023-11-08T21:22:55.778" v="740" actId="1076"/>
+          <ac:picMkLst>
+            <pc:docMk/>
+            <pc:sldMk cId="2799942086" sldId="261"/>
+            <ac:picMk id="11" creationId="{985D68CC-693A-D34D-0FAB-CBBCE4D8C4E5}"/>
+          </ac:picMkLst>
+        </pc:picChg>
+        <pc:picChg chg="add mod">
+          <ac:chgData name="Pasque, Kurt (LT)" userId="101d425e-7b67-438f-8588-88e46245ddde" providerId="ADAL" clId="{716BE2C2-1F34-459C-9F8E-A950414CA3EF}" dt="2023-11-08T21:23:00.486" v="742" actId="1076"/>
+          <ac:picMkLst>
+            <pc:docMk/>
+            <pc:sldMk cId="2799942086" sldId="261"/>
+            <ac:picMk id="13" creationId="{B89FEDCF-F689-3DD6-1329-8F860A7C0805}"/>
+          </ac:picMkLst>
+        </pc:picChg>
+      </pc:sldChg>
+      <pc:sldChg chg="addSp delSp modSp new del mod">
+        <pc:chgData name="Pasque, Kurt (LT)" userId="101d425e-7b67-438f-8588-88e46245ddde" providerId="ADAL" clId="{716BE2C2-1F34-459C-9F8E-A950414CA3EF}" dt="2023-11-09T00:03:27.687" v="821" actId="2696"/>
+        <pc:sldMkLst>
+          <pc:docMk/>
+          <pc:sldMk cId="3556132385" sldId="262"/>
+        </pc:sldMkLst>
+        <pc:spChg chg="mod">
+          <ac:chgData name="Pasque, Kurt (LT)" userId="101d425e-7b67-438f-8588-88e46245ddde" providerId="ADAL" clId="{716BE2C2-1F34-459C-9F8E-A950414CA3EF}" dt="2023-11-08T20:51:07.487" v="662" actId="20577"/>
+          <ac:spMkLst>
+            <pc:docMk/>
+            <pc:sldMk cId="3556132385" sldId="262"/>
+            <ac:spMk id="2" creationId="{EFE92806-17A0-9A0D-712F-3587824CFCDF}"/>
+          </ac:spMkLst>
+        </pc:spChg>
+        <pc:spChg chg="mod">
+          <ac:chgData name="Pasque, Kurt (LT)" userId="101d425e-7b67-438f-8588-88e46245ddde" providerId="ADAL" clId="{716BE2C2-1F34-459C-9F8E-A950414CA3EF}" dt="2023-11-08T20:51:15.008" v="689" actId="20577"/>
+          <ac:spMkLst>
+            <pc:docMk/>
+            <pc:sldMk cId="3556132385" sldId="262"/>
+            <ac:spMk id="3" creationId="{5BC72ADA-06D4-EEC1-38F3-F86EB8F17DB3}"/>
+          </ac:spMkLst>
+        </pc:spChg>
+        <pc:picChg chg="add del mod">
+          <ac:chgData name="Pasque, Kurt (LT)" userId="101d425e-7b67-438f-8588-88e46245ddde" providerId="ADAL" clId="{716BE2C2-1F34-459C-9F8E-A950414CA3EF}" dt="2023-11-08T21:18:48.562" v="732" actId="478"/>
+          <ac:picMkLst>
+            <pc:docMk/>
+            <pc:sldMk cId="3556132385" sldId="262"/>
+            <ac:picMk id="5" creationId="{197DBB49-2482-3402-2772-9CB15B88D057}"/>
+          </ac:picMkLst>
+        </pc:picChg>
+      </pc:sldChg>
+      <pc:sldChg chg="addSp delSp modSp new mod">
+        <pc:chgData name="Pasque, Kurt (LT)" userId="101d425e-7b67-438f-8588-88e46245ddde" providerId="ADAL" clId="{716BE2C2-1F34-459C-9F8E-A950414CA3EF}" dt="2023-11-09T00:09:55.575" v="873" actId="20577"/>
+        <pc:sldMkLst>
+          <pc:docMk/>
+          <pc:sldMk cId="3640744532" sldId="262"/>
+        </pc:sldMkLst>
+        <pc:spChg chg="mod">
+          <ac:chgData name="Pasque, Kurt (LT)" userId="101d425e-7b67-438f-8588-88e46245ddde" providerId="ADAL" clId="{716BE2C2-1F34-459C-9F8E-A950414CA3EF}" dt="2023-11-09T00:09:55.575" v="873" actId="20577"/>
+          <ac:spMkLst>
+            <pc:docMk/>
+            <pc:sldMk cId="3640744532" sldId="262"/>
+            <ac:spMk id="2" creationId="{887BCE78-CF7B-B487-CCE8-034127F07369}"/>
+          </ac:spMkLst>
+        </pc:spChg>
+        <pc:spChg chg="del">
+          <ac:chgData name="Pasque, Kurt (LT)" userId="101d425e-7b67-438f-8588-88e46245ddde" providerId="ADAL" clId="{716BE2C2-1F34-459C-9F8E-A950414CA3EF}" dt="2023-11-09T00:08:05.682" v="828" actId="478"/>
+          <ac:spMkLst>
+            <pc:docMk/>
+            <pc:sldMk cId="3640744532" sldId="262"/>
+            <ac:spMk id="3" creationId="{5F9FB24A-AF86-DE4C-12F6-EE1CB59D517F}"/>
+          </ac:spMkLst>
+        </pc:spChg>
+        <pc:picChg chg="add mod">
+          <ac:chgData name="Pasque, Kurt (LT)" userId="101d425e-7b67-438f-8588-88e46245ddde" providerId="ADAL" clId="{716BE2C2-1F34-459C-9F8E-A950414CA3EF}" dt="2023-11-09T00:07:56.816" v="825" actId="1076"/>
+          <ac:picMkLst>
+            <pc:docMk/>
+            <pc:sldMk cId="3640744532" sldId="262"/>
+            <ac:picMk id="5" creationId="{FB967640-A322-4B06-66C4-B73CC7F21385}"/>
+          </ac:picMkLst>
+        </pc:picChg>
+        <pc:picChg chg="add mod">
+          <ac:chgData name="Pasque, Kurt (LT)" userId="101d425e-7b67-438f-8588-88e46245ddde" providerId="ADAL" clId="{716BE2C2-1F34-459C-9F8E-A950414CA3EF}" dt="2023-11-09T00:08:03.127" v="827" actId="1076"/>
+          <ac:picMkLst>
+            <pc:docMk/>
+            <pc:sldMk cId="3640744532" sldId="262"/>
+            <ac:picMk id="7" creationId="{E7D86DCB-50E3-0EB5-98FD-AD3DE9A52901}"/>
+          </ac:picMkLst>
+        </pc:picChg>
+      </pc:sldChg>
+      <pc:sldChg chg="addSp modSp new mod ord">
+        <pc:chgData name="Pasque, Kurt (LT)" userId="101d425e-7b67-438f-8588-88e46245ddde" providerId="ADAL" clId="{716BE2C2-1F34-459C-9F8E-A950414CA3EF}" dt="2023-11-13T20:48:10.456" v="1166" actId="1076"/>
+        <pc:sldMkLst>
+          <pc:docMk/>
+          <pc:sldMk cId="500492656" sldId="263"/>
+        </pc:sldMkLst>
+        <pc:spChg chg="mod">
+          <ac:chgData name="Pasque, Kurt (LT)" userId="101d425e-7b67-438f-8588-88e46245ddde" providerId="ADAL" clId="{716BE2C2-1F34-459C-9F8E-A950414CA3EF}" dt="2023-11-09T00:22:15.796" v="887" actId="20577"/>
+          <ac:spMkLst>
+            <pc:docMk/>
+            <pc:sldMk cId="500492656" sldId="263"/>
+            <ac:spMk id="2" creationId="{41B064E1-1AD4-71BE-9E6B-CD68C291D5FB}"/>
+          </ac:spMkLst>
+        </pc:spChg>
+        <pc:spChg chg="mod">
+          <ac:chgData name="Pasque, Kurt (LT)" userId="101d425e-7b67-438f-8588-88e46245ddde" providerId="ADAL" clId="{716BE2C2-1F34-459C-9F8E-A950414CA3EF}" dt="2023-11-09T00:24:39.750" v="1105" actId="404"/>
+          <ac:spMkLst>
+            <pc:docMk/>
+            <pc:sldMk cId="500492656" sldId="263"/>
+            <ac:spMk id="3" creationId="{E9D9555A-D7E0-A349-E891-3A3030B4767E}"/>
+          </ac:spMkLst>
+        </pc:spChg>
+        <pc:spChg chg="add mod">
+          <ac:chgData name="Pasque, Kurt (LT)" userId="101d425e-7b67-438f-8588-88e46245ddde" providerId="ADAL" clId="{716BE2C2-1F34-459C-9F8E-A950414CA3EF}" dt="2023-11-09T00:27:32.855" v="1112" actId="1076"/>
+          <ac:spMkLst>
+            <pc:docMk/>
+            <pc:sldMk cId="500492656" sldId="263"/>
+            <ac:spMk id="5" creationId="{46F0FE4F-1A84-110F-FF9F-19741E1B6C68}"/>
+          </ac:spMkLst>
+        </pc:spChg>
+        <pc:picChg chg="add mod">
+          <ac:chgData name="Pasque, Kurt (LT)" userId="101d425e-7b67-438f-8588-88e46245ddde" providerId="ADAL" clId="{716BE2C2-1F34-459C-9F8E-A950414CA3EF}" dt="2023-11-13T20:42:43.283" v="1139" actId="208"/>
+          <ac:picMkLst>
+            <pc:docMk/>
+            <pc:sldMk cId="500492656" sldId="263"/>
+            <ac:picMk id="4" creationId="{F6EAB0D7-0829-1825-6A0E-539AAF41AB26}"/>
+          </ac:picMkLst>
+        </pc:picChg>
+        <pc:picChg chg="add mod">
+          <ac:chgData name="Pasque, Kurt (LT)" userId="101d425e-7b67-438f-8588-88e46245ddde" providerId="ADAL" clId="{716BE2C2-1F34-459C-9F8E-A950414CA3EF}" dt="2023-11-13T20:48:10.456" v="1166" actId="1076"/>
+          <ac:picMkLst>
+            <pc:docMk/>
+            <pc:sldMk cId="500492656" sldId="263"/>
+            <ac:picMk id="23" creationId="{61EB2139-349A-8F5C-FC26-3476185717BD}"/>
+          </ac:picMkLst>
+        </pc:picChg>
+        <pc:cxnChg chg="add mod">
+          <ac:chgData name="Pasque, Kurt (LT)" userId="101d425e-7b67-438f-8588-88e46245ddde" providerId="ADAL" clId="{716BE2C2-1F34-459C-9F8E-A950414CA3EF}" dt="2023-11-13T20:47:30.369" v="1164" actId="1582"/>
+          <ac:cxnSpMkLst>
+            <pc:docMk/>
+            <pc:sldMk cId="500492656" sldId="263"/>
+            <ac:cxnSpMk id="7" creationId="{40796112-AD8C-5B95-BCEA-F32830432A73}"/>
+          </ac:cxnSpMkLst>
+        </pc:cxnChg>
+        <pc:cxnChg chg="add mod">
+          <ac:chgData name="Pasque, Kurt (LT)" userId="101d425e-7b67-438f-8588-88e46245ddde" providerId="ADAL" clId="{716BE2C2-1F34-459C-9F8E-A950414CA3EF}" dt="2023-11-13T20:47:30.369" v="1164" actId="1582"/>
+          <ac:cxnSpMkLst>
+            <pc:docMk/>
+            <pc:sldMk cId="500492656" sldId="263"/>
+            <ac:cxnSpMk id="8" creationId="{6BA4DBCD-6BAC-58FA-AD9A-C08CA875FD8D}"/>
+          </ac:cxnSpMkLst>
+        </pc:cxnChg>
+        <pc:cxnChg chg="add mod">
+          <ac:chgData name="Pasque, Kurt (LT)" userId="101d425e-7b67-438f-8588-88e46245ddde" providerId="ADAL" clId="{716BE2C2-1F34-459C-9F8E-A950414CA3EF}" dt="2023-11-13T20:47:30.369" v="1164" actId="1582"/>
+          <ac:cxnSpMkLst>
+            <pc:docMk/>
+            <pc:sldMk cId="500492656" sldId="263"/>
+            <ac:cxnSpMk id="11" creationId="{A6FFA529-866E-FEBC-3C2E-61B131546DA6}"/>
+          </ac:cxnSpMkLst>
+        </pc:cxnChg>
+        <pc:cxnChg chg="add mod">
+          <ac:chgData name="Pasque, Kurt (LT)" userId="101d425e-7b67-438f-8588-88e46245ddde" providerId="ADAL" clId="{716BE2C2-1F34-459C-9F8E-A950414CA3EF}" dt="2023-11-13T20:47:30.369" v="1164" actId="1582"/>
+          <ac:cxnSpMkLst>
+            <pc:docMk/>
+            <pc:sldMk cId="500492656" sldId="263"/>
+            <ac:cxnSpMk id="14" creationId="{8169C636-BBF4-2197-687C-EF5EB6EF1C98}"/>
+          </ac:cxnSpMkLst>
+        </pc:cxnChg>
+        <pc:cxnChg chg="add mod">
+          <ac:chgData name="Pasque, Kurt (LT)" userId="101d425e-7b67-438f-8588-88e46245ddde" providerId="ADAL" clId="{716BE2C2-1F34-459C-9F8E-A950414CA3EF}" dt="2023-11-13T20:47:30.369" v="1164" actId="1582"/>
+          <ac:cxnSpMkLst>
+            <pc:docMk/>
+            <pc:sldMk cId="500492656" sldId="263"/>
+            <ac:cxnSpMk id="17" creationId="{751D4BB6-31CA-A82E-BF75-F253318A35D1}"/>
+          </ac:cxnSpMkLst>
+        </pc:cxnChg>
+        <pc:cxnChg chg="add mod">
+          <ac:chgData name="Pasque, Kurt (LT)" userId="101d425e-7b67-438f-8588-88e46245ddde" providerId="ADAL" clId="{716BE2C2-1F34-459C-9F8E-A950414CA3EF}" dt="2023-11-13T20:47:30.369" v="1164" actId="1582"/>
+          <ac:cxnSpMkLst>
+            <pc:docMk/>
+            <pc:sldMk cId="500492656" sldId="263"/>
+            <ac:cxnSpMk id="20" creationId="{FBBC04F8-8DCA-B98B-7804-94DCA345A09F}"/>
+          </ac:cxnSpMkLst>
+        </pc:cxnChg>
+      </pc:sldChg>
+      <pc:sldChg chg="addSp delSp modSp add mod">
+        <pc:chgData name="Pasque, Kurt (LT)" userId="101d425e-7b67-438f-8588-88e46245ddde" providerId="ADAL" clId="{716BE2C2-1F34-459C-9F8E-A950414CA3EF}" dt="2023-11-13T20:49:33.409" v="1194" actId="208"/>
+        <pc:sldMkLst>
+          <pc:docMk/>
+          <pc:sldMk cId="690731711" sldId="264"/>
+        </pc:sldMkLst>
+        <pc:spChg chg="del">
+          <ac:chgData name="Pasque, Kurt (LT)" userId="101d425e-7b67-438f-8588-88e46245ddde" providerId="ADAL" clId="{716BE2C2-1F34-459C-9F8E-A950414CA3EF}" dt="2023-11-13T20:48:20.082" v="1168" actId="478"/>
+          <ac:spMkLst>
+            <pc:docMk/>
+            <pc:sldMk cId="690731711" sldId="264"/>
+            <ac:spMk id="3" creationId="{E9D9555A-D7E0-A349-E891-3A3030B4767E}"/>
+          </ac:spMkLst>
+        </pc:spChg>
+        <pc:spChg chg="add del mod">
+          <ac:chgData name="Pasque, Kurt (LT)" userId="101d425e-7b67-438f-8588-88e46245ddde" providerId="ADAL" clId="{716BE2C2-1F34-459C-9F8E-A950414CA3EF}" dt="2023-11-13T20:48:23.210" v="1169" actId="478"/>
+          <ac:spMkLst>
+            <pc:docMk/>
+            <pc:sldMk cId="690731711" sldId="264"/>
+            <ac:spMk id="6" creationId="{599E3312-FF00-29B9-38EE-3D2157725156}"/>
+          </ac:spMkLst>
+        </pc:spChg>
+        <pc:grpChg chg="add mod">
+          <ac:chgData name="Pasque, Kurt (LT)" userId="101d425e-7b67-438f-8588-88e46245ddde" providerId="ADAL" clId="{716BE2C2-1F34-459C-9F8E-A950414CA3EF}" dt="2023-11-13T20:48:34.314" v="1172" actId="1076"/>
+          <ac:grpSpMkLst>
+            <pc:docMk/>
+            <pc:sldMk cId="690731711" sldId="264"/>
+            <ac:grpSpMk id="9" creationId="{2141E25C-DAEA-4E7E-A04B-4B79092A1B23}"/>
+          </ac:grpSpMkLst>
+        </pc:grpChg>
+        <pc:picChg chg="mod">
+          <ac:chgData name="Pasque, Kurt (LT)" userId="101d425e-7b67-438f-8588-88e46245ddde" providerId="ADAL" clId="{716BE2C2-1F34-459C-9F8E-A950414CA3EF}" dt="2023-11-13T20:48:32.975" v="1171" actId="164"/>
+          <ac:picMkLst>
+            <pc:docMk/>
+            <pc:sldMk cId="690731711" sldId="264"/>
+            <ac:picMk id="4" creationId="{F6EAB0D7-0829-1825-6A0E-539AAF41AB26}"/>
+          </ac:picMkLst>
+        </pc:picChg>
+        <pc:picChg chg="mod">
+          <ac:chgData name="Pasque, Kurt (LT)" userId="101d425e-7b67-438f-8588-88e46245ddde" providerId="ADAL" clId="{716BE2C2-1F34-459C-9F8E-A950414CA3EF}" dt="2023-11-13T20:48:36.867" v="1173" actId="208"/>
+          <ac:picMkLst>
+            <pc:docMk/>
+            <pc:sldMk cId="690731711" sldId="264"/>
+            <ac:picMk id="23" creationId="{61EB2139-349A-8F5C-FC26-3476185717BD}"/>
+          </ac:picMkLst>
+        </pc:picChg>
+        <pc:cxnChg chg="mod">
+          <ac:chgData name="Pasque, Kurt (LT)" userId="101d425e-7b67-438f-8588-88e46245ddde" providerId="ADAL" clId="{716BE2C2-1F34-459C-9F8E-A950414CA3EF}" dt="2023-11-13T20:48:32.975" v="1171" actId="164"/>
+          <ac:cxnSpMkLst>
+            <pc:docMk/>
+            <pc:sldMk cId="690731711" sldId="264"/>
+            <ac:cxnSpMk id="7" creationId="{40796112-AD8C-5B95-BCEA-F32830432A73}"/>
+          </ac:cxnSpMkLst>
+        </pc:cxnChg>
+        <pc:cxnChg chg="mod">
+          <ac:chgData name="Pasque, Kurt (LT)" userId="101d425e-7b67-438f-8588-88e46245ddde" providerId="ADAL" clId="{716BE2C2-1F34-459C-9F8E-A950414CA3EF}" dt="2023-11-13T20:48:32.975" v="1171" actId="164"/>
+          <ac:cxnSpMkLst>
+            <pc:docMk/>
+            <pc:sldMk cId="690731711" sldId="264"/>
+            <ac:cxnSpMk id="8" creationId="{6BA4DBCD-6BAC-58FA-AD9A-C08CA875FD8D}"/>
+          </ac:cxnSpMkLst>
+        </pc:cxnChg>
+        <pc:cxnChg chg="add mod">
+          <ac:chgData name="Pasque, Kurt (LT)" userId="101d425e-7b67-438f-8588-88e46245ddde" providerId="ADAL" clId="{716BE2C2-1F34-459C-9F8E-A950414CA3EF}" dt="2023-11-13T20:48:55.415" v="1176" actId="14100"/>
+          <ac:cxnSpMkLst>
+            <pc:docMk/>
+            <pc:sldMk cId="690731711" sldId="264"/>
+            <ac:cxnSpMk id="10" creationId="{C973C913-A2AA-4624-7380-1317D516BFD4}"/>
+          </ac:cxnSpMkLst>
+        </pc:cxnChg>
+        <pc:cxnChg chg="mod">
+          <ac:chgData name="Pasque, Kurt (LT)" userId="101d425e-7b67-438f-8588-88e46245ddde" providerId="ADAL" clId="{716BE2C2-1F34-459C-9F8E-A950414CA3EF}" dt="2023-11-13T20:48:32.975" v="1171" actId="164"/>
+          <ac:cxnSpMkLst>
+            <pc:docMk/>
+            <pc:sldMk cId="690731711" sldId="264"/>
+            <ac:cxnSpMk id="11" creationId="{A6FFA529-866E-FEBC-3C2E-61B131546DA6}"/>
+          </ac:cxnSpMkLst>
+        </pc:cxnChg>
+        <pc:cxnChg chg="add mod">
+          <ac:chgData name="Pasque, Kurt (LT)" userId="101d425e-7b67-438f-8588-88e46245ddde" providerId="ADAL" clId="{716BE2C2-1F34-459C-9F8E-A950414CA3EF}" dt="2023-11-13T20:49:01.370" v="1179" actId="14100"/>
+          <ac:cxnSpMkLst>
+            <pc:docMk/>
+            <pc:sldMk cId="690731711" sldId="264"/>
+            <ac:cxnSpMk id="13" creationId="{1FDC60C8-BE5F-F1A3-A65A-8311416C5F47}"/>
+          </ac:cxnSpMkLst>
+        </pc:cxnChg>
+        <pc:cxnChg chg="mod">
+          <ac:chgData name="Pasque, Kurt (LT)" userId="101d425e-7b67-438f-8588-88e46245ddde" providerId="ADAL" clId="{716BE2C2-1F34-459C-9F8E-A950414CA3EF}" dt="2023-11-13T20:48:32.975" v="1171" actId="164"/>
+          <ac:cxnSpMkLst>
+            <pc:docMk/>
+            <pc:sldMk cId="690731711" sldId="264"/>
+            <ac:cxnSpMk id="14" creationId="{8169C636-BBF4-2197-687C-EF5EB6EF1C98}"/>
+          </ac:cxnSpMkLst>
+        </pc:cxnChg>
+        <pc:cxnChg chg="mod">
+          <ac:chgData name="Pasque, Kurt (LT)" userId="101d425e-7b67-438f-8588-88e46245ddde" providerId="ADAL" clId="{716BE2C2-1F34-459C-9F8E-A950414CA3EF}" dt="2023-11-13T20:48:32.975" v="1171" actId="164"/>
+          <ac:cxnSpMkLst>
+            <pc:docMk/>
+            <pc:sldMk cId="690731711" sldId="264"/>
+            <ac:cxnSpMk id="17" creationId="{751D4BB6-31CA-A82E-BF75-F253318A35D1}"/>
+          </ac:cxnSpMkLst>
+        </pc:cxnChg>
+        <pc:cxnChg chg="add mod">
+          <ac:chgData name="Pasque, Kurt (LT)" userId="101d425e-7b67-438f-8588-88e46245ddde" providerId="ADAL" clId="{716BE2C2-1F34-459C-9F8E-A950414CA3EF}" dt="2023-11-13T20:49:06.616" v="1182" actId="14100"/>
+          <ac:cxnSpMkLst>
+            <pc:docMk/>
+            <pc:sldMk cId="690731711" sldId="264"/>
+            <ac:cxnSpMk id="18" creationId="{C72C55CB-DE58-5D39-4946-E16BA270B0C5}"/>
+          </ac:cxnSpMkLst>
+        </pc:cxnChg>
+        <pc:cxnChg chg="mod">
+          <ac:chgData name="Pasque, Kurt (LT)" userId="101d425e-7b67-438f-8588-88e46245ddde" providerId="ADAL" clId="{716BE2C2-1F34-459C-9F8E-A950414CA3EF}" dt="2023-11-13T20:48:32.975" v="1171" actId="164"/>
+          <ac:cxnSpMkLst>
+            <pc:docMk/>
+            <pc:sldMk cId="690731711" sldId="264"/>
+            <ac:cxnSpMk id="20" creationId="{FBBC04F8-8DCA-B98B-7804-94DCA345A09F}"/>
+          </ac:cxnSpMkLst>
+        </pc:cxnChg>
+        <pc:cxnChg chg="add mod">
+          <ac:chgData name="Pasque, Kurt (LT)" userId="101d425e-7b67-438f-8588-88e46245ddde" providerId="ADAL" clId="{716BE2C2-1F34-459C-9F8E-A950414CA3EF}" dt="2023-11-13T20:49:12.508" v="1186" actId="14100"/>
+          <ac:cxnSpMkLst>
+            <pc:docMk/>
+            <pc:sldMk cId="690731711" sldId="264"/>
+            <ac:cxnSpMk id="22" creationId="{3513D49F-41EB-AED7-7BBF-EE2A9914EED7}"/>
+          </ac:cxnSpMkLst>
+        </pc:cxnChg>
+        <pc:cxnChg chg="add mod">
+          <ac:chgData name="Pasque, Kurt (LT)" userId="101d425e-7b67-438f-8588-88e46245ddde" providerId="ADAL" clId="{716BE2C2-1F34-459C-9F8E-A950414CA3EF}" dt="2023-11-13T20:49:33.409" v="1194" actId="208"/>
+          <ac:cxnSpMkLst>
+            <pc:docMk/>
+            <pc:sldMk cId="690731711" sldId="264"/>
+            <ac:cxnSpMk id="27" creationId="{80369CE3-009A-B196-EF1E-5B971FEEC097}"/>
+          </ac:cxnSpMkLst>
+        </pc:cxnChg>
+        <pc:cxnChg chg="add mod">
+          <ac:chgData name="Pasque, Kurt (LT)" userId="101d425e-7b67-438f-8588-88e46245ddde" providerId="ADAL" clId="{716BE2C2-1F34-459C-9F8E-A950414CA3EF}" dt="2023-11-13T20:49:28.390" v="1193" actId="14100"/>
+          <ac:cxnSpMkLst>
+            <pc:docMk/>
+            <pc:sldMk cId="690731711" sldId="264"/>
+            <ac:cxnSpMk id="31" creationId="{F494E3F8-42D4-250A-B5D5-15CCA1FBC9AF}"/>
+          </ac:cxnSpMkLst>
+        </pc:cxnChg>
       </pc:sldChg>
       <pc:sldChg chg="del">
         <pc:chgData name="Pasque, Kurt (LT)" userId="101d425e-7b67-438f-8588-88e46245ddde" providerId="ADAL" clId="{716BE2C2-1F34-459C-9F8E-A950414CA3EF}" dt="2023-11-06T20:54:31.565" v="0" actId="47"/>
@@ -1778,7 +2285,7 @@
           <a:p>
             <a:fld id="{4EAACE14-3188-4DC4-8EE5-F2A4F3793AB1}" type="datetimeFigureOut">
               <a:rPr lang="en-US" smtClean="0"/>
-              <a:t>11/6/2023</a:t>
+              <a:t>11/13/2023</a:t>
             </a:fld>
             <a:endParaRPr lang="en-US"/>
           </a:p>
@@ -2377,7 +2884,7 @@
           <a:p>
             <a:fld id="{846CE7D5-CF57-46EF-B807-FDD0502418D4}" type="datetimeFigureOut">
               <a:rPr lang="en-US" smtClean="0"/>
-              <a:t>11/6/2023</a:t>
+              <a:t>11/13/2023</a:t>
             </a:fld>
             <a:endParaRPr lang="en-US"/>
           </a:p>
@@ -2572,7 +3079,7 @@
             <a:fld id="{31BF79B2-07C7-4165-B11E-798D2549512E}" type="datetimeFigureOut">
               <a:rPr lang="en-US" smtClean="0"/>
               <a:pPr/>
-              <a:t>11/6/2023</a:t>
+              <a:t>11/13/2023</a:t>
             </a:fld>
             <a:endParaRPr lang="en-US"/>
           </a:p>
@@ -2794,7 +3301,7 @@
           <a:p>
             <a:fld id="{846CE7D5-CF57-46EF-B807-FDD0502418D4}" type="datetimeFigureOut">
               <a:rPr lang="en-US" smtClean="0"/>
-              <a:t>11/6/2023</a:t>
+              <a:t>11/13/2023</a:t>
             </a:fld>
             <a:endParaRPr lang="en-US"/>
           </a:p>
@@ -3103,7 +3610,7 @@
           <a:p>
             <a:fld id="{846CE7D5-CF57-46EF-B807-FDD0502418D4}" type="datetimeFigureOut">
               <a:rPr lang="en-US" smtClean="0"/>
-              <a:t>11/6/2023</a:t>
+              <a:t>11/13/2023</a:t>
             </a:fld>
             <a:endParaRPr lang="en-US"/>
           </a:p>
@@ -3551,7 +4058,7 @@
           <a:p>
             <a:fld id="{846CE7D5-CF57-46EF-B807-FDD0502418D4}" type="datetimeFigureOut">
               <a:rPr lang="en-US" smtClean="0"/>
-              <a:t>11/6/2023</a:t>
+              <a:t>11/13/2023</a:t>
             </a:fld>
             <a:endParaRPr lang="en-US"/>
           </a:p>
@@ -3692,7 +4199,7 @@
           <a:p>
             <a:fld id="{846CE7D5-CF57-46EF-B807-FDD0502418D4}" type="datetimeFigureOut">
               <a:rPr lang="en-US" smtClean="0"/>
-              <a:t>11/6/2023</a:t>
+              <a:t>11/13/2023</a:t>
             </a:fld>
             <a:endParaRPr lang="en-US"/>
           </a:p>
@@ -3811,7 +4318,7 @@
           <a:p>
             <a:fld id="{846CE7D5-CF57-46EF-B807-FDD0502418D4}" type="datetimeFigureOut">
               <a:rPr lang="en-US" smtClean="0"/>
-              <a:t>11/6/2023</a:t>
+              <a:t>11/13/2023</a:t>
             </a:fld>
             <a:endParaRPr lang="en-US"/>
           </a:p>
@@ -4110,7 +4617,7 @@
           <a:p>
             <a:fld id="{846CE7D5-CF57-46EF-B807-FDD0502418D4}" type="datetimeFigureOut">
               <a:rPr lang="en-US" smtClean="0"/>
-              <a:t>11/6/2023</a:t>
+              <a:t>11/13/2023</a:t>
             </a:fld>
             <a:endParaRPr lang="en-US"/>
           </a:p>
@@ -4390,7 +4897,7 @@
           <a:p>
             <a:fld id="{846CE7D5-CF57-46EF-B807-FDD0502418D4}" type="datetimeFigureOut">
               <a:rPr lang="en-US" smtClean="0"/>
-              <a:t>11/6/2023</a:t>
+              <a:t>11/13/2023</a:t>
             </a:fld>
             <a:endParaRPr lang="en-US"/>
           </a:p>
@@ -4733,7 +5240,7 @@
           <a:p>
             <a:fld id="{846CE7D5-CF57-46EF-B807-FDD0502418D4}" type="datetimeFigureOut">
               <a:rPr lang="en-US" smtClean="0"/>
-              <a:t>11/6/2023</a:t>
+              <a:t>11/13/2023</a:t>
             </a:fld>
             <a:endParaRPr lang="en-US"/>
           </a:p>
@@ -5298,7 +5805,10 @@
           <a:bodyPr/>
           <a:lstStyle/>
           <a:p>
-            <a:endParaRPr lang="en-US" i="1" dirty="0"/>
+            <a:r>
+              <a:rPr lang="en-US" i="1" dirty="0"/>
+              <a:t>5421</a:t>
+            </a:r>
           </a:p>
         </p:txBody>
       </p:sp>
@@ -5380,7 +5890,7 @@
           <p:cNvPr id="2" name="Title 1">
             <a:extLst>
               <a:ext uri="{FF2B5EF4-FFF2-40B4-BE49-F238E27FC236}">
-                <a16:creationId xmlns:a16="http://schemas.microsoft.com/office/drawing/2014/main" id="{2D6961BA-1AE2-DA4D-85B1-EB065E052886}"/>
+                <a16:creationId xmlns:a16="http://schemas.microsoft.com/office/drawing/2014/main" id="{41B064E1-1AD4-71BE-9E6B-CD68C291D5FB}"/>
               </a:ext>
             </a:extLst>
           </p:cNvPr>
@@ -5397,18 +5907,1336 @@
           <a:lstStyle/>
           <a:p>
             <a:r>
-              <a:rPr lang="en-US" dirty="0"/>
-              <a:t>MNIST - Logits</a:t>
+              <a:rPr lang="en-US" dirty="0" err="1"/>
+              <a:t>Regularizer</a:t>
+            </a:r>
+            <a:endParaRPr lang="en-US" dirty="0"/>
+          </a:p>
+        </p:txBody>
+      </p:sp>
+      <p:sp>
+        <p:nvSpPr>
+          <p:cNvPr id="3" name="Content Placeholder 2">
+            <a:extLst>
+              <a:ext uri="{FF2B5EF4-FFF2-40B4-BE49-F238E27FC236}">
+                <a16:creationId xmlns:a16="http://schemas.microsoft.com/office/drawing/2014/main" id="{E9D9555A-D7E0-A349-E891-3A3030B4767E}"/>
+              </a:ext>
+            </a:extLst>
+          </p:cNvPr>
+          <p:cNvSpPr>
+            <a:spLocks noGrp="1"/>
+          </p:cNvSpPr>
+          <p:nvPr>
+            <p:ph idx="1"/>
+          </p:nvPr>
+        </p:nvSpPr>
+        <p:spPr/>
+        <p:txBody>
+          <a:bodyPr/>
+          <a:lstStyle/>
+          <a:p>
+            <a:pPr marL="0" indent="0">
+              <a:buNone/>
+            </a:pPr>
+            <a:r>
+              <a:rPr lang="en-US" sz="3200" b="1" dirty="0"/>
+              <a:t>Idea: </a:t>
+            </a:r>
+            <a:r>
+              <a:rPr lang="en-US" sz="3200" dirty="0"/>
+              <a:t>Compute the pairwise tropical distance between all points, penalize the loss function with the minimum distance.</a:t>
+            </a:r>
+          </a:p>
+          <a:p>
+            <a:pPr marL="0" indent="0">
+              <a:buNone/>
+            </a:pPr>
+            <a:r>
+              <a:rPr lang="en-US" sz="3200" b="1" dirty="0"/>
+              <a:t>Code:</a:t>
+            </a:r>
+            <a:r>
+              <a:rPr lang="en-US" sz="3200" dirty="0"/>
+              <a:t> </a:t>
+            </a:r>
+          </a:p>
+        </p:txBody>
+      </p:sp>
+      <p:sp>
+        <p:nvSpPr>
+          <p:cNvPr id="5" name="TextBox 4">
+            <a:extLst>
+              <a:ext uri="{FF2B5EF4-FFF2-40B4-BE49-F238E27FC236}">
+                <a16:creationId xmlns:a16="http://schemas.microsoft.com/office/drawing/2014/main" id="{46F0FE4F-1A84-110F-FF9F-19741E1B6C68}"/>
+              </a:ext>
+            </a:extLst>
+          </p:cNvPr>
+          <p:cNvSpPr txBox="1"/>
+          <p:nvPr/>
+        </p:nvSpPr>
+        <p:spPr>
+          <a:xfrm>
+            <a:off x="1112033" y="4102056"/>
+            <a:ext cx="10470367" cy="2677656"/>
+          </a:xfrm>
+          <a:prstGeom prst="rect">
+            <a:avLst/>
+          </a:prstGeom>
+          <a:solidFill>
+            <a:schemeClr val="tx1"/>
+          </a:solidFill>
+        </p:spPr>
+        <p:txBody>
+          <a:bodyPr wrap="square">
+            <a:spAutoFit/>
+          </a:bodyPr>
+          <a:lstStyle/>
+          <a:p>
+            <a:r>
+              <a:rPr lang="en-US" b="0" dirty="0">
+                <a:solidFill>
+                  <a:srgbClr val="569CD6"/>
+                </a:solidFill>
+                <a:effectLst/>
+                <a:latin typeface="Consolas" panose="020B0609020204030204" pitchFamily="49" charset="0"/>
+              </a:rPr>
+              <a:t>class</a:t>
+            </a:r>
+            <a:r>
+              <a:rPr lang="en-US" b="0" dirty="0">
+                <a:solidFill>
+                  <a:srgbClr val="D4D4D4"/>
+                </a:solidFill>
+                <a:effectLst/>
+                <a:latin typeface="Consolas" panose="020B0609020204030204" pitchFamily="49" charset="0"/>
+              </a:rPr>
+              <a:t> </a:t>
+            </a:r>
+            <a:r>
+              <a:rPr lang="en-US" b="0" dirty="0" err="1">
+                <a:solidFill>
+                  <a:srgbClr val="4EC9B0"/>
+                </a:solidFill>
+                <a:effectLst/>
+                <a:latin typeface="Consolas" panose="020B0609020204030204" pitchFamily="49" charset="0"/>
+              </a:rPr>
+              <a:t>TropRegIncreaseDistance</a:t>
+            </a:r>
+            <a:r>
+              <a:rPr lang="en-US" b="0" dirty="0">
+                <a:solidFill>
+                  <a:srgbClr val="D4D4D4"/>
+                </a:solidFill>
+                <a:effectLst/>
+                <a:latin typeface="Consolas" panose="020B0609020204030204" pitchFamily="49" charset="0"/>
+              </a:rPr>
+              <a:t>(</a:t>
+            </a:r>
+            <a:r>
+              <a:rPr lang="en-US" b="0" dirty="0" err="1">
+                <a:solidFill>
+                  <a:srgbClr val="4EC9B0"/>
+                </a:solidFill>
+                <a:effectLst/>
+                <a:latin typeface="Consolas" panose="020B0609020204030204" pitchFamily="49" charset="0"/>
+              </a:rPr>
+              <a:t>regularizers</a:t>
+            </a:r>
+            <a:r>
+              <a:rPr lang="en-US" b="0" dirty="0" err="1">
+                <a:solidFill>
+                  <a:srgbClr val="D4D4D4"/>
+                </a:solidFill>
+                <a:effectLst/>
+                <a:latin typeface="Consolas" panose="020B0609020204030204" pitchFamily="49" charset="0"/>
+              </a:rPr>
+              <a:t>.</a:t>
+            </a:r>
+            <a:r>
+              <a:rPr lang="en-US" b="0" dirty="0" err="1">
+                <a:solidFill>
+                  <a:srgbClr val="4EC9B0"/>
+                </a:solidFill>
+                <a:effectLst/>
+                <a:latin typeface="Consolas" panose="020B0609020204030204" pitchFamily="49" charset="0"/>
+              </a:rPr>
+              <a:t>Regularizer</a:t>
+            </a:r>
+            <a:r>
+              <a:rPr lang="en-US" b="0" dirty="0">
+                <a:solidFill>
+                  <a:srgbClr val="D4D4D4"/>
+                </a:solidFill>
+                <a:effectLst/>
+                <a:latin typeface="Consolas" panose="020B0609020204030204" pitchFamily="49" charset="0"/>
+              </a:rPr>
+              <a:t>):</a:t>
+            </a:r>
+          </a:p>
+          <a:p>
+            <a:r>
+              <a:rPr lang="en-US" b="0" dirty="0">
+                <a:solidFill>
+                  <a:srgbClr val="D4D4D4"/>
+                </a:solidFill>
+                <a:effectLst/>
+                <a:latin typeface="Consolas" panose="020B0609020204030204" pitchFamily="49" charset="0"/>
+              </a:rPr>
+              <a:t>    </a:t>
+            </a:r>
+            <a:r>
+              <a:rPr lang="en-US" b="0" dirty="0">
+                <a:solidFill>
+                  <a:srgbClr val="569CD6"/>
+                </a:solidFill>
+                <a:effectLst/>
+                <a:latin typeface="Consolas" panose="020B0609020204030204" pitchFamily="49" charset="0"/>
+              </a:rPr>
+              <a:t>def</a:t>
+            </a:r>
+            <a:r>
+              <a:rPr lang="en-US" b="0" dirty="0">
+                <a:solidFill>
+                  <a:srgbClr val="D4D4D4"/>
+                </a:solidFill>
+                <a:effectLst/>
+                <a:latin typeface="Consolas" panose="020B0609020204030204" pitchFamily="49" charset="0"/>
+              </a:rPr>
+              <a:t> </a:t>
+            </a:r>
+            <a:r>
+              <a:rPr lang="en-US" b="0" dirty="0">
+                <a:solidFill>
+                  <a:srgbClr val="DCDCAA"/>
+                </a:solidFill>
+                <a:effectLst/>
+                <a:latin typeface="Consolas" panose="020B0609020204030204" pitchFamily="49" charset="0"/>
+              </a:rPr>
+              <a:t>__</a:t>
+            </a:r>
+            <a:r>
+              <a:rPr lang="en-US" b="0" dirty="0" err="1">
+                <a:solidFill>
+                  <a:srgbClr val="DCDCAA"/>
+                </a:solidFill>
+                <a:effectLst/>
+                <a:latin typeface="Consolas" panose="020B0609020204030204" pitchFamily="49" charset="0"/>
+              </a:rPr>
+              <a:t>init</a:t>
+            </a:r>
+            <a:r>
+              <a:rPr lang="en-US" b="0" dirty="0">
+                <a:solidFill>
+                  <a:srgbClr val="DCDCAA"/>
+                </a:solidFill>
+                <a:effectLst/>
+                <a:latin typeface="Consolas" panose="020B0609020204030204" pitchFamily="49" charset="0"/>
+              </a:rPr>
+              <a:t>__</a:t>
+            </a:r>
+            <a:r>
+              <a:rPr lang="en-US" b="0" dirty="0">
+                <a:solidFill>
+                  <a:srgbClr val="D4D4D4"/>
+                </a:solidFill>
+                <a:effectLst/>
+                <a:latin typeface="Consolas" panose="020B0609020204030204" pitchFamily="49" charset="0"/>
+              </a:rPr>
+              <a:t>(</a:t>
+            </a:r>
+            <a:r>
+              <a:rPr lang="en-US" b="0" dirty="0">
+                <a:solidFill>
+                  <a:srgbClr val="9CDCFE"/>
+                </a:solidFill>
+                <a:effectLst/>
+                <a:latin typeface="Consolas" panose="020B0609020204030204" pitchFamily="49" charset="0"/>
+              </a:rPr>
+              <a:t>self</a:t>
+            </a:r>
+            <a:r>
+              <a:rPr lang="en-US" b="0" dirty="0">
+                <a:solidFill>
+                  <a:srgbClr val="D4D4D4"/>
+                </a:solidFill>
+                <a:effectLst/>
+                <a:latin typeface="Consolas" panose="020B0609020204030204" pitchFamily="49" charset="0"/>
+              </a:rPr>
+              <a:t>, </a:t>
+            </a:r>
+            <a:r>
+              <a:rPr lang="en-US" b="0" dirty="0">
+                <a:solidFill>
+                  <a:srgbClr val="9CDCFE"/>
+                </a:solidFill>
+                <a:effectLst/>
+                <a:latin typeface="Consolas" panose="020B0609020204030204" pitchFamily="49" charset="0"/>
+              </a:rPr>
+              <a:t>lam</a:t>
+            </a:r>
+            <a:r>
+              <a:rPr lang="en-US" b="0" dirty="0">
+                <a:solidFill>
+                  <a:srgbClr val="D4D4D4"/>
+                </a:solidFill>
+                <a:effectLst/>
+                <a:latin typeface="Consolas" panose="020B0609020204030204" pitchFamily="49" charset="0"/>
+              </a:rPr>
+              <a:t>=</a:t>
+            </a:r>
+            <a:r>
+              <a:rPr lang="en-US" b="0" dirty="0">
+                <a:solidFill>
+                  <a:srgbClr val="B5CEA8"/>
+                </a:solidFill>
+                <a:effectLst/>
+                <a:latin typeface="Consolas" panose="020B0609020204030204" pitchFamily="49" charset="0"/>
+              </a:rPr>
+              <a:t>1.0</a:t>
+            </a:r>
+            <a:r>
+              <a:rPr lang="en-US" b="0" dirty="0">
+                <a:solidFill>
+                  <a:srgbClr val="D4D4D4"/>
+                </a:solidFill>
+                <a:effectLst/>
+                <a:latin typeface="Consolas" panose="020B0609020204030204" pitchFamily="49" charset="0"/>
+              </a:rPr>
+              <a:t>):</a:t>
+            </a:r>
+          </a:p>
+          <a:p>
+            <a:r>
+              <a:rPr lang="en-US" b="0" dirty="0">
+                <a:solidFill>
+                  <a:srgbClr val="D4D4D4"/>
+                </a:solidFill>
+                <a:effectLst/>
+                <a:latin typeface="Consolas" panose="020B0609020204030204" pitchFamily="49" charset="0"/>
+              </a:rPr>
+              <a:t>        </a:t>
+            </a:r>
+            <a:r>
+              <a:rPr lang="en-US" b="0" dirty="0" err="1">
+                <a:solidFill>
+                  <a:srgbClr val="9CDCFE"/>
+                </a:solidFill>
+                <a:effectLst/>
+                <a:latin typeface="Consolas" panose="020B0609020204030204" pitchFamily="49" charset="0"/>
+              </a:rPr>
+              <a:t>self</a:t>
+            </a:r>
+            <a:r>
+              <a:rPr lang="en-US" b="0" dirty="0" err="1">
+                <a:solidFill>
+                  <a:srgbClr val="D4D4D4"/>
+                </a:solidFill>
+                <a:effectLst/>
+                <a:latin typeface="Consolas" panose="020B0609020204030204" pitchFamily="49" charset="0"/>
+              </a:rPr>
+              <a:t>.</a:t>
+            </a:r>
+            <a:r>
+              <a:rPr lang="en-US" b="0" dirty="0" err="1">
+                <a:solidFill>
+                  <a:srgbClr val="9CDCFE"/>
+                </a:solidFill>
+                <a:effectLst/>
+                <a:latin typeface="Consolas" panose="020B0609020204030204" pitchFamily="49" charset="0"/>
+              </a:rPr>
+              <a:t>lam</a:t>
+            </a:r>
+            <a:r>
+              <a:rPr lang="en-US" b="0" dirty="0">
+                <a:solidFill>
+                  <a:srgbClr val="D4D4D4"/>
+                </a:solidFill>
+                <a:effectLst/>
+                <a:latin typeface="Consolas" panose="020B0609020204030204" pitchFamily="49" charset="0"/>
+              </a:rPr>
+              <a:t> = </a:t>
+            </a:r>
+            <a:r>
+              <a:rPr lang="en-US" b="0" dirty="0">
+                <a:solidFill>
+                  <a:srgbClr val="9CDCFE"/>
+                </a:solidFill>
+                <a:effectLst/>
+                <a:latin typeface="Consolas" panose="020B0609020204030204" pitchFamily="49" charset="0"/>
+              </a:rPr>
+              <a:t>lam</a:t>
+            </a:r>
+            <a:endParaRPr lang="en-US" b="0" dirty="0">
+              <a:solidFill>
+                <a:srgbClr val="D4D4D4"/>
+              </a:solidFill>
+              <a:effectLst/>
+              <a:latin typeface="Consolas" panose="020B0609020204030204" pitchFamily="49" charset="0"/>
+            </a:endParaRPr>
+          </a:p>
+          <a:p>
+            <a:br>
+              <a:rPr lang="en-US" b="0" dirty="0">
+                <a:solidFill>
+                  <a:srgbClr val="D4D4D4"/>
+                </a:solidFill>
+                <a:effectLst/>
+                <a:latin typeface="Consolas" panose="020B0609020204030204" pitchFamily="49" charset="0"/>
+              </a:rPr>
+            </a:br>
+            <a:r>
+              <a:rPr lang="en-US" b="0" dirty="0">
+                <a:solidFill>
+                  <a:srgbClr val="D4D4D4"/>
+                </a:solidFill>
+                <a:effectLst/>
+                <a:latin typeface="Consolas" panose="020B0609020204030204" pitchFamily="49" charset="0"/>
+              </a:rPr>
+              <a:t>    </a:t>
+            </a:r>
+            <a:r>
+              <a:rPr lang="en-US" b="0" dirty="0">
+                <a:solidFill>
+                  <a:srgbClr val="569CD6"/>
+                </a:solidFill>
+                <a:effectLst/>
+                <a:latin typeface="Consolas" panose="020B0609020204030204" pitchFamily="49" charset="0"/>
+              </a:rPr>
+              <a:t>def</a:t>
+            </a:r>
+            <a:r>
+              <a:rPr lang="en-US" b="0" dirty="0">
+                <a:solidFill>
+                  <a:srgbClr val="D4D4D4"/>
+                </a:solidFill>
+                <a:effectLst/>
+                <a:latin typeface="Consolas" panose="020B0609020204030204" pitchFamily="49" charset="0"/>
+              </a:rPr>
+              <a:t> </a:t>
+            </a:r>
+            <a:r>
+              <a:rPr lang="en-US" b="0" dirty="0">
+                <a:solidFill>
+                  <a:srgbClr val="DCDCAA"/>
+                </a:solidFill>
+                <a:effectLst/>
+                <a:latin typeface="Consolas" panose="020B0609020204030204" pitchFamily="49" charset="0"/>
+              </a:rPr>
+              <a:t>__call__</a:t>
+            </a:r>
+            <a:r>
+              <a:rPr lang="en-US" b="0" dirty="0">
+                <a:solidFill>
+                  <a:srgbClr val="D4D4D4"/>
+                </a:solidFill>
+                <a:effectLst/>
+                <a:latin typeface="Consolas" panose="020B0609020204030204" pitchFamily="49" charset="0"/>
+              </a:rPr>
+              <a:t>(</a:t>
+            </a:r>
+            <a:r>
+              <a:rPr lang="en-US" b="0" dirty="0">
+                <a:solidFill>
+                  <a:srgbClr val="9CDCFE"/>
+                </a:solidFill>
+                <a:effectLst/>
+                <a:latin typeface="Consolas" panose="020B0609020204030204" pitchFamily="49" charset="0"/>
+              </a:rPr>
+              <a:t>self</a:t>
+            </a:r>
+            <a:r>
+              <a:rPr lang="en-US" b="0" dirty="0">
+                <a:solidFill>
+                  <a:srgbClr val="D4D4D4"/>
+                </a:solidFill>
+                <a:effectLst/>
+                <a:latin typeface="Consolas" panose="020B0609020204030204" pitchFamily="49" charset="0"/>
+              </a:rPr>
+              <a:t>, </a:t>
+            </a:r>
+            <a:r>
+              <a:rPr lang="en-US" b="0" dirty="0" err="1">
+                <a:solidFill>
+                  <a:srgbClr val="9CDCFE"/>
+                </a:solidFill>
+                <a:effectLst/>
+                <a:latin typeface="Consolas" panose="020B0609020204030204" pitchFamily="49" charset="0"/>
+              </a:rPr>
+              <a:t>weight_matrix</a:t>
+            </a:r>
+            <a:r>
+              <a:rPr lang="en-US" b="0" dirty="0">
+                <a:solidFill>
+                  <a:srgbClr val="D4D4D4"/>
+                </a:solidFill>
+                <a:effectLst/>
+                <a:latin typeface="Consolas" panose="020B0609020204030204" pitchFamily="49" charset="0"/>
+              </a:rPr>
+              <a:t>):</a:t>
+            </a:r>
+          </a:p>
+          <a:p>
+            <a:r>
+              <a:rPr lang="en-US" b="0" dirty="0">
+                <a:solidFill>
+                  <a:srgbClr val="D4D4D4"/>
+                </a:solidFill>
+                <a:effectLst/>
+                <a:latin typeface="Consolas" panose="020B0609020204030204" pitchFamily="49" charset="0"/>
+              </a:rPr>
+              <a:t>        </a:t>
+            </a:r>
+            <a:r>
+              <a:rPr lang="en-US" b="0" dirty="0" err="1">
+                <a:solidFill>
+                  <a:srgbClr val="9CDCFE"/>
+                </a:solidFill>
+                <a:effectLst/>
+                <a:latin typeface="Consolas" panose="020B0609020204030204" pitchFamily="49" charset="0"/>
+              </a:rPr>
+              <a:t>reshaped_weights</a:t>
+            </a:r>
+            <a:r>
+              <a:rPr lang="en-US" b="0" dirty="0">
+                <a:solidFill>
+                  <a:srgbClr val="D4D4D4"/>
+                </a:solidFill>
+                <a:effectLst/>
+                <a:latin typeface="Consolas" panose="020B0609020204030204" pitchFamily="49" charset="0"/>
+              </a:rPr>
+              <a:t> = </a:t>
+            </a:r>
+            <a:r>
+              <a:rPr lang="en-US" b="0" dirty="0" err="1">
+                <a:solidFill>
+                  <a:srgbClr val="D4D4D4"/>
+                </a:solidFill>
+                <a:effectLst/>
+                <a:latin typeface="Consolas" panose="020B0609020204030204" pitchFamily="49" charset="0"/>
+              </a:rPr>
+              <a:t>expand_dims</a:t>
+            </a:r>
+            <a:r>
+              <a:rPr lang="en-US" b="0" dirty="0">
+                <a:solidFill>
+                  <a:srgbClr val="D4D4D4"/>
+                </a:solidFill>
+                <a:effectLst/>
+                <a:latin typeface="Consolas" panose="020B0609020204030204" pitchFamily="49" charset="0"/>
+              </a:rPr>
+              <a:t>(</a:t>
+            </a:r>
+            <a:r>
+              <a:rPr lang="en-US" b="0" dirty="0">
+                <a:solidFill>
+                  <a:srgbClr val="9CDCFE"/>
+                </a:solidFill>
+                <a:effectLst/>
+                <a:latin typeface="Consolas" panose="020B0609020204030204" pitchFamily="49" charset="0"/>
+              </a:rPr>
+              <a:t>weight_matrix</a:t>
+            </a:r>
+            <a:r>
+              <a:rPr lang="en-US" b="0" dirty="0">
+                <a:solidFill>
+                  <a:srgbClr val="D4D4D4"/>
+                </a:solidFill>
+                <a:effectLst/>
+                <a:latin typeface="Consolas" panose="020B0609020204030204" pitchFamily="49" charset="0"/>
+              </a:rPr>
+              <a:t>,</a:t>
+            </a:r>
+            <a:r>
+              <a:rPr lang="en-US" b="0" dirty="0">
+                <a:solidFill>
+                  <a:srgbClr val="B5CEA8"/>
+                </a:solidFill>
+                <a:effectLst/>
+                <a:latin typeface="Consolas" panose="020B0609020204030204" pitchFamily="49" charset="0"/>
+              </a:rPr>
+              <a:t>1</a:t>
+            </a:r>
+            <a:r>
+              <a:rPr lang="en-US" b="0" dirty="0">
+                <a:solidFill>
+                  <a:srgbClr val="D4D4D4"/>
+                </a:solidFill>
+                <a:effectLst/>
+                <a:latin typeface="Consolas" panose="020B0609020204030204" pitchFamily="49" charset="0"/>
+              </a:rPr>
+              <a:t>)</a:t>
+            </a:r>
+          </a:p>
+          <a:p>
+            <a:r>
+              <a:rPr lang="en-US" b="0" dirty="0">
+                <a:solidFill>
+                  <a:srgbClr val="D4D4D4"/>
+                </a:solidFill>
+                <a:effectLst/>
+                <a:latin typeface="Consolas" panose="020B0609020204030204" pitchFamily="49" charset="0"/>
+              </a:rPr>
+              <a:t>        </a:t>
+            </a:r>
+            <a:r>
+              <a:rPr lang="en-US" b="0" dirty="0" err="1">
+                <a:solidFill>
+                  <a:srgbClr val="9CDCFE"/>
+                </a:solidFill>
+                <a:effectLst/>
+                <a:latin typeface="Consolas" panose="020B0609020204030204" pitchFamily="49" charset="0"/>
+              </a:rPr>
+              <a:t>result_addition</a:t>
+            </a:r>
+            <a:r>
+              <a:rPr lang="en-US" b="0" dirty="0">
+                <a:solidFill>
+                  <a:srgbClr val="D4D4D4"/>
+                </a:solidFill>
+                <a:effectLst/>
+                <a:latin typeface="Consolas" panose="020B0609020204030204" pitchFamily="49" charset="0"/>
+              </a:rPr>
+              <a:t> = </a:t>
+            </a:r>
+            <a:r>
+              <a:rPr lang="en-US" b="0" dirty="0" err="1">
+                <a:solidFill>
+                  <a:srgbClr val="9CDCFE"/>
+                </a:solidFill>
+                <a:effectLst/>
+                <a:latin typeface="Consolas" panose="020B0609020204030204" pitchFamily="49" charset="0"/>
+              </a:rPr>
+              <a:t>reshaped_weights</a:t>
+            </a:r>
+            <a:r>
+              <a:rPr lang="en-US" b="0" dirty="0">
+                <a:solidFill>
+                  <a:srgbClr val="D4D4D4"/>
+                </a:solidFill>
+                <a:effectLst/>
+                <a:latin typeface="Consolas" panose="020B0609020204030204" pitchFamily="49" charset="0"/>
+              </a:rPr>
+              <a:t> + transpose(</a:t>
+            </a:r>
+            <a:r>
+              <a:rPr lang="en-US" b="0" dirty="0" err="1">
+                <a:solidFill>
+                  <a:srgbClr val="9CDCFE"/>
+                </a:solidFill>
+                <a:effectLst/>
+                <a:latin typeface="Consolas" panose="020B0609020204030204" pitchFamily="49" charset="0"/>
+              </a:rPr>
+              <a:t>reshaped_weights</a:t>
+            </a:r>
+            <a:r>
+              <a:rPr lang="en-US" b="0" dirty="0">
+                <a:solidFill>
+                  <a:srgbClr val="D4D4D4"/>
+                </a:solidFill>
+                <a:effectLst/>
+                <a:latin typeface="Consolas" panose="020B0609020204030204" pitchFamily="49" charset="0"/>
+              </a:rPr>
+              <a:t>, </a:t>
+            </a:r>
+            <a:r>
+              <a:rPr lang="en-US" b="0" dirty="0">
+                <a:solidFill>
+                  <a:srgbClr val="9CDCFE"/>
+                </a:solidFill>
+                <a:effectLst/>
+                <a:latin typeface="Consolas" panose="020B0609020204030204" pitchFamily="49" charset="0"/>
+              </a:rPr>
+              <a:t>perm</a:t>
+            </a:r>
+            <a:r>
+              <a:rPr lang="en-US" b="0" dirty="0">
+                <a:solidFill>
+                  <a:srgbClr val="D4D4D4"/>
+                </a:solidFill>
+                <a:effectLst/>
+                <a:latin typeface="Consolas" panose="020B0609020204030204" pitchFamily="49" charset="0"/>
+              </a:rPr>
+              <a:t>=[</a:t>
+            </a:r>
+            <a:r>
+              <a:rPr lang="en-US" b="0" dirty="0">
+                <a:solidFill>
+                  <a:srgbClr val="B5CEA8"/>
+                </a:solidFill>
+                <a:effectLst/>
+                <a:latin typeface="Consolas" panose="020B0609020204030204" pitchFamily="49" charset="0"/>
+              </a:rPr>
+              <a:t>1</a:t>
+            </a:r>
+            <a:r>
+              <a:rPr lang="en-US" b="0" dirty="0">
+                <a:solidFill>
+                  <a:srgbClr val="D4D4D4"/>
+                </a:solidFill>
+                <a:effectLst/>
+                <a:latin typeface="Consolas" panose="020B0609020204030204" pitchFamily="49" charset="0"/>
+              </a:rPr>
+              <a:t>, </a:t>
+            </a:r>
+            <a:r>
+              <a:rPr lang="en-US" b="0" dirty="0">
+                <a:solidFill>
+                  <a:srgbClr val="B5CEA8"/>
+                </a:solidFill>
+                <a:effectLst/>
+                <a:latin typeface="Consolas" panose="020B0609020204030204" pitchFamily="49" charset="0"/>
+              </a:rPr>
+              <a:t>0</a:t>
+            </a:r>
+            <a:r>
+              <a:rPr lang="en-US" b="0" dirty="0">
+                <a:solidFill>
+                  <a:srgbClr val="D4D4D4"/>
+                </a:solidFill>
+                <a:effectLst/>
+                <a:latin typeface="Consolas" panose="020B0609020204030204" pitchFamily="49" charset="0"/>
+              </a:rPr>
+              <a:t>, </a:t>
+            </a:r>
+            <a:r>
+              <a:rPr lang="en-US" b="0" dirty="0">
+                <a:solidFill>
+                  <a:srgbClr val="B5CEA8"/>
+                </a:solidFill>
+                <a:effectLst/>
+                <a:latin typeface="Consolas" panose="020B0609020204030204" pitchFamily="49" charset="0"/>
+              </a:rPr>
+              <a:t>2</a:t>
+            </a:r>
+            <a:r>
+              <a:rPr lang="en-US" b="0" dirty="0">
+                <a:solidFill>
+                  <a:srgbClr val="D4D4D4"/>
+                </a:solidFill>
+                <a:effectLst/>
+                <a:latin typeface="Consolas" panose="020B0609020204030204" pitchFamily="49" charset="0"/>
+              </a:rPr>
+              <a:t>])</a:t>
+            </a:r>
+          </a:p>
+          <a:p>
+            <a:r>
+              <a:rPr lang="en-US" b="0" dirty="0">
+                <a:solidFill>
+                  <a:srgbClr val="D4D4D4"/>
+                </a:solidFill>
+                <a:effectLst/>
+                <a:latin typeface="Consolas" panose="020B0609020204030204" pitchFamily="49" charset="0"/>
+              </a:rPr>
+              <a:t>        </a:t>
+            </a:r>
+            <a:r>
+              <a:rPr lang="en-US" b="0" dirty="0" err="1">
+                <a:solidFill>
+                  <a:srgbClr val="9CDCFE"/>
+                </a:solidFill>
+                <a:effectLst/>
+                <a:latin typeface="Consolas" panose="020B0609020204030204" pitchFamily="49" charset="0"/>
+              </a:rPr>
+              <a:t>tropical_distances</a:t>
+            </a:r>
+            <a:r>
+              <a:rPr lang="en-US" b="0" dirty="0">
+                <a:solidFill>
+                  <a:srgbClr val="D4D4D4"/>
+                </a:solidFill>
+                <a:effectLst/>
+                <a:latin typeface="Consolas" panose="020B0609020204030204" pitchFamily="49" charset="0"/>
+              </a:rPr>
+              <a:t> = </a:t>
+            </a:r>
+            <a:r>
+              <a:rPr lang="en-US" b="0" dirty="0" err="1">
+                <a:solidFill>
+                  <a:srgbClr val="D4D4D4"/>
+                </a:solidFill>
+                <a:effectLst/>
+                <a:latin typeface="Consolas" panose="020B0609020204030204" pitchFamily="49" charset="0"/>
+              </a:rPr>
+              <a:t>reduce_max</a:t>
+            </a:r>
+            <a:r>
+              <a:rPr lang="en-US" b="0" dirty="0">
+                <a:solidFill>
+                  <a:srgbClr val="D4D4D4"/>
+                </a:solidFill>
+                <a:effectLst/>
+                <a:latin typeface="Consolas" panose="020B0609020204030204" pitchFamily="49" charset="0"/>
+              </a:rPr>
+              <a:t>(</a:t>
+            </a:r>
+            <a:r>
+              <a:rPr lang="en-US" b="0" dirty="0" err="1">
+                <a:solidFill>
+                  <a:srgbClr val="9CDCFE"/>
+                </a:solidFill>
+                <a:effectLst/>
+                <a:latin typeface="Consolas" panose="020B0609020204030204" pitchFamily="49" charset="0"/>
+              </a:rPr>
+              <a:t>result_addition</a:t>
+            </a:r>
+            <a:r>
+              <a:rPr lang="en-US" b="0" dirty="0">
+                <a:solidFill>
+                  <a:srgbClr val="D4D4D4"/>
+                </a:solidFill>
+                <a:effectLst/>
+                <a:latin typeface="Consolas" panose="020B0609020204030204" pitchFamily="49" charset="0"/>
+              </a:rPr>
+              <a:t>, </a:t>
+            </a:r>
+            <a:r>
+              <a:rPr lang="en-US" b="0" dirty="0">
+                <a:solidFill>
+                  <a:srgbClr val="9CDCFE"/>
+                </a:solidFill>
+                <a:effectLst/>
+                <a:latin typeface="Consolas" panose="020B0609020204030204" pitchFamily="49" charset="0"/>
+              </a:rPr>
+              <a:t>axis</a:t>
+            </a:r>
+            <a:r>
+              <a:rPr lang="en-US" b="0" dirty="0">
+                <a:solidFill>
+                  <a:srgbClr val="D4D4D4"/>
+                </a:solidFill>
+                <a:effectLst/>
+                <a:latin typeface="Consolas" panose="020B0609020204030204" pitchFamily="49" charset="0"/>
+              </a:rPr>
+              <a:t>=</a:t>
+            </a:r>
+            <a:r>
+              <a:rPr lang="en-US" b="0" dirty="0">
+                <a:solidFill>
+                  <a:srgbClr val="B5CEA8"/>
+                </a:solidFill>
+                <a:effectLst/>
+                <a:latin typeface="Consolas" panose="020B0609020204030204" pitchFamily="49" charset="0"/>
+              </a:rPr>
+              <a:t>2</a:t>
+            </a:r>
+            <a:r>
+              <a:rPr lang="en-US" b="0" dirty="0">
+                <a:solidFill>
+                  <a:srgbClr val="D4D4D4"/>
+                </a:solidFill>
+                <a:effectLst/>
+                <a:latin typeface="Consolas" panose="020B0609020204030204" pitchFamily="49" charset="0"/>
+              </a:rPr>
+              <a:t>) - </a:t>
+            </a:r>
+            <a:r>
+              <a:rPr lang="en-US" b="0" dirty="0" err="1">
+                <a:solidFill>
+                  <a:srgbClr val="D4D4D4"/>
+                </a:solidFill>
+                <a:effectLst/>
+                <a:latin typeface="Consolas" panose="020B0609020204030204" pitchFamily="49" charset="0"/>
+              </a:rPr>
+              <a:t>reduce_min</a:t>
+            </a:r>
+            <a:r>
+              <a:rPr lang="en-US" b="0" dirty="0">
+                <a:solidFill>
+                  <a:srgbClr val="D4D4D4"/>
+                </a:solidFill>
+                <a:effectLst/>
+                <a:latin typeface="Consolas" panose="020B0609020204030204" pitchFamily="49" charset="0"/>
+              </a:rPr>
+              <a:t>(</a:t>
+            </a:r>
+            <a:r>
+              <a:rPr lang="en-US" b="0" dirty="0" err="1">
+                <a:solidFill>
+                  <a:srgbClr val="9CDCFE"/>
+                </a:solidFill>
+                <a:effectLst/>
+                <a:latin typeface="Consolas" panose="020B0609020204030204" pitchFamily="49" charset="0"/>
+              </a:rPr>
+              <a:t>result_addition</a:t>
+            </a:r>
+            <a:r>
+              <a:rPr lang="en-US" b="0" dirty="0">
+                <a:solidFill>
+                  <a:srgbClr val="D4D4D4"/>
+                </a:solidFill>
+                <a:effectLst/>
+                <a:latin typeface="Consolas" panose="020B0609020204030204" pitchFamily="49" charset="0"/>
+              </a:rPr>
+              <a:t>, </a:t>
+            </a:r>
+            <a:r>
+              <a:rPr lang="en-US" b="0" dirty="0">
+                <a:solidFill>
+                  <a:srgbClr val="9CDCFE"/>
+                </a:solidFill>
+                <a:effectLst/>
+                <a:latin typeface="Consolas" panose="020B0609020204030204" pitchFamily="49" charset="0"/>
+              </a:rPr>
+              <a:t>axis</a:t>
+            </a:r>
+            <a:r>
+              <a:rPr lang="en-US" b="0" dirty="0">
+                <a:solidFill>
+                  <a:srgbClr val="D4D4D4"/>
+                </a:solidFill>
+                <a:effectLst/>
+                <a:latin typeface="Consolas" panose="020B0609020204030204" pitchFamily="49" charset="0"/>
+              </a:rPr>
+              <a:t>=</a:t>
+            </a:r>
+            <a:r>
+              <a:rPr lang="en-US" b="0" dirty="0">
+                <a:solidFill>
+                  <a:srgbClr val="B5CEA8"/>
+                </a:solidFill>
+                <a:effectLst/>
+                <a:latin typeface="Consolas" panose="020B0609020204030204" pitchFamily="49" charset="0"/>
+              </a:rPr>
+              <a:t>2</a:t>
+            </a:r>
+            <a:r>
+              <a:rPr lang="en-US" b="0" dirty="0">
+                <a:solidFill>
+                  <a:srgbClr val="D4D4D4"/>
+                </a:solidFill>
+                <a:effectLst/>
+                <a:latin typeface="Consolas" panose="020B0609020204030204" pitchFamily="49" charset="0"/>
+              </a:rPr>
+              <a:t>)</a:t>
+            </a:r>
+          </a:p>
+          <a:p>
+            <a:r>
+              <a:rPr lang="en-US" b="0" dirty="0">
+                <a:solidFill>
+                  <a:srgbClr val="D4D4D4"/>
+                </a:solidFill>
+                <a:effectLst/>
+                <a:latin typeface="Consolas" panose="020B0609020204030204" pitchFamily="49" charset="0"/>
+              </a:rPr>
+              <a:t>        </a:t>
+            </a:r>
+            <a:r>
+              <a:rPr lang="en-US" b="0" dirty="0">
+                <a:solidFill>
+                  <a:srgbClr val="9CDCFE"/>
+                </a:solidFill>
+                <a:effectLst/>
+                <a:latin typeface="Consolas" panose="020B0609020204030204" pitchFamily="49" charset="0"/>
+              </a:rPr>
+              <a:t>n</a:t>
+            </a:r>
+            <a:r>
+              <a:rPr lang="en-US" b="0" dirty="0">
+                <a:solidFill>
+                  <a:srgbClr val="D4D4D4"/>
+                </a:solidFill>
+                <a:effectLst/>
+                <a:latin typeface="Consolas" panose="020B0609020204030204" pitchFamily="49" charset="0"/>
+              </a:rPr>
+              <a:t> = shape(</a:t>
+            </a:r>
+            <a:r>
+              <a:rPr lang="en-US" b="0" dirty="0" err="1">
+                <a:solidFill>
+                  <a:srgbClr val="9CDCFE"/>
+                </a:solidFill>
+                <a:effectLst/>
+                <a:latin typeface="Consolas" panose="020B0609020204030204" pitchFamily="49" charset="0"/>
+              </a:rPr>
+              <a:t>tropical_distances</a:t>
+            </a:r>
+            <a:r>
+              <a:rPr lang="en-US" b="0" dirty="0">
+                <a:solidFill>
+                  <a:srgbClr val="D4D4D4"/>
+                </a:solidFill>
+                <a:effectLst/>
+                <a:latin typeface="Consolas" panose="020B0609020204030204" pitchFamily="49" charset="0"/>
+              </a:rPr>
+              <a:t>)[</a:t>
+            </a:r>
+            <a:r>
+              <a:rPr lang="en-US" b="0" dirty="0">
+                <a:solidFill>
+                  <a:srgbClr val="B5CEA8"/>
+                </a:solidFill>
+                <a:effectLst/>
+                <a:latin typeface="Consolas" panose="020B0609020204030204" pitchFamily="49" charset="0"/>
+              </a:rPr>
+              <a:t>0</a:t>
+            </a:r>
+            <a:r>
+              <a:rPr lang="en-US" b="0" dirty="0">
+                <a:solidFill>
+                  <a:srgbClr val="D4D4D4"/>
+                </a:solidFill>
+                <a:effectLst/>
+                <a:latin typeface="Consolas" panose="020B0609020204030204" pitchFamily="49" charset="0"/>
+              </a:rPr>
+              <a:t>]</a:t>
+            </a:r>
+          </a:p>
+          <a:p>
+            <a:r>
+              <a:rPr lang="en-US" b="0" dirty="0">
+                <a:solidFill>
+                  <a:srgbClr val="D4D4D4"/>
+                </a:solidFill>
+                <a:effectLst/>
+                <a:latin typeface="Consolas" panose="020B0609020204030204" pitchFamily="49" charset="0"/>
+              </a:rPr>
+              <a:t>        </a:t>
+            </a:r>
+            <a:r>
+              <a:rPr lang="en-US" b="0" dirty="0">
+                <a:solidFill>
+                  <a:srgbClr val="9CDCFE"/>
+                </a:solidFill>
+                <a:effectLst/>
+                <a:latin typeface="Consolas" panose="020B0609020204030204" pitchFamily="49" charset="0"/>
+              </a:rPr>
+              <a:t>mask</a:t>
+            </a:r>
+            <a:r>
+              <a:rPr lang="en-US" b="0" dirty="0">
+                <a:solidFill>
+                  <a:srgbClr val="D4D4D4"/>
+                </a:solidFill>
+                <a:effectLst/>
+                <a:latin typeface="Consolas" panose="020B0609020204030204" pitchFamily="49" charset="0"/>
+              </a:rPr>
+              <a:t> = </a:t>
+            </a:r>
+            <a:r>
+              <a:rPr lang="en-US" b="0" dirty="0" err="1">
+                <a:solidFill>
+                  <a:srgbClr val="D4D4D4"/>
+                </a:solidFill>
+                <a:effectLst/>
+                <a:latin typeface="Consolas" panose="020B0609020204030204" pitchFamily="49" charset="0"/>
+              </a:rPr>
+              <a:t>band_part</a:t>
+            </a:r>
+            <a:r>
+              <a:rPr lang="en-US" b="0" dirty="0">
+                <a:solidFill>
+                  <a:srgbClr val="D4D4D4"/>
+                </a:solidFill>
+                <a:effectLst/>
+                <a:latin typeface="Consolas" panose="020B0609020204030204" pitchFamily="49" charset="0"/>
+              </a:rPr>
+              <a:t>(ones((</a:t>
+            </a:r>
+            <a:r>
+              <a:rPr lang="en-US" b="0" dirty="0">
+                <a:solidFill>
+                  <a:srgbClr val="9CDCFE"/>
+                </a:solidFill>
+                <a:effectLst/>
+                <a:latin typeface="Consolas" panose="020B0609020204030204" pitchFamily="49" charset="0"/>
+              </a:rPr>
+              <a:t>n</a:t>
+            </a:r>
+            <a:r>
+              <a:rPr lang="en-US" b="0" dirty="0">
+                <a:solidFill>
+                  <a:srgbClr val="D4D4D4"/>
+                </a:solidFill>
+                <a:effectLst/>
+                <a:latin typeface="Consolas" panose="020B0609020204030204" pitchFamily="49" charset="0"/>
+              </a:rPr>
+              <a:t>, </a:t>
+            </a:r>
+            <a:r>
+              <a:rPr lang="en-US" b="0" dirty="0">
+                <a:solidFill>
+                  <a:srgbClr val="9CDCFE"/>
+                </a:solidFill>
+                <a:effectLst/>
+                <a:latin typeface="Consolas" panose="020B0609020204030204" pitchFamily="49" charset="0"/>
+              </a:rPr>
+              <a:t>n</a:t>
+            </a:r>
+            <a:r>
+              <a:rPr lang="en-US" b="0" dirty="0">
+                <a:solidFill>
+                  <a:srgbClr val="D4D4D4"/>
+                </a:solidFill>
+                <a:effectLst/>
+                <a:latin typeface="Consolas" panose="020B0609020204030204" pitchFamily="49" charset="0"/>
+              </a:rPr>
+              <a:t>), </a:t>
+            </a:r>
+            <a:r>
+              <a:rPr lang="en-US" b="0" dirty="0" err="1">
+                <a:solidFill>
+                  <a:srgbClr val="9CDCFE"/>
+                </a:solidFill>
+                <a:effectLst/>
+                <a:latin typeface="Consolas" panose="020B0609020204030204" pitchFamily="49" charset="0"/>
+              </a:rPr>
+              <a:t>dtype</a:t>
+            </a:r>
+            <a:r>
+              <a:rPr lang="en-US" b="0" dirty="0">
+                <a:solidFill>
+                  <a:srgbClr val="D4D4D4"/>
+                </a:solidFill>
+                <a:effectLst/>
+                <a:latin typeface="Consolas" panose="020B0609020204030204" pitchFamily="49" charset="0"/>
+              </a:rPr>
+              <a:t>=</a:t>
+            </a:r>
+            <a:r>
+              <a:rPr lang="en-US" b="0" dirty="0">
+                <a:solidFill>
+                  <a:srgbClr val="4EC9B0"/>
+                </a:solidFill>
+                <a:effectLst/>
+                <a:latin typeface="Consolas" panose="020B0609020204030204" pitchFamily="49" charset="0"/>
+              </a:rPr>
+              <a:t>bool</a:t>
+            </a:r>
+            <a:r>
+              <a:rPr lang="en-US" b="0" dirty="0">
+                <a:solidFill>
+                  <a:srgbClr val="D4D4D4"/>
+                </a:solidFill>
+                <a:effectLst/>
+                <a:latin typeface="Consolas" panose="020B0609020204030204" pitchFamily="49" charset="0"/>
+              </a:rPr>
+              <a:t>), </a:t>
+            </a:r>
+            <a:r>
+              <a:rPr lang="en-US" b="0" dirty="0">
+                <a:solidFill>
+                  <a:srgbClr val="B5CEA8"/>
+                </a:solidFill>
+                <a:effectLst/>
+                <a:latin typeface="Consolas" panose="020B0609020204030204" pitchFamily="49" charset="0"/>
+              </a:rPr>
+              <a:t>0</a:t>
+            </a:r>
+            <a:r>
+              <a:rPr lang="en-US" b="0" dirty="0">
+                <a:solidFill>
+                  <a:srgbClr val="D4D4D4"/>
+                </a:solidFill>
+                <a:effectLst/>
+                <a:latin typeface="Consolas" panose="020B0609020204030204" pitchFamily="49" charset="0"/>
+              </a:rPr>
+              <a:t>, -</a:t>
+            </a:r>
+            <a:r>
+              <a:rPr lang="en-US" b="0" dirty="0">
+                <a:solidFill>
+                  <a:srgbClr val="B5CEA8"/>
+                </a:solidFill>
+                <a:effectLst/>
+                <a:latin typeface="Consolas" panose="020B0609020204030204" pitchFamily="49" charset="0"/>
+              </a:rPr>
+              <a:t>1</a:t>
+            </a:r>
+            <a:r>
+              <a:rPr lang="en-US" b="0" dirty="0">
+                <a:solidFill>
+                  <a:srgbClr val="D4D4D4"/>
+                </a:solidFill>
+                <a:effectLst/>
+                <a:latin typeface="Consolas" panose="020B0609020204030204" pitchFamily="49" charset="0"/>
+              </a:rPr>
+              <a:t>)</a:t>
+            </a:r>
+          </a:p>
+          <a:p>
+            <a:r>
+              <a:rPr lang="en-US" b="0" dirty="0">
+                <a:solidFill>
+                  <a:srgbClr val="D4D4D4"/>
+                </a:solidFill>
+                <a:effectLst/>
+                <a:latin typeface="Consolas" panose="020B0609020204030204" pitchFamily="49" charset="0"/>
+              </a:rPr>
+              <a:t>        </a:t>
+            </a:r>
+            <a:r>
+              <a:rPr lang="en-US" b="0" dirty="0" err="1">
+                <a:solidFill>
+                  <a:srgbClr val="9CDCFE"/>
+                </a:solidFill>
+                <a:effectLst/>
+                <a:latin typeface="Consolas" panose="020B0609020204030204" pitchFamily="49" charset="0"/>
+              </a:rPr>
+              <a:t>flat_vector</a:t>
+            </a:r>
+            <a:r>
+              <a:rPr lang="en-US" b="0" dirty="0">
+                <a:solidFill>
+                  <a:srgbClr val="D4D4D4"/>
+                </a:solidFill>
+                <a:effectLst/>
+                <a:latin typeface="Consolas" panose="020B0609020204030204" pitchFamily="49" charset="0"/>
+              </a:rPr>
+              <a:t> = </a:t>
+            </a:r>
+            <a:r>
+              <a:rPr lang="en-US" b="0" dirty="0" err="1">
+                <a:solidFill>
+                  <a:srgbClr val="D4D4D4"/>
+                </a:solidFill>
+                <a:effectLst/>
+                <a:latin typeface="Consolas" panose="020B0609020204030204" pitchFamily="49" charset="0"/>
+              </a:rPr>
+              <a:t>boolean_mask</a:t>
+            </a:r>
+            <a:r>
+              <a:rPr lang="en-US" b="0" dirty="0">
+                <a:solidFill>
+                  <a:srgbClr val="D4D4D4"/>
+                </a:solidFill>
+                <a:effectLst/>
+                <a:latin typeface="Consolas" panose="020B0609020204030204" pitchFamily="49" charset="0"/>
+              </a:rPr>
+              <a:t>(</a:t>
+            </a:r>
+            <a:r>
+              <a:rPr lang="en-US" b="0" dirty="0" err="1">
+                <a:solidFill>
+                  <a:srgbClr val="9CDCFE"/>
+                </a:solidFill>
+                <a:effectLst/>
+                <a:latin typeface="Consolas" panose="020B0609020204030204" pitchFamily="49" charset="0"/>
+              </a:rPr>
+              <a:t>tropical_distances</a:t>
+            </a:r>
+            <a:r>
+              <a:rPr lang="en-US" b="0" dirty="0" err="1">
+                <a:solidFill>
+                  <a:srgbClr val="D4D4D4"/>
+                </a:solidFill>
+                <a:effectLst/>
+                <a:latin typeface="Consolas" panose="020B0609020204030204" pitchFamily="49" charset="0"/>
+              </a:rPr>
+              <a:t>,logical_not</a:t>
+            </a:r>
+            <a:r>
+              <a:rPr lang="en-US" b="0" dirty="0">
+                <a:solidFill>
+                  <a:srgbClr val="D4D4D4"/>
+                </a:solidFill>
+                <a:effectLst/>
+                <a:latin typeface="Consolas" panose="020B0609020204030204" pitchFamily="49" charset="0"/>
+              </a:rPr>
+              <a:t>(</a:t>
+            </a:r>
+            <a:r>
+              <a:rPr lang="en-US" b="0" dirty="0">
+                <a:solidFill>
+                  <a:srgbClr val="9CDCFE"/>
+                </a:solidFill>
+                <a:effectLst/>
+                <a:latin typeface="Consolas" panose="020B0609020204030204" pitchFamily="49" charset="0"/>
+              </a:rPr>
+              <a:t>mask</a:t>
+            </a:r>
+            <a:r>
+              <a:rPr lang="en-US" b="0" dirty="0">
+                <a:solidFill>
+                  <a:srgbClr val="D4D4D4"/>
+                </a:solidFill>
+                <a:effectLst/>
+                <a:latin typeface="Consolas" panose="020B0609020204030204" pitchFamily="49" charset="0"/>
+              </a:rPr>
+              <a:t>))</a:t>
+            </a:r>
+          </a:p>
+          <a:p>
+            <a:r>
+              <a:rPr lang="en-US" b="0" dirty="0">
+                <a:solidFill>
+                  <a:srgbClr val="D4D4D4"/>
+                </a:solidFill>
+                <a:effectLst/>
+                <a:latin typeface="Consolas" panose="020B0609020204030204" pitchFamily="49" charset="0"/>
+              </a:rPr>
+              <a:t>        </a:t>
+            </a:r>
+            <a:r>
+              <a:rPr lang="en-US" b="0" dirty="0">
+                <a:solidFill>
+                  <a:srgbClr val="C586C0"/>
+                </a:solidFill>
+                <a:effectLst/>
+                <a:latin typeface="Consolas" panose="020B0609020204030204" pitchFamily="49" charset="0"/>
+              </a:rPr>
+              <a:t>return</a:t>
+            </a:r>
+            <a:r>
+              <a:rPr lang="en-US" b="0" dirty="0">
+                <a:solidFill>
+                  <a:srgbClr val="D4D4D4"/>
+                </a:solidFill>
+                <a:effectLst/>
+                <a:latin typeface="Consolas" panose="020B0609020204030204" pitchFamily="49" charset="0"/>
+              </a:rPr>
+              <a:t> exp(-</a:t>
+            </a:r>
+            <a:r>
+              <a:rPr lang="en-US" b="0" dirty="0" err="1">
+                <a:solidFill>
+                  <a:srgbClr val="D4D4D4"/>
+                </a:solidFill>
+                <a:effectLst/>
+                <a:latin typeface="Consolas" panose="020B0609020204030204" pitchFamily="49" charset="0"/>
+              </a:rPr>
+              <a:t>reduce_min</a:t>
+            </a:r>
+            <a:r>
+              <a:rPr lang="en-US" b="0" dirty="0">
+                <a:solidFill>
+                  <a:srgbClr val="D4D4D4"/>
+                </a:solidFill>
+                <a:effectLst/>
+                <a:latin typeface="Consolas" panose="020B0609020204030204" pitchFamily="49" charset="0"/>
+              </a:rPr>
+              <a:t>(</a:t>
+            </a:r>
+            <a:r>
+              <a:rPr lang="en-US" b="0" dirty="0" err="1">
+                <a:solidFill>
+                  <a:srgbClr val="9CDCFE"/>
+                </a:solidFill>
+                <a:effectLst/>
+                <a:latin typeface="Consolas" panose="020B0609020204030204" pitchFamily="49" charset="0"/>
+              </a:rPr>
+              <a:t>flat_vector</a:t>
+            </a:r>
+            <a:r>
+              <a:rPr lang="en-US" b="0" dirty="0">
+                <a:solidFill>
+                  <a:srgbClr val="D4D4D4"/>
+                </a:solidFill>
+                <a:effectLst/>
+                <a:latin typeface="Consolas" panose="020B0609020204030204" pitchFamily="49" charset="0"/>
+              </a:rPr>
+              <a:t>))</a:t>
             </a:r>
           </a:p>
         </p:txBody>
       </p:sp>
       <p:pic>
         <p:nvPicPr>
-          <p:cNvPr id="5" name="Picture 4">
+          <p:cNvPr id="4" name="Picture 3">
             <a:extLst>
               <a:ext uri="{FF2B5EF4-FFF2-40B4-BE49-F238E27FC236}">
-                <a16:creationId xmlns:a16="http://schemas.microsoft.com/office/drawing/2014/main" id="{3C7FC430-01FE-5DAA-647E-84058CC28C3F}"/>
+                <a16:creationId xmlns:a16="http://schemas.microsoft.com/office/drawing/2014/main" id="{F6EAB0D7-0829-1825-6A0E-539AAF41AB26}"/>
               </a:ext>
             </a:extLst>
           </p:cNvPr>
@@ -5425,20 +7253,281 @@
         </p:blipFill>
         <p:spPr>
           <a:xfrm>
-            <a:off x="609600" y="1516302"/>
-            <a:ext cx="5400675" cy="4476750"/>
+            <a:off x="7587254" y="2371464"/>
+            <a:ext cx="3840658" cy="2889467"/>
           </a:xfrm>
           <a:prstGeom prst="rect">
             <a:avLst/>
           </a:prstGeom>
+          <a:ln>
+            <a:solidFill>
+              <a:schemeClr val="tx1"/>
+            </a:solidFill>
+          </a:ln>
         </p:spPr>
       </p:pic>
+      <p:cxnSp>
+        <p:nvCxnSpPr>
+          <p:cNvPr id="7" name="Straight Connector 6">
+            <a:extLst>
+              <a:ext uri="{FF2B5EF4-FFF2-40B4-BE49-F238E27FC236}">
+                <a16:creationId xmlns:a16="http://schemas.microsoft.com/office/drawing/2014/main" id="{40796112-AD8C-5B95-BCEA-F32830432A73}"/>
+              </a:ext>
+            </a:extLst>
+          </p:cNvPr>
+          <p:cNvCxnSpPr/>
+          <p:nvPr/>
+        </p:nvCxnSpPr>
+        <p:spPr>
+          <a:xfrm flipV="1">
+            <a:off x="8761956" y="3568656"/>
+            <a:ext cx="544882" cy="589985"/>
+          </a:xfrm>
+          <a:prstGeom prst="line">
+            <a:avLst/>
+          </a:prstGeom>
+          <a:ln w="38100">
+            <a:solidFill>
+              <a:srgbClr val="FF0000"/>
+            </a:solidFill>
+          </a:ln>
+        </p:spPr>
+        <p:style>
+          <a:lnRef idx="1">
+            <a:schemeClr val="accent1"/>
+          </a:lnRef>
+          <a:fillRef idx="0">
+            <a:schemeClr val="accent1"/>
+          </a:fillRef>
+          <a:effectRef idx="0">
+            <a:schemeClr val="accent1"/>
+          </a:effectRef>
+          <a:fontRef idx="minor">
+            <a:schemeClr val="tx1"/>
+          </a:fontRef>
+        </p:style>
+      </p:cxnSp>
+      <p:cxnSp>
+        <p:nvCxnSpPr>
+          <p:cNvPr id="8" name="Straight Connector 7">
+            <a:extLst>
+              <a:ext uri="{FF2B5EF4-FFF2-40B4-BE49-F238E27FC236}">
+                <a16:creationId xmlns:a16="http://schemas.microsoft.com/office/drawing/2014/main" id="{6BA4DBCD-6BAC-58FA-AD9A-C08CA875FD8D}"/>
+              </a:ext>
+            </a:extLst>
+          </p:cNvPr>
+          <p:cNvCxnSpPr>
+            <a:cxnSpLocks/>
+          </p:cNvCxnSpPr>
+          <p:nvPr/>
+        </p:nvCxnSpPr>
+        <p:spPr>
+          <a:xfrm flipV="1">
+            <a:off x="8761956" y="3568656"/>
+            <a:ext cx="1277655" cy="589985"/>
+          </a:xfrm>
+          <a:prstGeom prst="line">
+            <a:avLst/>
+          </a:prstGeom>
+          <a:ln w="38100">
+            <a:solidFill>
+              <a:srgbClr val="FF0000"/>
+            </a:solidFill>
+          </a:ln>
+        </p:spPr>
+        <p:style>
+          <a:lnRef idx="1">
+            <a:schemeClr val="accent1"/>
+          </a:lnRef>
+          <a:fillRef idx="0">
+            <a:schemeClr val="accent1"/>
+          </a:fillRef>
+          <a:effectRef idx="0">
+            <a:schemeClr val="accent1"/>
+          </a:effectRef>
+          <a:fontRef idx="minor">
+            <a:schemeClr val="tx1"/>
+          </a:fontRef>
+        </p:style>
+      </p:cxnSp>
+      <p:cxnSp>
+        <p:nvCxnSpPr>
+          <p:cNvPr id="11" name="Straight Connector 10">
+            <a:extLst>
+              <a:ext uri="{FF2B5EF4-FFF2-40B4-BE49-F238E27FC236}">
+                <a16:creationId xmlns:a16="http://schemas.microsoft.com/office/drawing/2014/main" id="{A6FFA529-866E-FEBC-3C2E-61B131546DA6}"/>
+              </a:ext>
+            </a:extLst>
+          </p:cNvPr>
+          <p:cNvCxnSpPr>
+            <a:cxnSpLocks/>
+          </p:cNvCxnSpPr>
+          <p:nvPr/>
+        </p:nvCxnSpPr>
+        <p:spPr>
+          <a:xfrm>
+            <a:off x="8761956" y="4158641"/>
+            <a:ext cx="1822537" cy="0"/>
+          </a:xfrm>
+          <a:prstGeom prst="line">
+            <a:avLst/>
+          </a:prstGeom>
+          <a:ln w="38100">
+            <a:solidFill>
+              <a:srgbClr val="FF0000"/>
+            </a:solidFill>
+          </a:ln>
+        </p:spPr>
+        <p:style>
+          <a:lnRef idx="1">
+            <a:schemeClr val="accent1"/>
+          </a:lnRef>
+          <a:fillRef idx="0">
+            <a:schemeClr val="accent1"/>
+          </a:fillRef>
+          <a:effectRef idx="0">
+            <a:schemeClr val="accent1"/>
+          </a:effectRef>
+          <a:fontRef idx="minor">
+            <a:schemeClr val="tx1"/>
+          </a:fontRef>
+        </p:style>
+      </p:cxnSp>
+      <p:cxnSp>
+        <p:nvCxnSpPr>
+          <p:cNvPr id="14" name="Straight Connector 13">
+            <a:extLst>
+              <a:ext uri="{FF2B5EF4-FFF2-40B4-BE49-F238E27FC236}">
+                <a16:creationId xmlns:a16="http://schemas.microsoft.com/office/drawing/2014/main" id="{8169C636-BBF4-2197-687C-EF5EB6EF1C98}"/>
+              </a:ext>
+            </a:extLst>
+          </p:cNvPr>
+          <p:cNvCxnSpPr>
+            <a:cxnSpLocks/>
+          </p:cNvCxnSpPr>
+          <p:nvPr/>
+        </p:nvCxnSpPr>
+        <p:spPr>
+          <a:xfrm>
+            <a:off x="9306838" y="3568656"/>
+            <a:ext cx="732773" cy="0"/>
+          </a:xfrm>
+          <a:prstGeom prst="line">
+            <a:avLst/>
+          </a:prstGeom>
+          <a:ln w="38100">
+            <a:solidFill>
+              <a:srgbClr val="008000"/>
+            </a:solidFill>
+          </a:ln>
+        </p:spPr>
+        <p:style>
+          <a:lnRef idx="1">
+            <a:schemeClr val="accent1"/>
+          </a:lnRef>
+          <a:fillRef idx="0">
+            <a:schemeClr val="accent1"/>
+          </a:fillRef>
+          <a:effectRef idx="0">
+            <a:schemeClr val="accent1"/>
+          </a:effectRef>
+          <a:fontRef idx="minor">
+            <a:schemeClr val="tx1"/>
+          </a:fontRef>
+        </p:style>
+      </p:cxnSp>
+      <p:cxnSp>
+        <p:nvCxnSpPr>
+          <p:cNvPr id="17" name="Straight Connector 16">
+            <a:extLst>
+              <a:ext uri="{FF2B5EF4-FFF2-40B4-BE49-F238E27FC236}">
+                <a16:creationId xmlns:a16="http://schemas.microsoft.com/office/drawing/2014/main" id="{751D4BB6-31CA-A82E-BF75-F253318A35D1}"/>
+              </a:ext>
+            </a:extLst>
+          </p:cNvPr>
+          <p:cNvCxnSpPr>
+            <a:cxnSpLocks/>
+          </p:cNvCxnSpPr>
+          <p:nvPr/>
+        </p:nvCxnSpPr>
+        <p:spPr>
+          <a:xfrm flipH="1" flipV="1">
+            <a:off x="9306838" y="3568656"/>
+            <a:ext cx="1277655" cy="589985"/>
+          </a:xfrm>
+          <a:prstGeom prst="line">
+            <a:avLst/>
+          </a:prstGeom>
+          <a:ln w="38100">
+            <a:solidFill>
+              <a:srgbClr val="FF0000"/>
+            </a:solidFill>
+          </a:ln>
+        </p:spPr>
+        <p:style>
+          <a:lnRef idx="1">
+            <a:schemeClr val="accent1"/>
+          </a:lnRef>
+          <a:fillRef idx="0">
+            <a:schemeClr val="accent1"/>
+          </a:fillRef>
+          <a:effectRef idx="0">
+            <a:schemeClr val="accent1"/>
+          </a:effectRef>
+          <a:fontRef idx="minor">
+            <a:schemeClr val="tx1"/>
+          </a:fontRef>
+        </p:style>
+      </p:cxnSp>
+      <p:cxnSp>
+        <p:nvCxnSpPr>
+          <p:cNvPr id="20" name="Straight Connector 19">
+            <a:extLst>
+              <a:ext uri="{FF2B5EF4-FFF2-40B4-BE49-F238E27FC236}">
+                <a16:creationId xmlns:a16="http://schemas.microsoft.com/office/drawing/2014/main" id="{FBBC04F8-8DCA-B98B-7804-94DCA345A09F}"/>
+              </a:ext>
+            </a:extLst>
+          </p:cNvPr>
+          <p:cNvCxnSpPr>
+            <a:cxnSpLocks/>
+          </p:cNvCxnSpPr>
+          <p:nvPr/>
+        </p:nvCxnSpPr>
+        <p:spPr>
+          <a:xfrm flipH="1" flipV="1">
+            <a:off x="10039611" y="3568656"/>
+            <a:ext cx="544882" cy="589985"/>
+          </a:xfrm>
+          <a:prstGeom prst="line">
+            <a:avLst/>
+          </a:prstGeom>
+          <a:ln w="38100">
+            <a:solidFill>
+              <a:srgbClr val="FF0000"/>
+            </a:solidFill>
+          </a:ln>
+        </p:spPr>
+        <p:style>
+          <a:lnRef idx="1">
+            <a:schemeClr val="accent1"/>
+          </a:lnRef>
+          <a:fillRef idx="0">
+            <a:schemeClr val="accent1"/>
+          </a:fillRef>
+          <a:effectRef idx="0">
+            <a:schemeClr val="accent1"/>
+          </a:effectRef>
+          <a:fontRef idx="minor">
+            <a:schemeClr val="tx1"/>
+          </a:fontRef>
+        </p:style>
+      </p:cxnSp>
       <p:pic>
         <p:nvPicPr>
-          <p:cNvPr id="7" name="Picture 6">
+          <p:cNvPr id="23" name="Picture 22">
             <a:extLst>
               <a:ext uri="{FF2B5EF4-FFF2-40B4-BE49-F238E27FC236}">
-                <a16:creationId xmlns:a16="http://schemas.microsoft.com/office/drawing/2014/main" id="{6AFDE43D-3654-678F-CC5C-838181BEE1A1}"/>
+                <a16:creationId xmlns:a16="http://schemas.microsoft.com/office/drawing/2014/main" id="{61EB2139-349A-8F5C-FC26-3476185717BD}"/>
               </a:ext>
             </a:extLst>
           </p:cNvPr>
@@ -5455,8 +7544,8 @@
         </p:blipFill>
         <p:spPr>
           <a:xfrm>
-            <a:off x="6288405" y="1516302"/>
-            <a:ext cx="5400675" cy="4476750"/>
+            <a:off x="3966315" y="2035131"/>
+            <a:ext cx="4076700" cy="3067050"/>
           </a:xfrm>
           <a:prstGeom prst="rect">
             <a:avLst/>
@@ -5466,7 +7555,7 @@
     </p:spTree>
     <p:extLst>
       <p:ext uri="{BB962C8B-B14F-4D97-AF65-F5344CB8AC3E}">
-        <p14:creationId xmlns:p14="http://schemas.microsoft.com/office/powerpoint/2010/main" val="913688695"/>
+        <p14:creationId xmlns:p14="http://schemas.microsoft.com/office/powerpoint/2010/main" val="500492656"/>
       </p:ext>
     </p:extLst>
   </p:cSld>
@@ -5480,6 +7569,6185 @@
 </file>
 
 <file path=ppt/slides/slide3.xml><?xml version="1.0" encoding="utf-8"?>
+<p:sld xmlns:a="http://schemas.openxmlformats.org/drawingml/2006/main" xmlns:r="http://schemas.openxmlformats.org/officeDocument/2006/relationships" xmlns:p="http://schemas.openxmlformats.org/presentationml/2006/main">
+  <p:cSld>
+    <p:spTree>
+      <p:nvGrpSpPr>
+        <p:cNvPr id="1" name=""/>
+        <p:cNvGrpSpPr/>
+        <p:nvPr/>
+      </p:nvGrpSpPr>
+      <p:grpSpPr>
+        <a:xfrm>
+          <a:off x="0" y="0"/>
+          <a:ext cx="0" cy="0"/>
+          <a:chOff x="0" y="0"/>
+          <a:chExt cx="0" cy="0"/>
+        </a:xfrm>
+      </p:grpSpPr>
+      <p:sp>
+        <p:nvSpPr>
+          <p:cNvPr id="2" name="Title 1">
+            <a:extLst>
+              <a:ext uri="{FF2B5EF4-FFF2-40B4-BE49-F238E27FC236}">
+                <a16:creationId xmlns:a16="http://schemas.microsoft.com/office/drawing/2014/main" id="{41B064E1-1AD4-71BE-9E6B-CD68C291D5FB}"/>
+              </a:ext>
+            </a:extLst>
+          </p:cNvPr>
+          <p:cNvSpPr>
+            <a:spLocks noGrp="1"/>
+          </p:cNvSpPr>
+          <p:nvPr>
+            <p:ph type="title"/>
+          </p:nvPr>
+        </p:nvSpPr>
+        <p:spPr/>
+        <p:txBody>
+          <a:bodyPr/>
+          <a:lstStyle/>
+          <a:p>
+            <a:r>
+              <a:rPr lang="en-US" dirty="0" err="1"/>
+              <a:t>Regularizer</a:t>
+            </a:r>
+            <a:endParaRPr lang="en-US" dirty="0"/>
+          </a:p>
+        </p:txBody>
+      </p:sp>
+      <p:sp>
+        <p:nvSpPr>
+          <p:cNvPr id="5" name="TextBox 4">
+            <a:extLst>
+              <a:ext uri="{FF2B5EF4-FFF2-40B4-BE49-F238E27FC236}">
+                <a16:creationId xmlns:a16="http://schemas.microsoft.com/office/drawing/2014/main" id="{46F0FE4F-1A84-110F-FF9F-19741E1B6C68}"/>
+              </a:ext>
+            </a:extLst>
+          </p:cNvPr>
+          <p:cNvSpPr txBox="1"/>
+          <p:nvPr/>
+        </p:nvSpPr>
+        <p:spPr>
+          <a:xfrm>
+            <a:off x="1112033" y="4102056"/>
+            <a:ext cx="10470367" cy="2677656"/>
+          </a:xfrm>
+          <a:prstGeom prst="rect">
+            <a:avLst/>
+          </a:prstGeom>
+          <a:solidFill>
+            <a:schemeClr val="tx1"/>
+          </a:solidFill>
+        </p:spPr>
+        <p:txBody>
+          <a:bodyPr wrap="square">
+            <a:spAutoFit/>
+          </a:bodyPr>
+          <a:lstStyle/>
+          <a:p>
+            <a:r>
+              <a:rPr lang="en-US" b="0" dirty="0">
+                <a:solidFill>
+                  <a:srgbClr val="569CD6"/>
+                </a:solidFill>
+                <a:effectLst/>
+                <a:latin typeface="Consolas" panose="020B0609020204030204" pitchFamily="49" charset="0"/>
+              </a:rPr>
+              <a:t>class</a:t>
+            </a:r>
+            <a:r>
+              <a:rPr lang="en-US" b="0" dirty="0">
+                <a:solidFill>
+                  <a:srgbClr val="D4D4D4"/>
+                </a:solidFill>
+                <a:effectLst/>
+                <a:latin typeface="Consolas" panose="020B0609020204030204" pitchFamily="49" charset="0"/>
+              </a:rPr>
+              <a:t> </a:t>
+            </a:r>
+            <a:r>
+              <a:rPr lang="en-US" b="0" dirty="0" err="1">
+                <a:solidFill>
+                  <a:srgbClr val="4EC9B0"/>
+                </a:solidFill>
+                <a:effectLst/>
+                <a:latin typeface="Consolas" panose="020B0609020204030204" pitchFamily="49" charset="0"/>
+              </a:rPr>
+              <a:t>TropRegIncreaseDistance</a:t>
+            </a:r>
+            <a:r>
+              <a:rPr lang="en-US" b="0" dirty="0">
+                <a:solidFill>
+                  <a:srgbClr val="D4D4D4"/>
+                </a:solidFill>
+                <a:effectLst/>
+                <a:latin typeface="Consolas" panose="020B0609020204030204" pitchFamily="49" charset="0"/>
+              </a:rPr>
+              <a:t>(</a:t>
+            </a:r>
+            <a:r>
+              <a:rPr lang="en-US" b="0" dirty="0" err="1">
+                <a:solidFill>
+                  <a:srgbClr val="4EC9B0"/>
+                </a:solidFill>
+                <a:effectLst/>
+                <a:latin typeface="Consolas" panose="020B0609020204030204" pitchFamily="49" charset="0"/>
+              </a:rPr>
+              <a:t>regularizers</a:t>
+            </a:r>
+            <a:r>
+              <a:rPr lang="en-US" b="0" dirty="0" err="1">
+                <a:solidFill>
+                  <a:srgbClr val="D4D4D4"/>
+                </a:solidFill>
+                <a:effectLst/>
+                <a:latin typeface="Consolas" panose="020B0609020204030204" pitchFamily="49" charset="0"/>
+              </a:rPr>
+              <a:t>.</a:t>
+            </a:r>
+            <a:r>
+              <a:rPr lang="en-US" b="0" dirty="0" err="1">
+                <a:solidFill>
+                  <a:srgbClr val="4EC9B0"/>
+                </a:solidFill>
+                <a:effectLst/>
+                <a:latin typeface="Consolas" panose="020B0609020204030204" pitchFamily="49" charset="0"/>
+              </a:rPr>
+              <a:t>Regularizer</a:t>
+            </a:r>
+            <a:r>
+              <a:rPr lang="en-US" b="0" dirty="0">
+                <a:solidFill>
+                  <a:srgbClr val="D4D4D4"/>
+                </a:solidFill>
+                <a:effectLst/>
+                <a:latin typeface="Consolas" panose="020B0609020204030204" pitchFamily="49" charset="0"/>
+              </a:rPr>
+              <a:t>):</a:t>
+            </a:r>
+          </a:p>
+          <a:p>
+            <a:r>
+              <a:rPr lang="en-US" b="0" dirty="0">
+                <a:solidFill>
+                  <a:srgbClr val="D4D4D4"/>
+                </a:solidFill>
+                <a:effectLst/>
+                <a:latin typeface="Consolas" panose="020B0609020204030204" pitchFamily="49" charset="0"/>
+              </a:rPr>
+              <a:t>    </a:t>
+            </a:r>
+            <a:r>
+              <a:rPr lang="en-US" b="0" dirty="0">
+                <a:solidFill>
+                  <a:srgbClr val="569CD6"/>
+                </a:solidFill>
+                <a:effectLst/>
+                <a:latin typeface="Consolas" panose="020B0609020204030204" pitchFamily="49" charset="0"/>
+              </a:rPr>
+              <a:t>def</a:t>
+            </a:r>
+            <a:r>
+              <a:rPr lang="en-US" b="0" dirty="0">
+                <a:solidFill>
+                  <a:srgbClr val="D4D4D4"/>
+                </a:solidFill>
+                <a:effectLst/>
+                <a:latin typeface="Consolas" panose="020B0609020204030204" pitchFamily="49" charset="0"/>
+              </a:rPr>
+              <a:t> </a:t>
+            </a:r>
+            <a:r>
+              <a:rPr lang="en-US" b="0" dirty="0">
+                <a:solidFill>
+                  <a:srgbClr val="DCDCAA"/>
+                </a:solidFill>
+                <a:effectLst/>
+                <a:latin typeface="Consolas" panose="020B0609020204030204" pitchFamily="49" charset="0"/>
+              </a:rPr>
+              <a:t>__</a:t>
+            </a:r>
+            <a:r>
+              <a:rPr lang="en-US" b="0" dirty="0" err="1">
+                <a:solidFill>
+                  <a:srgbClr val="DCDCAA"/>
+                </a:solidFill>
+                <a:effectLst/>
+                <a:latin typeface="Consolas" panose="020B0609020204030204" pitchFamily="49" charset="0"/>
+              </a:rPr>
+              <a:t>init</a:t>
+            </a:r>
+            <a:r>
+              <a:rPr lang="en-US" b="0" dirty="0">
+                <a:solidFill>
+                  <a:srgbClr val="DCDCAA"/>
+                </a:solidFill>
+                <a:effectLst/>
+                <a:latin typeface="Consolas" panose="020B0609020204030204" pitchFamily="49" charset="0"/>
+              </a:rPr>
+              <a:t>__</a:t>
+            </a:r>
+            <a:r>
+              <a:rPr lang="en-US" b="0" dirty="0">
+                <a:solidFill>
+                  <a:srgbClr val="D4D4D4"/>
+                </a:solidFill>
+                <a:effectLst/>
+                <a:latin typeface="Consolas" panose="020B0609020204030204" pitchFamily="49" charset="0"/>
+              </a:rPr>
+              <a:t>(</a:t>
+            </a:r>
+            <a:r>
+              <a:rPr lang="en-US" b="0" dirty="0">
+                <a:solidFill>
+                  <a:srgbClr val="9CDCFE"/>
+                </a:solidFill>
+                <a:effectLst/>
+                <a:latin typeface="Consolas" panose="020B0609020204030204" pitchFamily="49" charset="0"/>
+              </a:rPr>
+              <a:t>self</a:t>
+            </a:r>
+            <a:r>
+              <a:rPr lang="en-US" b="0" dirty="0">
+                <a:solidFill>
+                  <a:srgbClr val="D4D4D4"/>
+                </a:solidFill>
+                <a:effectLst/>
+                <a:latin typeface="Consolas" panose="020B0609020204030204" pitchFamily="49" charset="0"/>
+              </a:rPr>
+              <a:t>, </a:t>
+            </a:r>
+            <a:r>
+              <a:rPr lang="en-US" b="0" dirty="0">
+                <a:solidFill>
+                  <a:srgbClr val="9CDCFE"/>
+                </a:solidFill>
+                <a:effectLst/>
+                <a:latin typeface="Consolas" panose="020B0609020204030204" pitchFamily="49" charset="0"/>
+              </a:rPr>
+              <a:t>lam</a:t>
+            </a:r>
+            <a:r>
+              <a:rPr lang="en-US" b="0" dirty="0">
+                <a:solidFill>
+                  <a:srgbClr val="D4D4D4"/>
+                </a:solidFill>
+                <a:effectLst/>
+                <a:latin typeface="Consolas" panose="020B0609020204030204" pitchFamily="49" charset="0"/>
+              </a:rPr>
+              <a:t>=</a:t>
+            </a:r>
+            <a:r>
+              <a:rPr lang="en-US" b="0" dirty="0">
+                <a:solidFill>
+                  <a:srgbClr val="B5CEA8"/>
+                </a:solidFill>
+                <a:effectLst/>
+                <a:latin typeface="Consolas" panose="020B0609020204030204" pitchFamily="49" charset="0"/>
+              </a:rPr>
+              <a:t>1.0</a:t>
+            </a:r>
+            <a:r>
+              <a:rPr lang="en-US" b="0" dirty="0">
+                <a:solidFill>
+                  <a:srgbClr val="D4D4D4"/>
+                </a:solidFill>
+                <a:effectLst/>
+                <a:latin typeface="Consolas" panose="020B0609020204030204" pitchFamily="49" charset="0"/>
+              </a:rPr>
+              <a:t>):</a:t>
+            </a:r>
+          </a:p>
+          <a:p>
+            <a:r>
+              <a:rPr lang="en-US" b="0" dirty="0">
+                <a:solidFill>
+                  <a:srgbClr val="D4D4D4"/>
+                </a:solidFill>
+                <a:effectLst/>
+                <a:latin typeface="Consolas" panose="020B0609020204030204" pitchFamily="49" charset="0"/>
+              </a:rPr>
+              <a:t>        </a:t>
+            </a:r>
+            <a:r>
+              <a:rPr lang="en-US" b="0" dirty="0" err="1">
+                <a:solidFill>
+                  <a:srgbClr val="9CDCFE"/>
+                </a:solidFill>
+                <a:effectLst/>
+                <a:latin typeface="Consolas" panose="020B0609020204030204" pitchFamily="49" charset="0"/>
+              </a:rPr>
+              <a:t>self</a:t>
+            </a:r>
+            <a:r>
+              <a:rPr lang="en-US" b="0" dirty="0" err="1">
+                <a:solidFill>
+                  <a:srgbClr val="D4D4D4"/>
+                </a:solidFill>
+                <a:effectLst/>
+                <a:latin typeface="Consolas" panose="020B0609020204030204" pitchFamily="49" charset="0"/>
+              </a:rPr>
+              <a:t>.</a:t>
+            </a:r>
+            <a:r>
+              <a:rPr lang="en-US" b="0" dirty="0" err="1">
+                <a:solidFill>
+                  <a:srgbClr val="9CDCFE"/>
+                </a:solidFill>
+                <a:effectLst/>
+                <a:latin typeface="Consolas" panose="020B0609020204030204" pitchFamily="49" charset="0"/>
+              </a:rPr>
+              <a:t>lam</a:t>
+            </a:r>
+            <a:r>
+              <a:rPr lang="en-US" b="0" dirty="0">
+                <a:solidFill>
+                  <a:srgbClr val="D4D4D4"/>
+                </a:solidFill>
+                <a:effectLst/>
+                <a:latin typeface="Consolas" panose="020B0609020204030204" pitchFamily="49" charset="0"/>
+              </a:rPr>
+              <a:t> = </a:t>
+            </a:r>
+            <a:r>
+              <a:rPr lang="en-US" b="0" dirty="0">
+                <a:solidFill>
+                  <a:srgbClr val="9CDCFE"/>
+                </a:solidFill>
+                <a:effectLst/>
+                <a:latin typeface="Consolas" panose="020B0609020204030204" pitchFamily="49" charset="0"/>
+              </a:rPr>
+              <a:t>lam</a:t>
+            </a:r>
+            <a:endParaRPr lang="en-US" b="0" dirty="0">
+              <a:solidFill>
+                <a:srgbClr val="D4D4D4"/>
+              </a:solidFill>
+              <a:effectLst/>
+              <a:latin typeface="Consolas" panose="020B0609020204030204" pitchFamily="49" charset="0"/>
+            </a:endParaRPr>
+          </a:p>
+          <a:p>
+            <a:br>
+              <a:rPr lang="en-US" b="0" dirty="0">
+                <a:solidFill>
+                  <a:srgbClr val="D4D4D4"/>
+                </a:solidFill>
+                <a:effectLst/>
+                <a:latin typeface="Consolas" panose="020B0609020204030204" pitchFamily="49" charset="0"/>
+              </a:rPr>
+            </a:br>
+            <a:r>
+              <a:rPr lang="en-US" b="0" dirty="0">
+                <a:solidFill>
+                  <a:srgbClr val="D4D4D4"/>
+                </a:solidFill>
+                <a:effectLst/>
+                <a:latin typeface="Consolas" panose="020B0609020204030204" pitchFamily="49" charset="0"/>
+              </a:rPr>
+              <a:t>    </a:t>
+            </a:r>
+            <a:r>
+              <a:rPr lang="en-US" b="0" dirty="0">
+                <a:solidFill>
+                  <a:srgbClr val="569CD6"/>
+                </a:solidFill>
+                <a:effectLst/>
+                <a:latin typeface="Consolas" panose="020B0609020204030204" pitchFamily="49" charset="0"/>
+              </a:rPr>
+              <a:t>def</a:t>
+            </a:r>
+            <a:r>
+              <a:rPr lang="en-US" b="0" dirty="0">
+                <a:solidFill>
+                  <a:srgbClr val="D4D4D4"/>
+                </a:solidFill>
+                <a:effectLst/>
+                <a:latin typeface="Consolas" panose="020B0609020204030204" pitchFamily="49" charset="0"/>
+              </a:rPr>
+              <a:t> </a:t>
+            </a:r>
+            <a:r>
+              <a:rPr lang="en-US" b="0" dirty="0">
+                <a:solidFill>
+                  <a:srgbClr val="DCDCAA"/>
+                </a:solidFill>
+                <a:effectLst/>
+                <a:latin typeface="Consolas" panose="020B0609020204030204" pitchFamily="49" charset="0"/>
+              </a:rPr>
+              <a:t>__call__</a:t>
+            </a:r>
+            <a:r>
+              <a:rPr lang="en-US" b="0" dirty="0">
+                <a:solidFill>
+                  <a:srgbClr val="D4D4D4"/>
+                </a:solidFill>
+                <a:effectLst/>
+                <a:latin typeface="Consolas" panose="020B0609020204030204" pitchFamily="49" charset="0"/>
+              </a:rPr>
+              <a:t>(</a:t>
+            </a:r>
+            <a:r>
+              <a:rPr lang="en-US" b="0" dirty="0">
+                <a:solidFill>
+                  <a:srgbClr val="9CDCFE"/>
+                </a:solidFill>
+                <a:effectLst/>
+                <a:latin typeface="Consolas" panose="020B0609020204030204" pitchFamily="49" charset="0"/>
+              </a:rPr>
+              <a:t>self</a:t>
+            </a:r>
+            <a:r>
+              <a:rPr lang="en-US" b="0" dirty="0">
+                <a:solidFill>
+                  <a:srgbClr val="D4D4D4"/>
+                </a:solidFill>
+                <a:effectLst/>
+                <a:latin typeface="Consolas" panose="020B0609020204030204" pitchFamily="49" charset="0"/>
+              </a:rPr>
+              <a:t>, </a:t>
+            </a:r>
+            <a:r>
+              <a:rPr lang="en-US" b="0" dirty="0" err="1">
+                <a:solidFill>
+                  <a:srgbClr val="9CDCFE"/>
+                </a:solidFill>
+                <a:effectLst/>
+                <a:latin typeface="Consolas" panose="020B0609020204030204" pitchFamily="49" charset="0"/>
+              </a:rPr>
+              <a:t>weight_matrix</a:t>
+            </a:r>
+            <a:r>
+              <a:rPr lang="en-US" b="0" dirty="0">
+                <a:solidFill>
+                  <a:srgbClr val="D4D4D4"/>
+                </a:solidFill>
+                <a:effectLst/>
+                <a:latin typeface="Consolas" panose="020B0609020204030204" pitchFamily="49" charset="0"/>
+              </a:rPr>
+              <a:t>):</a:t>
+            </a:r>
+          </a:p>
+          <a:p>
+            <a:r>
+              <a:rPr lang="en-US" b="0" dirty="0">
+                <a:solidFill>
+                  <a:srgbClr val="D4D4D4"/>
+                </a:solidFill>
+                <a:effectLst/>
+                <a:latin typeface="Consolas" panose="020B0609020204030204" pitchFamily="49" charset="0"/>
+              </a:rPr>
+              <a:t>        </a:t>
+            </a:r>
+            <a:r>
+              <a:rPr lang="en-US" b="0" dirty="0" err="1">
+                <a:solidFill>
+                  <a:srgbClr val="9CDCFE"/>
+                </a:solidFill>
+                <a:effectLst/>
+                <a:latin typeface="Consolas" panose="020B0609020204030204" pitchFamily="49" charset="0"/>
+              </a:rPr>
+              <a:t>reshaped_weights</a:t>
+            </a:r>
+            <a:r>
+              <a:rPr lang="en-US" b="0" dirty="0">
+                <a:solidFill>
+                  <a:srgbClr val="D4D4D4"/>
+                </a:solidFill>
+                <a:effectLst/>
+                <a:latin typeface="Consolas" panose="020B0609020204030204" pitchFamily="49" charset="0"/>
+              </a:rPr>
+              <a:t> = </a:t>
+            </a:r>
+            <a:r>
+              <a:rPr lang="en-US" b="0" dirty="0" err="1">
+                <a:solidFill>
+                  <a:srgbClr val="D4D4D4"/>
+                </a:solidFill>
+                <a:effectLst/>
+                <a:latin typeface="Consolas" panose="020B0609020204030204" pitchFamily="49" charset="0"/>
+              </a:rPr>
+              <a:t>expand_dims</a:t>
+            </a:r>
+            <a:r>
+              <a:rPr lang="en-US" b="0" dirty="0">
+                <a:solidFill>
+                  <a:srgbClr val="D4D4D4"/>
+                </a:solidFill>
+                <a:effectLst/>
+                <a:latin typeface="Consolas" panose="020B0609020204030204" pitchFamily="49" charset="0"/>
+              </a:rPr>
+              <a:t>(</a:t>
+            </a:r>
+            <a:r>
+              <a:rPr lang="en-US" b="0" dirty="0">
+                <a:solidFill>
+                  <a:srgbClr val="9CDCFE"/>
+                </a:solidFill>
+                <a:effectLst/>
+                <a:latin typeface="Consolas" panose="020B0609020204030204" pitchFamily="49" charset="0"/>
+              </a:rPr>
+              <a:t>weight_matrix</a:t>
+            </a:r>
+            <a:r>
+              <a:rPr lang="en-US" b="0" dirty="0">
+                <a:solidFill>
+                  <a:srgbClr val="D4D4D4"/>
+                </a:solidFill>
+                <a:effectLst/>
+                <a:latin typeface="Consolas" panose="020B0609020204030204" pitchFamily="49" charset="0"/>
+              </a:rPr>
+              <a:t>,</a:t>
+            </a:r>
+            <a:r>
+              <a:rPr lang="en-US" b="0" dirty="0">
+                <a:solidFill>
+                  <a:srgbClr val="B5CEA8"/>
+                </a:solidFill>
+                <a:effectLst/>
+                <a:latin typeface="Consolas" panose="020B0609020204030204" pitchFamily="49" charset="0"/>
+              </a:rPr>
+              <a:t>1</a:t>
+            </a:r>
+            <a:r>
+              <a:rPr lang="en-US" b="0" dirty="0">
+                <a:solidFill>
+                  <a:srgbClr val="D4D4D4"/>
+                </a:solidFill>
+                <a:effectLst/>
+                <a:latin typeface="Consolas" panose="020B0609020204030204" pitchFamily="49" charset="0"/>
+              </a:rPr>
+              <a:t>)</a:t>
+            </a:r>
+          </a:p>
+          <a:p>
+            <a:r>
+              <a:rPr lang="en-US" b="0" dirty="0">
+                <a:solidFill>
+                  <a:srgbClr val="D4D4D4"/>
+                </a:solidFill>
+                <a:effectLst/>
+                <a:latin typeface="Consolas" panose="020B0609020204030204" pitchFamily="49" charset="0"/>
+              </a:rPr>
+              <a:t>        </a:t>
+            </a:r>
+            <a:r>
+              <a:rPr lang="en-US" b="0" dirty="0" err="1">
+                <a:solidFill>
+                  <a:srgbClr val="9CDCFE"/>
+                </a:solidFill>
+                <a:effectLst/>
+                <a:latin typeface="Consolas" panose="020B0609020204030204" pitchFamily="49" charset="0"/>
+              </a:rPr>
+              <a:t>result_addition</a:t>
+            </a:r>
+            <a:r>
+              <a:rPr lang="en-US" b="0" dirty="0">
+                <a:solidFill>
+                  <a:srgbClr val="D4D4D4"/>
+                </a:solidFill>
+                <a:effectLst/>
+                <a:latin typeface="Consolas" panose="020B0609020204030204" pitchFamily="49" charset="0"/>
+              </a:rPr>
+              <a:t> = </a:t>
+            </a:r>
+            <a:r>
+              <a:rPr lang="en-US" b="0" dirty="0" err="1">
+                <a:solidFill>
+                  <a:srgbClr val="9CDCFE"/>
+                </a:solidFill>
+                <a:effectLst/>
+                <a:latin typeface="Consolas" panose="020B0609020204030204" pitchFamily="49" charset="0"/>
+              </a:rPr>
+              <a:t>reshaped_weights</a:t>
+            </a:r>
+            <a:r>
+              <a:rPr lang="en-US" b="0" dirty="0">
+                <a:solidFill>
+                  <a:srgbClr val="D4D4D4"/>
+                </a:solidFill>
+                <a:effectLst/>
+                <a:latin typeface="Consolas" panose="020B0609020204030204" pitchFamily="49" charset="0"/>
+              </a:rPr>
+              <a:t> + transpose(</a:t>
+            </a:r>
+            <a:r>
+              <a:rPr lang="en-US" b="0" dirty="0" err="1">
+                <a:solidFill>
+                  <a:srgbClr val="9CDCFE"/>
+                </a:solidFill>
+                <a:effectLst/>
+                <a:latin typeface="Consolas" panose="020B0609020204030204" pitchFamily="49" charset="0"/>
+              </a:rPr>
+              <a:t>reshaped_weights</a:t>
+            </a:r>
+            <a:r>
+              <a:rPr lang="en-US" b="0" dirty="0">
+                <a:solidFill>
+                  <a:srgbClr val="D4D4D4"/>
+                </a:solidFill>
+                <a:effectLst/>
+                <a:latin typeface="Consolas" panose="020B0609020204030204" pitchFamily="49" charset="0"/>
+              </a:rPr>
+              <a:t>, </a:t>
+            </a:r>
+            <a:r>
+              <a:rPr lang="en-US" b="0" dirty="0">
+                <a:solidFill>
+                  <a:srgbClr val="9CDCFE"/>
+                </a:solidFill>
+                <a:effectLst/>
+                <a:latin typeface="Consolas" panose="020B0609020204030204" pitchFamily="49" charset="0"/>
+              </a:rPr>
+              <a:t>perm</a:t>
+            </a:r>
+            <a:r>
+              <a:rPr lang="en-US" b="0" dirty="0">
+                <a:solidFill>
+                  <a:srgbClr val="D4D4D4"/>
+                </a:solidFill>
+                <a:effectLst/>
+                <a:latin typeface="Consolas" panose="020B0609020204030204" pitchFamily="49" charset="0"/>
+              </a:rPr>
+              <a:t>=[</a:t>
+            </a:r>
+            <a:r>
+              <a:rPr lang="en-US" b="0" dirty="0">
+                <a:solidFill>
+                  <a:srgbClr val="B5CEA8"/>
+                </a:solidFill>
+                <a:effectLst/>
+                <a:latin typeface="Consolas" panose="020B0609020204030204" pitchFamily="49" charset="0"/>
+              </a:rPr>
+              <a:t>1</a:t>
+            </a:r>
+            <a:r>
+              <a:rPr lang="en-US" b="0" dirty="0">
+                <a:solidFill>
+                  <a:srgbClr val="D4D4D4"/>
+                </a:solidFill>
+                <a:effectLst/>
+                <a:latin typeface="Consolas" panose="020B0609020204030204" pitchFamily="49" charset="0"/>
+              </a:rPr>
+              <a:t>, </a:t>
+            </a:r>
+            <a:r>
+              <a:rPr lang="en-US" b="0" dirty="0">
+                <a:solidFill>
+                  <a:srgbClr val="B5CEA8"/>
+                </a:solidFill>
+                <a:effectLst/>
+                <a:latin typeface="Consolas" panose="020B0609020204030204" pitchFamily="49" charset="0"/>
+              </a:rPr>
+              <a:t>0</a:t>
+            </a:r>
+            <a:r>
+              <a:rPr lang="en-US" b="0" dirty="0">
+                <a:solidFill>
+                  <a:srgbClr val="D4D4D4"/>
+                </a:solidFill>
+                <a:effectLst/>
+                <a:latin typeface="Consolas" panose="020B0609020204030204" pitchFamily="49" charset="0"/>
+              </a:rPr>
+              <a:t>, </a:t>
+            </a:r>
+            <a:r>
+              <a:rPr lang="en-US" b="0" dirty="0">
+                <a:solidFill>
+                  <a:srgbClr val="B5CEA8"/>
+                </a:solidFill>
+                <a:effectLst/>
+                <a:latin typeface="Consolas" panose="020B0609020204030204" pitchFamily="49" charset="0"/>
+              </a:rPr>
+              <a:t>2</a:t>
+            </a:r>
+            <a:r>
+              <a:rPr lang="en-US" b="0" dirty="0">
+                <a:solidFill>
+                  <a:srgbClr val="D4D4D4"/>
+                </a:solidFill>
+                <a:effectLst/>
+                <a:latin typeface="Consolas" panose="020B0609020204030204" pitchFamily="49" charset="0"/>
+              </a:rPr>
+              <a:t>])</a:t>
+            </a:r>
+          </a:p>
+          <a:p>
+            <a:r>
+              <a:rPr lang="en-US" b="0" dirty="0">
+                <a:solidFill>
+                  <a:srgbClr val="D4D4D4"/>
+                </a:solidFill>
+                <a:effectLst/>
+                <a:latin typeface="Consolas" panose="020B0609020204030204" pitchFamily="49" charset="0"/>
+              </a:rPr>
+              <a:t>        </a:t>
+            </a:r>
+            <a:r>
+              <a:rPr lang="en-US" b="0" dirty="0" err="1">
+                <a:solidFill>
+                  <a:srgbClr val="9CDCFE"/>
+                </a:solidFill>
+                <a:effectLst/>
+                <a:latin typeface="Consolas" panose="020B0609020204030204" pitchFamily="49" charset="0"/>
+              </a:rPr>
+              <a:t>tropical_distances</a:t>
+            </a:r>
+            <a:r>
+              <a:rPr lang="en-US" b="0" dirty="0">
+                <a:solidFill>
+                  <a:srgbClr val="D4D4D4"/>
+                </a:solidFill>
+                <a:effectLst/>
+                <a:latin typeface="Consolas" panose="020B0609020204030204" pitchFamily="49" charset="0"/>
+              </a:rPr>
+              <a:t> = </a:t>
+            </a:r>
+            <a:r>
+              <a:rPr lang="en-US" b="0" dirty="0" err="1">
+                <a:solidFill>
+                  <a:srgbClr val="D4D4D4"/>
+                </a:solidFill>
+                <a:effectLst/>
+                <a:latin typeface="Consolas" panose="020B0609020204030204" pitchFamily="49" charset="0"/>
+              </a:rPr>
+              <a:t>reduce_max</a:t>
+            </a:r>
+            <a:r>
+              <a:rPr lang="en-US" b="0" dirty="0">
+                <a:solidFill>
+                  <a:srgbClr val="D4D4D4"/>
+                </a:solidFill>
+                <a:effectLst/>
+                <a:latin typeface="Consolas" panose="020B0609020204030204" pitchFamily="49" charset="0"/>
+              </a:rPr>
+              <a:t>(</a:t>
+            </a:r>
+            <a:r>
+              <a:rPr lang="en-US" b="0" dirty="0" err="1">
+                <a:solidFill>
+                  <a:srgbClr val="9CDCFE"/>
+                </a:solidFill>
+                <a:effectLst/>
+                <a:latin typeface="Consolas" panose="020B0609020204030204" pitchFamily="49" charset="0"/>
+              </a:rPr>
+              <a:t>result_addition</a:t>
+            </a:r>
+            <a:r>
+              <a:rPr lang="en-US" b="0" dirty="0">
+                <a:solidFill>
+                  <a:srgbClr val="D4D4D4"/>
+                </a:solidFill>
+                <a:effectLst/>
+                <a:latin typeface="Consolas" panose="020B0609020204030204" pitchFamily="49" charset="0"/>
+              </a:rPr>
+              <a:t>, </a:t>
+            </a:r>
+            <a:r>
+              <a:rPr lang="en-US" b="0" dirty="0">
+                <a:solidFill>
+                  <a:srgbClr val="9CDCFE"/>
+                </a:solidFill>
+                <a:effectLst/>
+                <a:latin typeface="Consolas" panose="020B0609020204030204" pitchFamily="49" charset="0"/>
+              </a:rPr>
+              <a:t>axis</a:t>
+            </a:r>
+            <a:r>
+              <a:rPr lang="en-US" b="0" dirty="0">
+                <a:solidFill>
+                  <a:srgbClr val="D4D4D4"/>
+                </a:solidFill>
+                <a:effectLst/>
+                <a:latin typeface="Consolas" panose="020B0609020204030204" pitchFamily="49" charset="0"/>
+              </a:rPr>
+              <a:t>=</a:t>
+            </a:r>
+            <a:r>
+              <a:rPr lang="en-US" b="0" dirty="0">
+                <a:solidFill>
+                  <a:srgbClr val="B5CEA8"/>
+                </a:solidFill>
+                <a:effectLst/>
+                <a:latin typeface="Consolas" panose="020B0609020204030204" pitchFamily="49" charset="0"/>
+              </a:rPr>
+              <a:t>2</a:t>
+            </a:r>
+            <a:r>
+              <a:rPr lang="en-US" b="0" dirty="0">
+                <a:solidFill>
+                  <a:srgbClr val="D4D4D4"/>
+                </a:solidFill>
+                <a:effectLst/>
+                <a:latin typeface="Consolas" panose="020B0609020204030204" pitchFamily="49" charset="0"/>
+              </a:rPr>
+              <a:t>) - </a:t>
+            </a:r>
+            <a:r>
+              <a:rPr lang="en-US" b="0" dirty="0" err="1">
+                <a:solidFill>
+                  <a:srgbClr val="D4D4D4"/>
+                </a:solidFill>
+                <a:effectLst/>
+                <a:latin typeface="Consolas" panose="020B0609020204030204" pitchFamily="49" charset="0"/>
+              </a:rPr>
+              <a:t>reduce_min</a:t>
+            </a:r>
+            <a:r>
+              <a:rPr lang="en-US" b="0" dirty="0">
+                <a:solidFill>
+                  <a:srgbClr val="D4D4D4"/>
+                </a:solidFill>
+                <a:effectLst/>
+                <a:latin typeface="Consolas" panose="020B0609020204030204" pitchFamily="49" charset="0"/>
+              </a:rPr>
+              <a:t>(</a:t>
+            </a:r>
+            <a:r>
+              <a:rPr lang="en-US" b="0" dirty="0" err="1">
+                <a:solidFill>
+                  <a:srgbClr val="9CDCFE"/>
+                </a:solidFill>
+                <a:effectLst/>
+                <a:latin typeface="Consolas" panose="020B0609020204030204" pitchFamily="49" charset="0"/>
+              </a:rPr>
+              <a:t>result_addition</a:t>
+            </a:r>
+            <a:r>
+              <a:rPr lang="en-US" b="0" dirty="0">
+                <a:solidFill>
+                  <a:srgbClr val="D4D4D4"/>
+                </a:solidFill>
+                <a:effectLst/>
+                <a:latin typeface="Consolas" panose="020B0609020204030204" pitchFamily="49" charset="0"/>
+              </a:rPr>
+              <a:t>, </a:t>
+            </a:r>
+            <a:r>
+              <a:rPr lang="en-US" b="0" dirty="0">
+                <a:solidFill>
+                  <a:srgbClr val="9CDCFE"/>
+                </a:solidFill>
+                <a:effectLst/>
+                <a:latin typeface="Consolas" panose="020B0609020204030204" pitchFamily="49" charset="0"/>
+              </a:rPr>
+              <a:t>axis</a:t>
+            </a:r>
+            <a:r>
+              <a:rPr lang="en-US" b="0" dirty="0">
+                <a:solidFill>
+                  <a:srgbClr val="D4D4D4"/>
+                </a:solidFill>
+                <a:effectLst/>
+                <a:latin typeface="Consolas" panose="020B0609020204030204" pitchFamily="49" charset="0"/>
+              </a:rPr>
+              <a:t>=</a:t>
+            </a:r>
+            <a:r>
+              <a:rPr lang="en-US" b="0" dirty="0">
+                <a:solidFill>
+                  <a:srgbClr val="B5CEA8"/>
+                </a:solidFill>
+                <a:effectLst/>
+                <a:latin typeface="Consolas" panose="020B0609020204030204" pitchFamily="49" charset="0"/>
+              </a:rPr>
+              <a:t>2</a:t>
+            </a:r>
+            <a:r>
+              <a:rPr lang="en-US" b="0" dirty="0">
+                <a:solidFill>
+                  <a:srgbClr val="D4D4D4"/>
+                </a:solidFill>
+                <a:effectLst/>
+                <a:latin typeface="Consolas" panose="020B0609020204030204" pitchFamily="49" charset="0"/>
+              </a:rPr>
+              <a:t>)</a:t>
+            </a:r>
+          </a:p>
+          <a:p>
+            <a:r>
+              <a:rPr lang="en-US" b="0" dirty="0">
+                <a:solidFill>
+                  <a:srgbClr val="D4D4D4"/>
+                </a:solidFill>
+                <a:effectLst/>
+                <a:latin typeface="Consolas" panose="020B0609020204030204" pitchFamily="49" charset="0"/>
+              </a:rPr>
+              <a:t>        </a:t>
+            </a:r>
+            <a:r>
+              <a:rPr lang="en-US" b="0" dirty="0">
+                <a:solidFill>
+                  <a:srgbClr val="9CDCFE"/>
+                </a:solidFill>
+                <a:effectLst/>
+                <a:latin typeface="Consolas" panose="020B0609020204030204" pitchFamily="49" charset="0"/>
+              </a:rPr>
+              <a:t>n</a:t>
+            </a:r>
+            <a:r>
+              <a:rPr lang="en-US" b="0" dirty="0">
+                <a:solidFill>
+                  <a:srgbClr val="D4D4D4"/>
+                </a:solidFill>
+                <a:effectLst/>
+                <a:latin typeface="Consolas" panose="020B0609020204030204" pitchFamily="49" charset="0"/>
+              </a:rPr>
+              <a:t> = shape(</a:t>
+            </a:r>
+            <a:r>
+              <a:rPr lang="en-US" b="0" dirty="0" err="1">
+                <a:solidFill>
+                  <a:srgbClr val="9CDCFE"/>
+                </a:solidFill>
+                <a:effectLst/>
+                <a:latin typeface="Consolas" panose="020B0609020204030204" pitchFamily="49" charset="0"/>
+              </a:rPr>
+              <a:t>tropical_distances</a:t>
+            </a:r>
+            <a:r>
+              <a:rPr lang="en-US" b="0" dirty="0">
+                <a:solidFill>
+                  <a:srgbClr val="D4D4D4"/>
+                </a:solidFill>
+                <a:effectLst/>
+                <a:latin typeface="Consolas" panose="020B0609020204030204" pitchFamily="49" charset="0"/>
+              </a:rPr>
+              <a:t>)[</a:t>
+            </a:r>
+            <a:r>
+              <a:rPr lang="en-US" b="0" dirty="0">
+                <a:solidFill>
+                  <a:srgbClr val="B5CEA8"/>
+                </a:solidFill>
+                <a:effectLst/>
+                <a:latin typeface="Consolas" panose="020B0609020204030204" pitchFamily="49" charset="0"/>
+              </a:rPr>
+              <a:t>0</a:t>
+            </a:r>
+            <a:r>
+              <a:rPr lang="en-US" b="0" dirty="0">
+                <a:solidFill>
+                  <a:srgbClr val="D4D4D4"/>
+                </a:solidFill>
+                <a:effectLst/>
+                <a:latin typeface="Consolas" panose="020B0609020204030204" pitchFamily="49" charset="0"/>
+              </a:rPr>
+              <a:t>]</a:t>
+            </a:r>
+          </a:p>
+          <a:p>
+            <a:r>
+              <a:rPr lang="en-US" b="0" dirty="0">
+                <a:solidFill>
+                  <a:srgbClr val="D4D4D4"/>
+                </a:solidFill>
+                <a:effectLst/>
+                <a:latin typeface="Consolas" panose="020B0609020204030204" pitchFamily="49" charset="0"/>
+              </a:rPr>
+              <a:t>        </a:t>
+            </a:r>
+            <a:r>
+              <a:rPr lang="en-US" b="0" dirty="0">
+                <a:solidFill>
+                  <a:srgbClr val="9CDCFE"/>
+                </a:solidFill>
+                <a:effectLst/>
+                <a:latin typeface="Consolas" panose="020B0609020204030204" pitchFamily="49" charset="0"/>
+              </a:rPr>
+              <a:t>mask</a:t>
+            </a:r>
+            <a:r>
+              <a:rPr lang="en-US" b="0" dirty="0">
+                <a:solidFill>
+                  <a:srgbClr val="D4D4D4"/>
+                </a:solidFill>
+                <a:effectLst/>
+                <a:latin typeface="Consolas" panose="020B0609020204030204" pitchFamily="49" charset="0"/>
+              </a:rPr>
+              <a:t> = </a:t>
+            </a:r>
+            <a:r>
+              <a:rPr lang="en-US" b="0" dirty="0" err="1">
+                <a:solidFill>
+                  <a:srgbClr val="D4D4D4"/>
+                </a:solidFill>
+                <a:effectLst/>
+                <a:latin typeface="Consolas" panose="020B0609020204030204" pitchFamily="49" charset="0"/>
+              </a:rPr>
+              <a:t>band_part</a:t>
+            </a:r>
+            <a:r>
+              <a:rPr lang="en-US" b="0" dirty="0">
+                <a:solidFill>
+                  <a:srgbClr val="D4D4D4"/>
+                </a:solidFill>
+                <a:effectLst/>
+                <a:latin typeface="Consolas" panose="020B0609020204030204" pitchFamily="49" charset="0"/>
+              </a:rPr>
+              <a:t>(ones((</a:t>
+            </a:r>
+            <a:r>
+              <a:rPr lang="en-US" b="0" dirty="0">
+                <a:solidFill>
+                  <a:srgbClr val="9CDCFE"/>
+                </a:solidFill>
+                <a:effectLst/>
+                <a:latin typeface="Consolas" panose="020B0609020204030204" pitchFamily="49" charset="0"/>
+              </a:rPr>
+              <a:t>n</a:t>
+            </a:r>
+            <a:r>
+              <a:rPr lang="en-US" b="0" dirty="0">
+                <a:solidFill>
+                  <a:srgbClr val="D4D4D4"/>
+                </a:solidFill>
+                <a:effectLst/>
+                <a:latin typeface="Consolas" panose="020B0609020204030204" pitchFamily="49" charset="0"/>
+              </a:rPr>
+              <a:t>, </a:t>
+            </a:r>
+            <a:r>
+              <a:rPr lang="en-US" b="0" dirty="0">
+                <a:solidFill>
+                  <a:srgbClr val="9CDCFE"/>
+                </a:solidFill>
+                <a:effectLst/>
+                <a:latin typeface="Consolas" panose="020B0609020204030204" pitchFamily="49" charset="0"/>
+              </a:rPr>
+              <a:t>n</a:t>
+            </a:r>
+            <a:r>
+              <a:rPr lang="en-US" b="0" dirty="0">
+                <a:solidFill>
+                  <a:srgbClr val="D4D4D4"/>
+                </a:solidFill>
+                <a:effectLst/>
+                <a:latin typeface="Consolas" panose="020B0609020204030204" pitchFamily="49" charset="0"/>
+              </a:rPr>
+              <a:t>), </a:t>
+            </a:r>
+            <a:r>
+              <a:rPr lang="en-US" b="0" dirty="0" err="1">
+                <a:solidFill>
+                  <a:srgbClr val="9CDCFE"/>
+                </a:solidFill>
+                <a:effectLst/>
+                <a:latin typeface="Consolas" panose="020B0609020204030204" pitchFamily="49" charset="0"/>
+              </a:rPr>
+              <a:t>dtype</a:t>
+            </a:r>
+            <a:r>
+              <a:rPr lang="en-US" b="0" dirty="0">
+                <a:solidFill>
+                  <a:srgbClr val="D4D4D4"/>
+                </a:solidFill>
+                <a:effectLst/>
+                <a:latin typeface="Consolas" panose="020B0609020204030204" pitchFamily="49" charset="0"/>
+              </a:rPr>
+              <a:t>=</a:t>
+            </a:r>
+            <a:r>
+              <a:rPr lang="en-US" b="0" dirty="0">
+                <a:solidFill>
+                  <a:srgbClr val="4EC9B0"/>
+                </a:solidFill>
+                <a:effectLst/>
+                <a:latin typeface="Consolas" panose="020B0609020204030204" pitchFamily="49" charset="0"/>
+              </a:rPr>
+              <a:t>bool</a:t>
+            </a:r>
+            <a:r>
+              <a:rPr lang="en-US" b="0" dirty="0">
+                <a:solidFill>
+                  <a:srgbClr val="D4D4D4"/>
+                </a:solidFill>
+                <a:effectLst/>
+                <a:latin typeface="Consolas" panose="020B0609020204030204" pitchFamily="49" charset="0"/>
+              </a:rPr>
+              <a:t>), </a:t>
+            </a:r>
+            <a:r>
+              <a:rPr lang="en-US" b="0" dirty="0">
+                <a:solidFill>
+                  <a:srgbClr val="B5CEA8"/>
+                </a:solidFill>
+                <a:effectLst/>
+                <a:latin typeface="Consolas" panose="020B0609020204030204" pitchFamily="49" charset="0"/>
+              </a:rPr>
+              <a:t>0</a:t>
+            </a:r>
+            <a:r>
+              <a:rPr lang="en-US" b="0" dirty="0">
+                <a:solidFill>
+                  <a:srgbClr val="D4D4D4"/>
+                </a:solidFill>
+                <a:effectLst/>
+                <a:latin typeface="Consolas" panose="020B0609020204030204" pitchFamily="49" charset="0"/>
+              </a:rPr>
+              <a:t>, -</a:t>
+            </a:r>
+            <a:r>
+              <a:rPr lang="en-US" b="0" dirty="0">
+                <a:solidFill>
+                  <a:srgbClr val="B5CEA8"/>
+                </a:solidFill>
+                <a:effectLst/>
+                <a:latin typeface="Consolas" panose="020B0609020204030204" pitchFamily="49" charset="0"/>
+              </a:rPr>
+              <a:t>1</a:t>
+            </a:r>
+            <a:r>
+              <a:rPr lang="en-US" b="0" dirty="0">
+                <a:solidFill>
+                  <a:srgbClr val="D4D4D4"/>
+                </a:solidFill>
+                <a:effectLst/>
+                <a:latin typeface="Consolas" panose="020B0609020204030204" pitchFamily="49" charset="0"/>
+              </a:rPr>
+              <a:t>)</a:t>
+            </a:r>
+          </a:p>
+          <a:p>
+            <a:r>
+              <a:rPr lang="en-US" b="0" dirty="0">
+                <a:solidFill>
+                  <a:srgbClr val="D4D4D4"/>
+                </a:solidFill>
+                <a:effectLst/>
+                <a:latin typeface="Consolas" panose="020B0609020204030204" pitchFamily="49" charset="0"/>
+              </a:rPr>
+              <a:t>        </a:t>
+            </a:r>
+            <a:r>
+              <a:rPr lang="en-US" b="0" dirty="0" err="1">
+                <a:solidFill>
+                  <a:srgbClr val="9CDCFE"/>
+                </a:solidFill>
+                <a:effectLst/>
+                <a:latin typeface="Consolas" panose="020B0609020204030204" pitchFamily="49" charset="0"/>
+              </a:rPr>
+              <a:t>flat_vector</a:t>
+            </a:r>
+            <a:r>
+              <a:rPr lang="en-US" b="0" dirty="0">
+                <a:solidFill>
+                  <a:srgbClr val="D4D4D4"/>
+                </a:solidFill>
+                <a:effectLst/>
+                <a:latin typeface="Consolas" panose="020B0609020204030204" pitchFamily="49" charset="0"/>
+              </a:rPr>
+              <a:t> = </a:t>
+            </a:r>
+            <a:r>
+              <a:rPr lang="en-US" b="0" dirty="0" err="1">
+                <a:solidFill>
+                  <a:srgbClr val="D4D4D4"/>
+                </a:solidFill>
+                <a:effectLst/>
+                <a:latin typeface="Consolas" panose="020B0609020204030204" pitchFamily="49" charset="0"/>
+              </a:rPr>
+              <a:t>boolean_mask</a:t>
+            </a:r>
+            <a:r>
+              <a:rPr lang="en-US" b="0" dirty="0">
+                <a:solidFill>
+                  <a:srgbClr val="D4D4D4"/>
+                </a:solidFill>
+                <a:effectLst/>
+                <a:latin typeface="Consolas" panose="020B0609020204030204" pitchFamily="49" charset="0"/>
+              </a:rPr>
+              <a:t>(</a:t>
+            </a:r>
+            <a:r>
+              <a:rPr lang="en-US" b="0" dirty="0" err="1">
+                <a:solidFill>
+                  <a:srgbClr val="9CDCFE"/>
+                </a:solidFill>
+                <a:effectLst/>
+                <a:latin typeface="Consolas" panose="020B0609020204030204" pitchFamily="49" charset="0"/>
+              </a:rPr>
+              <a:t>tropical_distances</a:t>
+            </a:r>
+            <a:r>
+              <a:rPr lang="en-US" b="0" dirty="0" err="1">
+                <a:solidFill>
+                  <a:srgbClr val="D4D4D4"/>
+                </a:solidFill>
+                <a:effectLst/>
+                <a:latin typeface="Consolas" panose="020B0609020204030204" pitchFamily="49" charset="0"/>
+              </a:rPr>
+              <a:t>,logical_not</a:t>
+            </a:r>
+            <a:r>
+              <a:rPr lang="en-US" b="0" dirty="0">
+                <a:solidFill>
+                  <a:srgbClr val="D4D4D4"/>
+                </a:solidFill>
+                <a:effectLst/>
+                <a:latin typeface="Consolas" panose="020B0609020204030204" pitchFamily="49" charset="0"/>
+              </a:rPr>
+              <a:t>(</a:t>
+            </a:r>
+            <a:r>
+              <a:rPr lang="en-US" b="0" dirty="0">
+                <a:solidFill>
+                  <a:srgbClr val="9CDCFE"/>
+                </a:solidFill>
+                <a:effectLst/>
+                <a:latin typeface="Consolas" panose="020B0609020204030204" pitchFamily="49" charset="0"/>
+              </a:rPr>
+              <a:t>mask</a:t>
+            </a:r>
+            <a:r>
+              <a:rPr lang="en-US" b="0" dirty="0">
+                <a:solidFill>
+                  <a:srgbClr val="D4D4D4"/>
+                </a:solidFill>
+                <a:effectLst/>
+                <a:latin typeface="Consolas" panose="020B0609020204030204" pitchFamily="49" charset="0"/>
+              </a:rPr>
+              <a:t>))</a:t>
+            </a:r>
+          </a:p>
+          <a:p>
+            <a:r>
+              <a:rPr lang="en-US" b="0" dirty="0">
+                <a:solidFill>
+                  <a:srgbClr val="D4D4D4"/>
+                </a:solidFill>
+                <a:effectLst/>
+                <a:latin typeface="Consolas" panose="020B0609020204030204" pitchFamily="49" charset="0"/>
+              </a:rPr>
+              <a:t>        </a:t>
+            </a:r>
+            <a:r>
+              <a:rPr lang="en-US" b="0" dirty="0">
+                <a:solidFill>
+                  <a:srgbClr val="C586C0"/>
+                </a:solidFill>
+                <a:effectLst/>
+                <a:latin typeface="Consolas" panose="020B0609020204030204" pitchFamily="49" charset="0"/>
+              </a:rPr>
+              <a:t>return</a:t>
+            </a:r>
+            <a:r>
+              <a:rPr lang="en-US" b="0" dirty="0">
+                <a:solidFill>
+                  <a:srgbClr val="D4D4D4"/>
+                </a:solidFill>
+                <a:effectLst/>
+                <a:latin typeface="Consolas" panose="020B0609020204030204" pitchFamily="49" charset="0"/>
+              </a:rPr>
+              <a:t> exp(-</a:t>
+            </a:r>
+            <a:r>
+              <a:rPr lang="en-US" b="0" dirty="0" err="1">
+                <a:solidFill>
+                  <a:srgbClr val="D4D4D4"/>
+                </a:solidFill>
+                <a:effectLst/>
+                <a:latin typeface="Consolas" panose="020B0609020204030204" pitchFamily="49" charset="0"/>
+              </a:rPr>
+              <a:t>reduce_min</a:t>
+            </a:r>
+            <a:r>
+              <a:rPr lang="en-US" b="0" dirty="0">
+                <a:solidFill>
+                  <a:srgbClr val="D4D4D4"/>
+                </a:solidFill>
+                <a:effectLst/>
+                <a:latin typeface="Consolas" panose="020B0609020204030204" pitchFamily="49" charset="0"/>
+              </a:rPr>
+              <a:t>(</a:t>
+            </a:r>
+            <a:r>
+              <a:rPr lang="en-US" b="0" dirty="0" err="1">
+                <a:solidFill>
+                  <a:srgbClr val="9CDCFE"/>
+                </a:solidFill>
+                <a:effectLst/>
+                <a:latin typeface="Consolas" panose="020B0609020204030204" pitchFamily="49" charset="0"/>
+              </a:rPr>
+              <a:t>flat_vector</a:t>
+            </a:r>
+            <a:r>
+              <a:rPr lang="en-US" b="0" dirty="0">
+                <a:solidFill>
+                  <a:srgbClr val="D4D4D4"/>
+                </a:solidFill>
+                <a:effectLst/>
+                <a:latin typeface="Consolas" panose="020B0609020204030204" pitchFamily="49" charset="0"/>
+              </a:rPr>
+              <a:t>))</a:t>
+            </a:r>
+          </a:p>
+        </p:txBody>
+      </p:sp>
+      <p:grpSp>
+        <p:nvGrpSpPr>
+          <p:cNvPr id="9" name="Group 8">
+            <a:extLst>
+              <a:ext uri="{FF2B5EF4-FFF2-40B4-BE49-F238E27FC236}">
+                <a16:creationId xmlns:a16="http://schemas.microsoft.com/office/drawing/2014/main" id="{2141E25C-DAEA-4E7E-A04B-4B79092A1B23}"/>
+              </a:ext>
+            </a:extLst>
+          </p:cNvPr>
+          <p:cNvGrpSpPr/>
+          <p:nvPr/>
+        </p:nvGrpSpPr>
+        <p:grpSpPr>
+          <a:xfrm>
+            <a:off x="7416800" y="1076086"/>
+            <a:ext cx="3840658" cy="2889467"/>
+            <a:chOff x="7587254" y="2371464"/>
+            <a:chExt cx="3840658" cy="2889467"/>
+          </a:xfrm>
+        </p:grpSpPr>
+        <p:pic>
+          <p:nvPicPr>
+            <p:cNvPr id="4" name="Picture 3">
+              <a:extLst>
+                <a:ext uri="{FF2B5EF4-FFF2-40B4-BE49-F238E27FC236}">
+                  <a16:creationId xmlns:a16="http://schemas.microsoft.com/office/drawing/2014/main" id="{F6EAB0D7-0829-1825-6A0E-539AAF41AB26}"/>
+                </a:ext>
+              </a:extLst>
+            </p:cNvPr>
+            <p:cNvPicPr>
+              <a:picLocks noChangeAspect="1"/>
+            </p:cNvPicPr>
+            <p:nvPr/>
+          </p:nvPicPr>
+          <p:blipFill>
+            <a:blip r:embed="rId2"/>
+            <a:stretch>
+              <a:fillRect/>
+            </a:stretch>
+          </p:blipFill>
+          <p:spPr>
+            <a:xfrm>
+              <a:off x="7587254" y="2371464"/>
+              <a:ext cx="3840658" cy="2889467"/>
+            </a:xfrm>
+            <a:prstGeom prst="rect">
+              <a:avLst/>
+            </a:prstGeom>
+            <a:ln>
+              <a:solidFill>
+                <a:schemeClr val="tx1"/>
+              </a:solidFill>
+            </a:ln>
+          </p:spPr>
+        </p:pic>
+        <p:cxnSp>
+          <p:nvCxnSpPr>
+            <p:cNvPr id="7" name="Straight Connector 6">
+              <a:extLst>
+                <a:ext uri="{FF2B5EF4-FFF2-40B4-BE49-F238E27FC236}">
+                  <a16:creationId xmlns:a16="http://schemas.microsoft.com/office/drawing/2014/main" id="{40796112-AD8C-5B95-BCEA-F32830432A73}"/>
+                </a:ext>
+              </a:extLst>
+            </p:cNvPr>
+            <p:cNvCxnSpPr/>
+            <p:nvPr/>
+          </p:nvCxnSpPr>
+          <p:spPr>
+            <a:xfrm flipV="1">
+              <a:off x="8761956" y="3568656"/>
+              <a:ext cx="544882" cy="589985"/>
+            </a:xfrm>
+            <a:prstGeom prst="line">
+              <a:avLst/>
+            </a:prstGeom>
+            <a:ln w="38100">
+              <a:solidFill>
+                <a:srgbClr val="FF0000"/>
+              </a:solidFill>
+            </a:ln>
+          </p:spPr>
+          <p:style>
+            <a:lnRef idx="1">
+              <a:schemeClr val="accent1"/>
+            </a:lnRef>
+            <a:fillRef idx="0">
+              <a:schemeClr val="accent1"/>
+            </a:fillRef>
+            <a:effectRef idx="0">
+              <a:schemeClr val="accent1"/>
+            </a:effectRef>
+            <a:fontRef idx="minor">
+              <a:schemeClr val="tx1"/>
+            </a:fontRef>
+          </p:style>
+        </p:cxnSp>
+        <p:cxnSp>
+          <p:nvCxnSpPr>
+            <p:cNvPr id="8" name="Straight Connector 7">
+              <a:extLst>
+                <a:ext uri="{FF2B5EF4-FFF2-40B4-BE49-F238E27FC236}">
+                  <a16:creationId xmlns:a16="http://schemas.microsoft.com/office/drawing/2014/main" id="{6BA4DBCD-6BAC-58FA-AD9A-C08CA875FD8D}"/>
+                </a:ext>
+              </a:extLst>
+            </p:cNvPr>
+            <p:cNvCxnSpPr>
+              <a:cxnSpLocks/>
+            </p:cNvCxnSpPr>
+            <p:nvPr/>
+          </p:nvCxnSpPr>
+          <p:spPr>
+            <a:xfrm flipV="1">
+              <a:off x="8761956" y="3568656"/>
+              <a:ext cx="1277655" cy="589985"/>
+            </a:xfrm>
+            <a:prstGeom prst="line">
+              <a:avLst/>
+            </a:prstGeom>
+            <a:ln w="38100">
+              <a:solidFill>
+                <a:srgbClr val="FF0000"/>
+              </a:solidFill>
+            </a:ln>
+          </p:spPr>
+          <p:style>
+            <a:lnRef idx="1">
+              <a:schemeClr val="accent1"/>
+            </a:lnRef>
+            <a:fillRef idx="0">
+              <a:schemeClr val="accent1"/>
+            </a:fillRef>
+            <a:effectRef idx="0">
+              <a:schemeClr val="accent1"/>
+            </a:effectRef>
+            <a:fontRef idx="minor">
+              <a:schemeClr val="tx1"/>
+            </a:fontRef>
+          </p:style>
+        </p:cxnSp>
+        <p:cxnSp>
+          <p:nvCxnSpPr>
+            <p:cNvPr id="11" name="Straight Connector 10">
+              <a:extLst>
+                <a:ext uri="{FF2B5EF4-FFF2-40B4-BE49-F238E27FC236}">
+                  <a16:creationId xmlns:a16="http://schemas.microsoft.com/office/drawing/2014/main" id="{A6FFA529-866E-FEBC-3C2E-61B131546DA6}"/>
+                </a:ext>
+              </a:extLst>
+            </p:cNvPr>
+            <p:cNvCxnSpPr>
+              <a:cxnSpLocks/>
+            </p:cNvCxnSpPr>
+            <p:nvPr/>
+          </p:nvCxnSpPr>
+          <p:spPr>
+            <a:xfrm>
+              <a:off x="8761956" y="4158641"/>
+              <a:ext cx="1822537" cy="0"/>
+            </a:xfrm>
+            <a:prstGeom prst="line">
+              <a:avLst/>
+            </a:prstGeom>
+            <a:ln w="38100">
+              <a:solidFill>
+                <a:srgbClr val="FF0000"/>
+              </a:solidFill>
+            </a:ln>
+          </p:spPr>
+          <p:style>
+            <a:lnRef idx="1">
+              <a:schemeClr val="accent1"/>
+            </a:lnRef>
+            <a:fillRef idx="0">
+              <a:schemeClr val="accent1"/>
+            </a:fillRef>
+            <a:effectRef idx="0">
+              <a:schemeClr val="accent1"/>
+            </a:effectRef>
+            <a:fontRef idx="minor">
+              <a:schemeClr val="tx1"/>
+            </a:fontRef>
+          </p:style>
+        </p:cxnSp>
+        <p:cxnSp>
+          <p:nvCxnSpPr>
+            <p:cNvPr id="14" name="Straight Connector 13">
+              <a:extLst>
+                <a:ext uri="{FF2B5EF4-FFF2-40B4-BE49-F238E27FC236}">
+                  <a16:creationId xmlns:a16="http://schemas.microsoft.com/office/drawing/2014/main" id="{8169C636-BBF4-2197-687C-EF5EB6EF1C98}"/>
+                </a:ext>
+              </a:extLst>
+            </p:cNvPr>
+            <p:cNvCxnSpPr>
+              <a:cxnSpLocks/>
+            </p:cNvCxnSpPr>
+            <p:nvPr/>
+          </p:nvCxnSpPr>
+          <p:spPr>
+            <a:xfrm>
+              <a:off x="9306838" y="3568656"/>
+              <a:ext cx="732773" cy="0"/>
+            </a:xfrm>
+            <a:prstGeom prst="line">
+              <a:avLst/>
+            </a:prstGeom>
+            <a:ln w="38100">
+              <a:solidFill>
+                <a:srgbClr val="008000"/>
+              </a:solidFill>
+            </a:ln>
+          </p:spPr>
+          <p:style>
+            <a:lnRef idx="1">
+              <a:schemeClr val="accent1"/>
+            </a:lnRef>
+            <a:fillRef idx="0">
+              <a:schemeClr val="accent1"/>
+            </a:fillRef>
+            <a:effectRef idx="0">
+              <a:schemeClr val="accent1"/>
+            </a:effectRef>
+            <a:fontRef idx="minor">
+              <a:schemeClr val="tx1"/>
+            </a:fontRef>
+          </p:style>
+        </p:cxnSp>
+        <p:cxnSp>
+          <p:nvCxnSpPr>
+            <p:cNvPr id="17" name="Straight Connector 16">
+              <a:extLst>
+                <a:ext uri="{FF2B5EF4-FFF2-40B4-BE49-F238E27FC236}">
+                  <a16:creationId xmlns:a16="http://schemas.microsoft.com/office/drawing/2014/main" id="{751D4BB6-31CA-A82E-BF75-F253318A35D1}"/>
+                </a:ext>
+              </a:extLst>
+            </p:cNvPr>
+            <p:cNvCxnSpPr>
+              <a:cxnSpLocks/>
+            </p:cNvCxnSpPr>
+            <p:nvPr/>
+          </p:nvCxnSpPr>
+          <p:spPr>
+            <a:xfrm flipH="1" flipV="1">
+              <a:off x="9306838" y="3568656"/>
+              <a:ext cx="1277655" cy="589985"/>
+            </a:xfrm>
+            <a:prstGeom prst="line">
+              <a:avLst/>
+            </a:prstGeom>
+            <a:ln w="38100">
+              <a:solidFill>
+                <a:srgbClr val="FF0000"/>
+              </a:solidFill>
+            </a:ln>
+          </p:spPr>
+          <p:style>
+            <a:lnRef idx="1">
+              <a:schemeClr val="accent1"/>
+            </a:lnRef>
+            <a:fillRef idx="0">
+              <a:schemeClr val="accent1"/>
+            </a:fillRef>
+            <a:effectRef idx="0">
+              <a:schemeClr val="accent1"/>
+            </a:effectRef>
+            <a:fontRef idx="minor">
+              <a:schemeClr val="tx1"/>
+            </a:fontRef>
+          </p:style>
+        </p:cxnSp>
+        <p:cxnSp>
+          <p:nvCxnSpPr>
+            <p:cNvPr id="20" name="Straight Connector 19">
+              <a:extLst>
+                <a:ext uri="{FF2B5EF4-FFF2-40B4-BE49-F238E27FC236}">
+                  <a16:creationId xmlns:a16="http://schemas.microsoft.com/office/drawing/2014/main" id="{FBBC04F8-8DCA-B98B-7804-94DCA345A09F}"/>
+                </a:ext>
+              </a:extLst>
+            </p:cNvPr>
+            <p:cNvCxnSpPr>
+              <a:cxnSpLocks/>
+            </p:cNvCxnSpPr>
+            <p:nvPr/>
+          </p:nvCxnSpPr>
+          <p:spPr>
+            <a:xfrm flipH="1" flipV="1">
+              <a:off x="10039611" y="3568656"/>
+              <a:ext cx="544882" cy="589985"/>
+            </a:xfrm>
+            <a:prstGeom prst="line">
+              <a:avLst/>
+            </a:prstGeom>
+            <a:ln w="38100">
+              <a:solidFill>
+                <a:srgbClr val="FF0000"/>
+              </a:solidFill>
+            </a:ln>
+          </p:spPr>
+          <p:style>
+            <a:lnRef idx="1">
+              <a:schemeClr val="accent1"/>
+            </a:lnRef>
+            <a:fillRef idx="0">
+              <a:schemeClr val="accent1"/>
+            </a:fillRef>
+            <a:effectRef idx="0">
+              <a:schemeClr val="accent1"/>
+            </a:effectRef>
+            <a:fontRef idx="minor">
+              <a:schemeClr val="tx1"/>
+            </a:fontRef>
+          </p:style>
+        </p:cxnSp>
+      </p:grpSp>
+      <p:pic>
+        <p:nvPicPr>
+          <p:cNvPr id="23" name="Picture 22">
+            <a:extLst>
+              <a:ext uri="{FF2B5EF4-FFF2-40B4-BE49-F238E27FC236}">
+                <a16:creationId xmlns:a16="http://schemas.microsoft.com/office/drawing/2014/main" id="{61EB2139-349A-8F5C-FC26-3476185717BD}"/>
+              </a:ext>
+            </a:extLst>
+          </p:cNvPr>
+          <p:cNvPicPr>
+            <a:picLocks noChangeAspect="1"/>
+          </p:cNvPicPr>
+          <p:nvPr/>
+        </p:nvPicPr>
+        <p:blipFill>
+          <a:blip r:embed="rId3"/>
+          <a:stretch>
+            <a:fillRect/>
+          </a:stretch>
+        </p:blipFill>
+        <p:spPr>
+          <a:xfrm>
+            <a:off x="1199763" y="898503"/>
+            <a:ext cx="4076700" cy="3067050"/>
+          </a:xfrm>
+          <a:prstGeom prst="rect">
+            <a:avLst/>
+          </a:prstGeom>
+          <a:ln>
+            <a:solidFill>
+              <a:schemeClr val="tx1"/>
+            </a:solidFill>
+          </a:ln>
+        </p:spPr>
+      </p:pic>
+      <p:cxnSp>
+        <p:nvCxnSpPr>
+          <p:cNvPr id="10" name="Straight Connector 9">
+            <a:extLst>
+              <a:ext uri="{FF2B5EF4-FFF2-40B4-BE49-F238E27FC236}">
+                <a16:creationId xmlns:a16="http://schemas.microsoft.com/office/drawing/2014/main" id="{C973C913-A2AA-4624-7380-1317D516BFD4}"/>
+              </a:ext>
+            </a:extLst>
+          </p:cNvPr>
+          <p:cNvCxnSpPr>
+            <a:cxnSpLocks/>
+          </p:cNvCxnSpPr>
+          <p:nvPr/>
+        </p:nvCxnSpPr>
+        <p:spPr>
+          <a:xfrm flipV="1">
+            <a:off x="2249156" y="2137036"/>
+            <a:ext cx="362521" cy="678775"/>
+          </a:xfrm>
+          <a:prstGeom prst="line">
+            <a:avLst/>
+          </a:prstGeom>
+          <a:ln w="38100">
+            <a:solidFill>
+              <a:srgbClr val="FF0000"/>
+            </a:solidFill>
+          </a:ln>
+        </p:spPr>
+        <p:style>
+          <a:lnRef idx="1">
+            <a:schemeClr val="accent1"/>
+          </a:lnRef>
+          <a:fillRef idx="0">
+            <a:schemeClr val="accent1"/>
+          </a:fillRef>
+          <a:effectRef idx="0">
+            <a:schemeClr val="accent1"/>
+          </a:effectRef>
+          <a:fontRef idx="minor">
+            <a:schemeClr val="tx1"/>
+          </a:fontRef>
+        </p:style>
+      </p:cxnSp>
+      <p:cxnSp>
+        <p:nvCxnSpPr>
+          <p:cNvPr id="13" name="Straight Connector 12">
+            <a:extLst>
+              <a:ext uri="{FF2B5EF4-FFF2-40B4-BE49-F238E27FC236}">
+                <a16:creationId xmlns:a16="http://schemas.microsoft.com/office/drawing/2014/main" id="{1FDC60C8-BE5F-F1A3-A65A-8311416C5F47}"/>
+              </a:ext>
+            </a:extLst>
+          </p:cNvPr>
+          <p:cNvCxnSpPr>
+            <a:cxnSpLocks/>
+          </p:cNvCxnSpPr>
+          <p:nvPr/>
+        </p:nvCxnSpPr>
+        <p:spPr>
+          <a:xfrm flipV="1">
+            <a:off x="2249156" y="2137036"/>
+            <a:ext cx="907403" cy="678775"/>
+          </a:xfrm>
+          <a:prstGeom prst="line">
+            <a:avLst/>
+          </a:prstGeom>
+          <a:ln w="38100">
+            <a:solidFill>
+              <a:srgbClr val="FF0000"/>
+            </a:solidFill>
+          </a:ln>
+        </p:spPr>
+        <p:style>
+          <a:lnRef idx="1">
+            <a:schemeClr val="accent1"/>
+          </a:lnRef>
+          <a:fillRef idx="0">
+            <a:schemeClr val="accent1"/>
+          </a:fillRef>
+          <a:effectRef idx="0">
+            <a:schemeClr val="accent1"/>
+          </a:effectRef>
+          <a:fontRef idx="minor">
+            <a:schemeClr val="tx1"/>
+          </a:fontRef>
+        </p:style>
+      </p:cxnSp>
+      <p:cxnSp>
+        <p:nvCxnSpPr>
+          <p:cNvPr id="18" name="Straight Connector 17">
+            <a:extLst>
+              <a:ext uri="{FF2B5EF4-FFF2-40B4-BE49-F238E27FC236}">
+                <a16:creationId xmlns:a16="http://schemas.microsoft.com/office/drawing/2014/main" id="{C72C55CB-DE58-5D39-4946-E16BA270B0C5}"/>
+              </a:ext>
+            </a:extLst>
+          </p:cNvPr>
+          <p:cNvCxnSpPr>
+            <a:cxnSpLocks/>
+          </p:cNvCxnSpPr>
+          <p:nvPr/>
+        </p:nvCxnSpPr>
+        <p:spPr>
+          <a:xfrm>
+            <a:off x="2249156" y="2807863"/>
+            <a:ext cx="1251429" cy="7948"/>
+          </a:xfrm>
+          <a:prstGeom prst="line">
+            <a:avLst/>
+          </a:prstGeom>
+          <a:ln w="38100">
+            <a:solidFill>
+              <a:srgbClr val="FF0000"/>
+            </a:solidFill>
+          </a:ln>
+        </p:spPr>
+        <p:style>
+          <a:lnRef idx="1">
+            <a:schemeClr val="accent1"/>
+          </a:lnRef>
+          <a:fillRef idx="0">
+            <a:schemeClr val="accent1"/>
+          </a:fillRef>
+          <a:effectRef idx="0">
+            <a:schemeClr val="accent1"/>
+          </a:effectRef>
+          <a:fontRef idx="minor">
+            <a:schemeClr val="tx1"/>
+          </a:fontRef>
+        </p:style>
+      </p:cxnSp>
+      <p:cxnSp>
+        <p:nvCxnSpPr>
+          <p:cNvPr id="22" name="Straight Connector 21">
+            <a:extLst>
+              <a:ext uri="{FF2B5EF4-FFF2-40B4-BE49-F238E27FC236}">
+                <a16:creationId xmlns:a16="http://schemas.microsoft.com/office/drawing/2014/main" id="{3513D49F-41EB-AED7-7BBF-EE2A9914EED7}"/>
+              </a:ext>
+            </a:extLst>
+          </p:cNvPr>
+          <p:cNvCxnSpPr>
+            <a:cxnSpLocks/>
+          </p:cNvCxnSpPr>
+          <p:nvPr/>
+        </p:nvCxnSpPr>
+        <p:spPr>
+          <a:xfrm flipH="1" flipV="1">
+            <a:off x="3156559" y="2137036"/>
+            <a:ext cx="332911" cy="678775"/>
+          </a:xfrm>
+          <a:prstGeom prst="line">
+            <a:avLst/>
+          </a:prstGeom>
+          <a:ln w="38100">
+            <a:solidFill>
+              <a:srgbClr val="FF0000"/>
+            </a:solidFill>
+          </a:ln>
+        </p:spPr>
+        <p:style>
+          <a:lnRef idx="1">
+            <a:schemeClr val="accent1"/>
+          </a:lnRef>
+          <a:fillRef idx="0">
+            <a:schemeClr val="accent1"/>
+          </a:fillRef>
+          <a:effectRef idx="0">
+            <a:schemeClr val="accent1"/>
+          </a:effectRef>
+          <a:fontRef idx="minor">
+            <a:schemeClr val="tx1"/>
+          </a:fontRef>
+        </p:style>
+      </p:cxnSp>
+      <p:cxnSp>
+        <p:nvCxnSpPr>
+          <p:cNvPr id="27" name="Straight Connector 26">
+            <a:extLst>
+              <a:ext uri="{FF2B5EF4-FFF2-40B4-BE49-F238E27FC236}">
+                <a16:creationId xmlns:a16="http://schemas.microsoft.com/office/drawing/2014/main" id="{80369CE3-009A-B196-EF1E-5B971FEEC097}"/>
+              </a:ext>
+            </a:extLst>
+          </p:cNvPr>
+          <p:cNvCxnSpPr>
+            <a:cxnSpLocks/>
+          </p:cNvCxnSpPr>
+          <p:nvPr/>
+        </p:nvCxnSpPr>
+        <p:spPr>
+          <a:xfrm flipH="1">
+            <a:off x="2608912" y="2137036"/>
+            <a:ext cx="547647" cy="0"/>
+          </a:xfrm>
+          <a:prstGeom prst="line">
+            <a:avLst/>
+          </a:prstGeom>
+          <a:ln w="38100">
+            <a:solidFill>
+              <a:srgbClr val="008000"/>
+            </a:solidFill>
+          </a:ln>
+        </p:spPr>
+        <p:style>
+          <a:lnRef idx="1">
+            <a:schemeClr val="accent1"/>
+          </a:lnRef>
+          <a:fillRef idx="0">
+            <a:schemeClr val="accent1"/>
+          </a:fillRef>
+          <a:effectRef idx="0">
+            <a:schemeClr val="accent1"/>
+          </a:effectRef>
+          <a:fontRef idx="minor">
+            <a:schemeClr val="tx1"/>
+          </a:fontRef>
+        </p:style>
+      </p:cxnSp>
+      <p:cxnSp>
+        <p:nvCxnSpPr>
+          <p:cNvPr id="31" name="Straight Connector 30">
+            <a:extLst>
+              <a:ext uri="{FF2B5EF4-FFF2-40B4-BE49-F238E27FC236}">
+                <a16:creationId xmlns:a16="http://schemas.microsoft.com/office/drawing/2014/main" id="{F494E3F8-42D4-250A-B5D5-15CCA1FBC9AF}"/>
+              </a:ext>
+            </a:extLst>
+          </p:cNvPr>
+          <p:cNvCxnSpPr>
+            <a:cxnSpLocks/>
+          </p:cNvCxnSpPr>
+          <p:nvPr/>
+        </p:nvCxnSpPr>
+        <p:spPr>
+          <a:xfrm flipH="1" flipV="1">
+            <a:off x="2608912" y="2133063"/>
+            <a:ext cx="865678" cy="682748"/>
+          </a:xfrm>
+          <a:prstGeom prst="line">
+            <a:avLst/>
+          </a:prstGeom>
+          <a:ln w="38100">
+            <a:solidFill>
+              <a:srgbClr val="FF0000"/>
+            </a:solidFill>
+          </a:ln>
+        </p:spPr>
+        <p:style>
+          <a:lnRef idx="1">
+            <a:schemeClr val="accent1"/>
+          </a:lnRef>
+          <a:fillRef idx="0">
+            <a:schemeClr val="accent1"/>
+          </a:fillRef>
+          <a:effectRef idx="0">
+            <a:schemeClr val="accent1"/>
+          </a:effectRef>
+          <a:fontRef idx="minor">
+            <a:schemeClr val="tx1"/>
+          </a:fontRef>
+        </p:style>
+      </p:cxnSp>
+    </p:spTree>
+    <p:extLst>
+      <p:ext uri="{BB962C8B-B14F-4D97-AF65-F5344CB8AC3E}">
+        <p14:creationId xmlns:p14="http://schemas.microsoft.com/office/powerpoint/2010/main" val="690731711"/>
+      </p:ext>
+    </p:extLst>
+  </p:cSld>
+  <p:clrMapOvr>
+    <a:masterClrMapping/>
+  </p:clrMapOvr>
+  <p:transition spd="med">
+    <p:fade thruBlk="1"/>
+  </p:transition>
+</p:sld>
+</file>
+
+<file path=ppt/slides/slide4.xml><?xml version="1.0" encoding="utf-8"?>
+<p:sld xmlns:a="http://schemas.openxmlformats.org/drawingml/2006/main" xmlns:r="http://schemas.openxmlformats.org/officeDocument/2006/relationships" xmlns:p="http://schemas.openxmlformats.org/presentationml/2006/main">
+  <p:cSld>
+    <p:spTree>
+      <p:nvGrpSpPr>
+        <p:cNvPr id="1" name=""/>
+        <p:cNvGrpSpPr/>
+        <p:nvPr/>
+      </p:nvGrpSpPr>
+      <p:grpSpPr>
+        <a:xfrm>
+          <a:off x="0" y="0"/>
+          <a:ext cx="0" cy="0"/>
+          <a:chOff x="0" y="0"/>
+          <a:chExt cx="0" cy="0"/>
+        </a:xfrm>
+      </p:grpSpPr>
+      <p:sp>
+        <p:nvSpPr>
+          <p:cNvPr id="2" name="Title 1">
+            <a:extLst>
+              <a:ext uri="{FF2B5EF4-FFF2-40B4-BE49-F238E27FC236}">
+                <a16:creationId xmlns:a16="http://schemas.microsoft.com/office/drawing/2014/main" id="{B5349707-71DF-9030-5772-F38E8468AC11}"/>
+              </a:ext>
+            </a:extLst>
+          </p:cNvPr>
+          <p:cNvSpPr>
+            <a:spLocks noGrp="1"/>
+          </p:cNvSpPr>
+          <p:nvPr>
+            <p:ph type="title"/>
+          </p:nvPr>
+        </p:nvSpPr>
+        <p:spPr/>
+        <p:txBody>
+          <a:bodyPr/>
+          <a:lstStyle/>
+          <a:p>
+            <a:r>
+              <a:rPr lang="en-US" sz="3600" dirty="0"/>
+              <a:t>Using Tropical Distance to Make Logits</a:t>
+            </a:r>
+          </a:p>
+        </p:txBody>
+      </p:sp>
+      <p:sp>
+        <p:nvSpPr>
+          <p:cNvPr id="3" name="Content Placeholder 2">
+            <a:extLst>
+              <a:ext uri="{FF2B5EF4-FFF2-40B4-BE49-F238E27FC236}">
+                <a16:creationId xmlns:a16="http://schemas.microsoft.com/office/drawing/2014/main" id="{5C75A788-5382-A713-8EFC-12675FD12084}"/>
+              </a:ext>
+            </a:extLst>
+          </p:cNvPr>
+          <p:cNvSpPr>
+            <a:spLocks noGrp="1"/>
+          </p:cNvSpPr>
+          <p:nvPr>
+            <p:ph idx="1"/>
+          </p:nvPr>
+        </p:nvSpPr>
+        <p:spPr>
+          <a:xfrm>
+            <a:off x="621430" y="878388"/>
+            <a:ext cx="10566400" cy="4800600"/>
+          </a:xfrm>
+        </p:spPr>
+        <p:txBody>
+          <a:bodyPr/>
+          <a:lstStyle/>
+          <a:p>
+            <a:pPr marL="0" indent="0">
+              <a:buNone/>
+            </a:pPr>
+            <a:r>
+              <a:rPr lang="en-US" sz="2000" b="1" dirty="0"/>
+              <a:t>Summary of Method: </a:t>
+            </a:r>
+            <a:r>
+              <a:rPr lang="en-US" sz="2000" dirty="0"/>
+              <a:t>Make last layer of neural network activated by the </a:t>
+            </a:r>
+            <a:r>
+              <a:rPr lang="en-US" sz="2000" dirty="0" err="1"/>
+              <a:t>softmin</a:t>
+            </a:r>
+            <a:r>
+              <a:rPr lang="en-US" sz="2000" dirty="0"/>
+              <a:t> of the tropical distance, logits produced are then used to calculate loss</a:t>
+            </a:r>
+          </a:p>
+          <a:p>
+            <a:pPr marL="0" indent="0">
+              <a:buNone/>
+            </a:pPr>
+            <a:r>
+              <a:rPr lang="en-US" sz="2000" b="1" dirty="0"/>
+              <a:t>Layer Implementation Below:</a:t>
+            </a:r>
+          </a:p>
+        </p:txBody>
+      </p:sp>
+      <p:grpSp>
+        <p:nvGrpSpPr>
+          <p:cNvPr id="15" name="Group 14">
+            <a:extLst>
+              <a:ext uri="{FF2B5EF4-FFF2-40B4-BE49-F238E27FC236}">
+                <a16:creationId xmlns:a16="http://schemas.microsoft.com/office/drawing/2014/main" id="{854883D4-178C-B12B-FD32-AC0F69567E41}"/>
+              </a:ext>
+            </a:extLst>
+          </p:cNvPr>
+          <p:cNvGrpSpPr/>
+          <p:nvPr/>
+        </p:nvGrpSpPr>
+        <p:grpSpPr>
+          <a:xfrm>
+            <a:off x="1929009" y="2065987"/>
+            <a:ext cx="8542751" cy="4616648"/>
+            <a:chOff x="513567" y="2241352"/>
+            <a:chExt cx="8542751" cy="4616648"/>
+          </a:xfrm>
+        </p:grpSpPr>
+        <p:sp>
+          <p:nvSpPr>
+            <p:cNvPr id="7" name="TextBox 6">
+              <a:extLst>
+                <a:ext uri="{FF2B5EF4-FFF2-40B4-BE49-F238E27FC236}">
+                  <a16:creationId xmlns:a16="http://schemas.microsoft.com/office/drawing/2014/main" id="{41757CDF-9285-77F7-626F-05216DC6AE38}"/>
+                </a:ext>
+              </a:extLst>
+            </p:cNvPr>
+            <p:cNvSpPr txBox="1"/>
+            <p:nvPr/>
+          </p:nvSpPr>
+          <p:spPr>
+            <a:xfrm>
+              <a:off x="513567" y="2241352"/>
+              <a:ext cx="8542751" cy="4616648"/>
+            </a:xfrm>
+            <a:prstGeom prst="rect">
+              <a:avLst/>
+            </a:prstGeom>
+            <a:solidFill>
+              <a:schemeClr val="tx1"/>
+            </a:solidFill>
+          </p:spPr>
+          <p:txBody>
+            <a:bodyPr wrap="square">
+              <a:spAutoFit/>
+            </a:bodyPr>
+            <a:lstStyle/>
+            <a:p>
+              <a:r>
+                <a:rPr lang="en-US" sz="1050" b="0" dirty="0">
+                  <a:solidFill>
+                    <a:srgbClr val="569CD6"/>
+                  </a:solidFill>
+                  <a:effectLst/>
+                  <a:latin typeface="Consolas" panose="020B0609020204030204" pitchFamily="49" charset="0"/>
+                </a:rPr>
+                <a:t>class</a:t>
+              </a:r>
+              <a:r>
+                <a:rPr lang="en-US" sz="1050" b="0" dirty="0">
+                  <a:solidFill>
+                    <a:srgbClr val="D4D4D4"/>
+                  </a:solidFill>
+                  <a:effectLst/>
+                  <a:latin typeface="Consolas" panose="020B0609020204030204" pitchFamily="49" charset="0"/>
+                </a:rPr>
+                <a:t> </a:t>
+              </a:r>
+              <a:r>
+                <a:rPr lang="en-US" sz="1050" b="0" dirty="0" err="1">
+                  <a:solidFill>
+                    <a:srgbClr val="4EC9B0"/>
+                  </a:solidFill>
+                  <a:effectLst/>
+                  <a:latin typeface="Consolas" panose="020B0609020204030204" pitchFamily="49" charset="0"/>
+                </a:rPr>
+                <a:t>TropEmbedMaxMinLogits</a:t>
+              </a:r>
+              <a:r>
+                <a:rPr lang="en-US" sz="1050" b="0" dirty="0">
+                  <a:solidFill>
+                    <a:srgbClr val="D4D4D4"/>
+                  </a:solidFill>
+                  <a:effectLst/>
+                  <a:latin typeface="Consolas" panose="020B0609020204030204" pitchFamily="49" charset="0"/>
+                </a:rPr>
+                <a:t>(</a:t>
+              </a:r>
+              <a:r>
+                <a:rPr lang="en-US" sz="1050" b="0" dirty="0">
+                  <a:solidFill>
+                    <a:srgbClr val="4EC9B0"/>
+                  </a:solidFill>
+                  <a:effectLst/>
+                  <a:latin typeface="Consolas" panose="020B0609020204030204" pitchFamily="49" charset="0"/>
+                </a:rPr>
+                <a:t>Layer</a:t>
+              </a:r>
+              <a:r>
+                <a:rPr lang="en-US" sz="1050" b="0" dirty="0">
+                  <a:solidFill>
+                    <a:srgbClr val="D4D4D4"/>
+                  </a:solidFill>
+                  <a:effectLst/>
+                  <a:latin typeface="Consolas" panose="020B0609020204030204" pitchFamily="49" charset="0"/>
+                </a:rPr>
+                <a:t>):</a:t>
+              </a:r>
+            </a:p>
+            <a:p>
+              <a:r>
+                <a:rPr lang="en-US" sz="1050" b="0" dirty="0">
+                  <a:solidFill>
+                    <a:srgbClr val="D4D4D4"/>
+                  </a:solidFill>
+                  <a:effectLst/>
+                  <a:latin typeface="Consolas" panose="020B0609020204030204" pitchFamily="49" charset="0"/>
+                </a:rPr>
+                <a:t>    </a:t>
+              </a:r>
+              <a:r>
+                <a:rPr lang="en-US" sz="1050" b="0" dirty="0">
+                  <a:solidFill>
+                    <a:srgbClr val="569CD6"/>
+                  </a:solidFill>
+                  <a:effectLst/>
+                  <a:latin typeface="Consolas" panose="020B0609020204030204" pitchFamily="49" charset="0"/>
+                </a:rPr>
+                <a:t>def</a:t>
+              </a:r>
+              <a:r>
+                <a:rPr lang="en-US" sz="1050" b="0" dirty="0">
+                  <a:solidFill>
+                    <a:srgbClr val="D4D4D4"/>
+                  </a:solidFill>
+                  <a:effectLst/>
+                  <a:latin typeface="Consolas" panose="020B0609020204030204" pitchFamily="49" charset="0"/>
+                </a:rPr>
+                <a:t> </a:t>
+              </a:r>
+              <a:r>
+                <a:rPr lang="en-US" sz="1050" b="0" dirty="0">
+                  <a:solidFill>
+                    <a:srgbClr val="DCDCAA"/>
+                  </a:solidFill>
+                  <a:effectLst/>
+                  <a:latin typeface="Consolas" panose="020B0609020204030204" pitchFamily="49" charset="0"/>
+                </a:rPr>
+                <a:t>__</a:t>
+              </a:r>
+              <a:r>
+                <a:rPr lang="en-US" sz="1050" b="0" dirty="0" err="1">
+                  <a:solidFill>
+                    <a:srgbClr val="DCDCAA"/>
+                  </a:solidFill>
+                  <a:effectLst/>
+                  <a:latin typeface="Consolas" panose="020B0609020204030204" pitchFamily="49" charset="0"/>
+                </a:rPr>
+                <a:t>init</a:t>
+              </a:r>
+              <a:r>
+                <a:rPr lang="en-US" sz="1050" b="0" dirty="0">
+                  <a:solidFill>
+                    <a:srgbClr val="DCDCAA"/>
+                  </a:solidFill>
+                  <a:effectLst/>
+                  <a:latin typeface="Consolas" panose="020B0609020204030204" pitchFamily="49" charset="0"/>
+                </a:rPr>
+                <a:t>__</a:t>
+              </a:r>
+              <a:r>
+                <a:rPr lang="en-US" sz="1050" b="0" dirty="0">
+                  <a:solidFill>
+                    <a:srgbClr val="D4D4D4"/>
+                  </a:solidFill>
+                  <a:effectLst/>
+                  <a:latin typeface="Consolas" panose="020B0609020204030204" pitchFamily="49" charset="0"/>
+                </a:rPr>
+                <a:t>(</a:t>
+              </a:r>
+              <a:r>
+                <a:rPr lang="en-US" sz="1050" b="0" dirty="0">
+                  <a:solidFill>
+                    <a:srgbClr val="9CDCFE"/>
+                  </a:solidFill>
+                  <a:effectLst/>
+                  <a:latin typeface="Consolas" panose="020B0609020204030204" pitchFamily="49" charset="0"/>
+                </a:rPr>
+                <a:t>self</a:t>
+              </a:r>
+              <a:r>
+                <a:rPr lang="en-US" sz="1050" b="0" dirty="0">
+                  <a:solidFill>
+                    <a:srgbClr val="D4D4D4"/>
+                  </a:solidFill>
+                  <a:effectLst/>
+                  <a:latin typeface="Consolas" panose="020B0609020204030204" pitchFamily="49" charset="0"/>
+                </a:rPr>
+                <a:t>, </a:t>
+              </a:r>
+              <a:r>
+                <a:rPr lang="en-US" sz="1050" b="0" dirty="0">
+                  <a:solidFill>
+                    <a:srgbClr val="9CDCFE"/>
+                  </a:solidFill>
+                  <a:effectLst/>
+                  <a:latin typeface="Consolas" panose="020B0609020204030204" pitchFamily="49" charset="0"/>
+                </a:rPr>
+                <a:t>units</a:t>
+              </a:r>
+              <a:r>
+                <a:rPr lang="en-US" sz="1050" b="0" dirty="0">
+                  <a:solidFill>
+                    <a:srgbClr val="D4D4D4"/>
+                  </a:solidFill>
+                  <a:effectLst/>
+                  <a:latin typeface="Consolas" panose="020B0609020204030204" pitchFamily="49" charset="0"/>
+                </a:rPr>
+                <a:t>=</a:t>
+              </a:r>
+              <a:r>
+                <a:rPr lang="en-US" sz="1050" b="0" dirty="0">
+                  <a:solidFill>
+                    <a:srgbClr val="B5CEA8"/>
+                  </a:solidFill>
+                  <a:effectLst/>
+                  <a:latin typeface="Consolas" panose="020B0609020204030204" pitchFamily="49" charset="0"/>
+                </a:rPr>
+                <a:t>2</a:t>
+              </a:r>
+              <a:r>
+                <a:rPr lang="en-US" sz="1050" b="0" dirty="0">
+                  <a:solidFill>
+                    <a:srgbClr val="D4D4D4"/>
+                  </a:solidFill>
+                  <a:effectLst/>
+                  <a:latin typeface="Consolas" panose="020B0609020204030204" pitchFamily="49" charset="0"/>
+                </a:rPr>
+                <a:t>, </a:t>
+              </a:r>
+              <a:r>
+                <a:rPr lang="en-US" sz="1050" b="0" dirty="0" err="1">
+                  <a:solidFill>
+                    <a:srgbClr val="9CDCFE"/>
+                  </a:solidFill>
+                  <a:effectLst/>
+                  <a:latin typeface="Consolas" panose="020B0609020204030204" pitchFamily="49" charset="0"/>
+                </a:rPr>
+                <a:t>initializer_w</a:t>
+              </a:r>
+              <a:r>
+                <a:rPr lang="en-US" sz="1050" b="0" dirty="0">
+                  <a:solidFill>
+                    <a:srgbClr val="D4D4D4"/>
+                  </a:solidFill>
+                  <a:effectLst/>
+                  <a:latin typeface="Consolas" panose="020B0609020204030204" pitchFamily="49" charset="0"/>
+                </a:rPr>
+                <a:t>=</a:t>
+              </a:r>
+              <a:r>
+                <a:rPr lang="en-US" sz="1050" b="0" dirty="0" err="1">
+                  <a:solidFill>
+                    <a:srgbClr val="D4D4D4"/>
+                  </a:solidFill>
+                  <a:effectLst/>
+                  <a:latin typeface="Consolas" panose="020B0609020204030204" pitchFamily="49" charset="0"/>
+                </a:rPr>
+                <a:t>initializers.random_normal</a:t>
+              </a:r>
+              <a:r>
+                <a:rPr lang="en-US" sz="1050" b="0" dirty="0">
+                  <a:solidFill>
+                    <a:srgbClr val="D4D4D4"/>
+                  </a:solidFill>
+                  <a:effectLst/>
+                  <a:latin typeface="Consolas" panose="020B0609020204030204" pitchFamily="49" charset="0"/>
+                </a:rPr>
+                <a:t>, </a:t>
+              </a:r>
+              <a:r>
+                <a:rPr lang="en-US" sz="1050" b="0" dirty="0">
+                  <a:solidFill>
+                    <a:srgbClr val="9CDCFE"/>
+                  </a:solidFill>
+                  <a:effectLst/>
+                  <a:latin typeface="Consolas" panose="020B0609020204030204" pitchFamily="49" charset="0"/>
+                </a:rPr>
+                <a:t>lam</a:t>
+              </a:r>
+              <a:r>
+                <a:rPr lang="en-US" sz="1050" b="0" dirty="0">
+                  <a:solidFill>
+                    <a:srgbClr val="D4D4D4"/>
+                  </a:solidFill>
+                  <a:effectLst/>
+                  <a:latin typeface="Consolas" panose="020B0609020204030204" pitchFamily="49" charset="0"/>
+                </a:rPr>
+                <a:t>=</a:t>
+              </a:r>
+              <a:r>
+                <a:rPr lang="en-US" sz="1050" b="0" dirty="0">
+                  <a:solidFill>
+                    <a:srgbClr val="B5CEA8"/>
+                  </a:solidFill>
+                  <a:effectLst/>
+                  <a:latin typeface="Consolas" panose="020B0609020204030204" pitchFamily="49" charset="0"/>
+                </a:rPr>
+                <a:t>0.0</a:t>
+              </a:r>
+              <a:r>
+                <a:rPr lang="en-US" sz="1050" b="0" dirty="0">
+                  <a:solidFill>
+                    <a:srgbClr val="D4D4D4"/>
+                  </a:solidFill>
+                  <a:effectLst/>
+                  <a:latin typeface="Consolas" panose="020B0609020204030204" pitchFamily="49" charset="0"/>
+                </a:rPr>
+                <a:t>, **</a:t>
+              </a:r>
+              <a:r>
+                <a:rPr lang="en-US" sz="1050" b="0" dirty="0" err="1">
+                  <a:solidFill>
+                    <a:srgbClr val="9CDCFE"/>
+                  </a:solidFill>
+                  <a:effectLst/>
+                  <a:latin typeface="Consolas" panose="020B0609020204030204" pitchFamily="49" charset="0"/>
+                </a:rPr>
+                <a:t>kwargs</a:t>
+              </a:r>
+              <a:r>
+                <a:rPr lang="en-US" sz="1050" b="0" dirty="0">
+                  <a:solidFill>
+                    <a:srgbClr val="D4D4D4"/>
+                  </a:solidFill>
+                  <a:effectLst/>
+                  <a:latin typeface="Consolas" panose="020B0609020204030204" pitchFamily="49" charset="0"/>
+                </a:rPr>
+                <a:t>):</a:t>
+              </a:r>
+            </a:p>
+            <a:p>
+              <a:r>
+                <a:rPr lang="en-US" sz="1050" b="0" dirty="0">
+                  <a:solidFill>
+                    <a:srgbClr val="D4D4D4"/>
+                  </a:solidFill>
+                  <a:effectLst/>
+                  <a:latin typeface="Consolas" panose="020B0609020204030204" pitchFamily="49" charset="0"/>
+                </a:rPr>
+                <a:t>        </a:t>
+              </a:r>
+              <a:r>
+                <a:rPr lang="en-US" sz="1050" b="0" dirty="0">
+                  <a:solidFill>
+                    <a:srgbClr val="4EC9B0"/>
+                  </a:solidFill>
+                  <a:effectLst/>
+                  <a:latin typeface="Consolas" panose="020B0609020204030204" pitchFamily="49" charset="0"/>
+                </a:rPr>
+                <a:t>super</a:t>
+              </a:r>
+              <a:r>
+                <a:rPr lang="en-US" sz="1050" b="0" dirty="0">
+                  <a:solidFill>
+                    <a:srgbClr val="D4D4D4"/>
+                  </a:solidFill>
+                  <a:effectLst/>
+                  <a:latin typeface="Consolas" panose="020B0609020204030204" pitchFamily="49" charset="0"/>
+                </a:rPr>
+                <a:t>(</a:t>
+              </a:r>
+              <a:r>
+                <a:rPr lang="en-US" sz="1050" b="0" dirty="0" err="1">
+                  <a:solidFill>
+                    <a:srgbClr val="4EC9B0"/>
+                  </a:solidFill>
+                  <a:effectLst/>
+                  <a:latin typeface="Consolas" panose="020B0609020204030204" pitchFamily="49" charset="0"/>
+                </a:rPr>
+                <a:t>TropEmbedMaxMinLogits</a:t>
+              </a:r>
+              <a:r>
+                <a:rPr lang="en-US" sz="1050" b="0" dirty="0">
+                  <a:solidFill>
+                    <a:srgbClr val="D4D4D4"/>
+                  </a:solidFill>
+                  <a:effectLst/>
+                  <a:latin typeface="Consolas" panose="020B0609020204030204" pitchFamily="49" charset="0"/>
+                </a:rPr>
+                <a:t>, </a:t>
+              </a:r>
+              <a:r>
+                <a:rPr lang="en-US" sz="1050" b="0" dirty="0">
+                  <a:solidFill>
+                    <a:srgbClr val="9CDCFE"/>
+                  </a:solidFill>
+                  <a:effectLst/>
+                  <a:latin typeface="Consolas" panose="020B0609020204030204" pitchFamily="49" charset="0"/>
+                </a:rPr>
+                <a:t>self</a:t>
+              </a:r>
+              <a:r>
+                <a:rPr lang="en-US" sz="1050" b="0" dirty="0">
+                  <a:solidFill>
+                    <a:srgbClr val="D4D4D4"/>
+                  </a:solidFill>
+                  <a:effectLst/>
+                  <a:latin typeface="Consolas" panose="020B0609020204030204" pitchFamily="49" charset="0"/>
+                </a:rPr>
+                <a:t>).</a:t>
+              </a:r>
+              <a:r>
+                <a:rPr lang="en-US" sz="1050" b="0" dirty="0">
+                  <a:solidFill>
+                    <a:srgbClr val="DCDCAA"/>
+                  </a:solidFill>
+                  <a:effectLst/>
+                  <a:latin typeface="Consolas" panose="020B0609020204030204" pitchFamily="49" charset="0"/>
+                </a:rPr>
+                <a:t>__</a:t>
+              </a:r>
+              <a:r>
+                <a:rPr lang="en-US" sz="1050" b="0" dirty="0" err="1">
+                  <a:solidFill>
+                    <a:srgbClr val="DCDCAA"/>
+                  </a:solidFill>
+                  <a:effectLst/>
+                  <a:latin typeface="Consolas" panose="020B0609020204030204" pitchFamily="49" charset="0"/>
+                </a:rPr>
+                <a:t>init</a:t>
+              </a:r>
+              <a:r>
+                <a:rPr lang="en-US" sz="1050" b="0" dirty="0">
+                  <a:solidFill>
+                    <a:srgbClr val="DCDCAA"/>
+                  </a:solidFill>
+                  <a:effectLst/>
+                  <a:latin typeface="Consolas" panose="020B0609020204030204" pitchFamily="49" charset="0"/>
+                </a:rPr>
+                <a:t>__</a:t>
+              </a:r>
+              <a:r>
+                <a:rPr lang="en-US" sz="1050" b="0" dirty="0">
+                  <a:solidFill>
+                    <a:srgbClr val="D4D4D4"/>
+                  </a:solidFill>
+                  <a:effectLst/>
+                  <a:latin typeface="Consolas" panose="020B0609020204030204" pitchFamily="49" charset="0"/>
+                </a:rPr>
+                <a:t>(**</a:t>
+              </a:r>
+              <a:r>
+                <a:rPr lang="en-US" sz="1050" b="0" dirty="0" err="1">
+                  <a:solidFill>
+                    <a:srgbClr val="9CDCFE"/>
+                  </a:solidFill>
+                  <a:effectLst/>
+                  <a:latin typeface="Consolas" panose="020B0609020204030204" pitchFamily="49" charset="0"/>
+                </a:rPr>
+                <a:t>kwargs</a:t>
+              </a:r>
+              <a:r>
+                <a:rPr lang="en-US" sz="1050" b="0" dirty="0">
+                  <a:solidFill>
+                    <a:srgbClr val="D4D4D4"/>
+                  </a:solidFill>
+                  <a:effectLst/>
+                  <a:latin typeface="Consolas" panose="020B0609020204030204" pitchFamily="49" charset="0"/>
+                </a:rPr>
+                <a:t>)</a:t>
+              </a:r>
+            </a:p>
+            <a:p>
+              <a:r>
+                <a:rPr lang="en-US" sz="1050" b="0" dirty="0">
+                  <a:solidFill>
+                    <a:srgbClr val="D4D4D4"/>
+                  </a:solidFill>
+                  <a:effectLst/>
+                  <a:latin typeface="Consolas" panose="020B0609020204030204" pitchFamily="49" charset="0"/>
+                </a:rPr>
+                <a:t>        </a:t>
+              </a:r>
+              <a:r>
+                <a:rPr lang="en-US" sz="1050" b="0" dirty="0" err="1">
+                  <a:solidFill>
+                    <a:srgbClr val="9CDCFE"/>
+                  </a:solidFill>
+                  <a:effectLst/>
+                  <a:latin typeface="Consolas" panose="020B0609020204030204" pitchFamily="49" charset="0"/>
+                </a:rPr>
+                <a:t>self</a:t>
+              </a:r>
+              <a:r>
+                <a:rPr lang="en-US" sz="1050" b="0" dirty="0" err="1">
+                  <a:solidFill>
+                    <a:srgbClr val="D4D4D4"/>
+                  </a:solidFill>
+                  <a:effectLst/>
+                  <a:latin typeface="Consolas" panose="020B0609020204030204" pitchFamily="49" charset="0"/>
+                </a:rPr>
+                <a:t>.</a:t>
+              </a:r>
+              <a:r>
+                <a:rPr lang="en-US" sz="1050" b="0" dirty="0" err="1">
+                  <a:solidFill>
+                    <a:srgbClr val="9CDCFE"/>
+                  </a:solidFill>
+                  <a:effectLst/>
+                  <a:latin typeface="Consolas" panose="020B0609020204030204" pitchFamily="49" charset="0"/>
+                </a:rPr>
+                <a:t>units</a:t>
+              </a:r>
+              <a:r>
+                <a:rPr lang="en-US" sz="1050" b="0" dirty="0">
+                  <a:solidFill>
+                    <a:srgbClr val="D4D4D4"/>
+                  </a:solidFill>
+                  <a:effectLst/>
+                  <a:latin typeface="Consolas" panose="020B0609020204030204" pitchFamily="49" charset="0"/>
+                </a:rPr>
+                <a:t> = </a:t>
+              </a:r>
+              <a:r>
+                <a:rPr lang="en-US" sz="1050" b="0" dirty="0">
+                  <a:solidFill>
+                    <a:srgbClr val="9CDCFE"/>
+                  </a:solidFill>
+                  <a:effectLst/>
+                  <a:latin typeface="Consolas" panose="020B0609020204030204" pitchFamily="49" charset="0"/>
+                </a:rPr>
+                <a:t>units</a:t>
+              </a:r>
+              <a:endParaRPr lang="en-US" sz="1050" b="0" dirty="0">
+                <a:solidFill>
+                  <a:srgbClr val="D4D4D4"/>
+                </a:solidFill>
+                <a:effectLst/>
+                <a:latin typeface="Consolas" panose="020B0609020204030204" pitchFamily="49" charset="0"/>
+              </a:endParaRPr>
+            </a:p>
+            <a:p>
+              <a:r>
+                <a:rPr lang="en-US" sz="1050" b="0" dirty="0">
+                  <a:solidFill>
+                    <a:srgbClr val="D4D4D4"/>
+                  </a:solidFill>
+                  <a:effectLst/>
+                  <a:latin typeface="Consolas" panose="020B0609020204030204" pitchFamily="49" charset="0"/>
+                </a:rPr>
+                <a:t>        </a:t>
+              </a:r>
+              <a:r>
+                <a:rPr lang="en-US" sz="1050" b="0" dirty="0" err="1">
+                  <a:solidFill>
+                    <a:srgbClr val="9CDCFE"/>
+                  </a:solidFill>
+                  <a:effectLst/>
+                  <a:latin typeface="Consolas" panose="020B0609020204030204" pitchFamily="49" charset="0"/>
+                </a:rPr>
+                <a:t>self</a:t>
+              </a:r>
+              <a:r>
+                <a:rPr lang="en-US" sz="1050" b="0" dirty="0" err="1">
+                  <a:solidFill>
+                    <a:srgbClr val="D4D4D4"/>
+                  </a:solidFill>
+                  <a:effectLst/>
+                  <a:latin typeface="Consolas" panose="020B0609020204030204" pitchFamily="49" charset="0"/>
+                </a:rPr>
+                <a:t>.</a:t>
+              </a:r>
+              <a:r>
+                <a:rPr lang="en-US" sz="1050" b="0" dirty="0" err="1">
+                  <a:solidFill>
+                    <a:srgbClr val="9CDCFE"/>
+                  </a:solidFill>
+                  <a:effectLst/>
+                  <a:latin typeface="Consolas" panose="020B0609020204030204" pitchFamily="49" charset="0"/>
+                </a:rPr>
+                <a:t>initializer_w</a:t>
+              </a:r>
+              <a:r>
+                <a:rPr lang="en-US" sz="1050" b="0" dirty="0">
+                  <a:solidFill>
+                    <a:srgbClr val="D4D4D4"/>
+                  </a:solidFill>
+                  <a:effectLst/>
+                  <a:latin typeface="Consolas" panose="020B0609020204030204" pitchFamily="49" charset="0"/>
+                </a:rPr>
+                <a:t> = </a:t>
+              </a:r>
+              <a:r>
+                <a:rPr lang="en-US" sz="1050" b="0" dirty="0" err="1">
+                  <a:solidFill>
+                    <a:srgbClr val="9CDCFE"/>
+                  </a:solidFill>
+                  <a:effectLst/>
+                  <a:latin typeface="Consolas" panose="020B0609020204030204" pitchFamily="49" charset="0"/>
+                </a:rPr>
+                <a:t>initializer_w</a:t>
+              </a:r>
+              <a:endParaRPr lang="en-US" sz="1050" b="0" dirty="0">
+                <a:solidFill>
+                  <a:srgbClr val="D4D4D4"/>
+                </a:solidFill>
+                <a:effectLst/>
+                <a:latin typeface="Consolas" panose="020B0609020204030204" pitchFamily="49" charset="0"/>
+              </a:endParaRPr>
+            </a:p>
+            <a:p>
+              <a:r>
+                <a:rPr lang="en-US" sz="1050" b="0" dirty="0">
+                  <a:solidFill>
+                    <a:srgbClr val="D4D4D4"/>
+                  </a:solidFill>
+                  <a:effectLst/>
+                  <a:latin typeface="Consolas" panose="020B0609020204030204" pitchFamily="49" charset="0"/>
+                </a:rPr>
+                <a:t>        </a:t>
+              </a:r>
+              <a:r>
+                <a:rPr lang="en-US" sz="1050" b="0" dirty="0" err="1">
+                  <a:solidFill>
+                    <a:srgbClr val="9CDCFE"/>
+                  </a:solidFill>
+                  <a:effectLst/>
+                  <a:latin typeface="Consolas" panose="020B0609020204030204" pitchFamily="49" charset="0"/>
+                </a:rPr>
+                <a:t>self</a:t>
+              </a:r>
+              <a:r>
+                <a:rPr lang="en-US" sz="1050" b="0" dirty="0" err="1">
+                  <a:solidFill>
+                    <a:srgbClr val="D4D4D4"/>
+                  </a:solidFill>
+                  <a:effectLst/>
+                  <a:latin typeface="Consolas" panose="020B0609020204030204" pitchFamily="49" charset="0"/>
+                </a:rPr>
+                <a:t>.</a:t>
+              </a:r>
+              <a:r>
+                <a:rPr lang="en-US" sz="1050" b="0" dirty="0" err="1">
+                  <a:solidFill>
+                    <a:srgbClr val="9CDCFE"/>
+                  </a:solidFill>
+                  <a:effectLst/>
+                  <a:latin typeface="Consolas" panose="020B0609020204030204" pitchFamily="49" charset="0"/>
+                </a:rPr>
+                <a:t>lam</a:t>
+              </a:r>
+              <a:r>
+                <a:rPr lang="en-US" sz="1050" b="0" dirty="0">
+                  <a:solidFill>
+                    <a:srgbClr val="D4D4D4"/>
+                  </a:solidFill>
+                  <a:effectLst/>
+                  <a:latin typeface="Consolas" panose="020B0609020204030204" pitchFamily="49" charset="0"/>
+                </a:rPr>
+                <a:t> = </a:t>
+              </a:r>
+              <a:r>
+                <a:rPr lang="en-US" sz="1050" b="0" dirty="0">
+                  <a:solidFill>
+                    <a:srgbClr val="9CDCFE"/>
+                  </a:solidFill>
+                  <a:effectLst/>
+                  <a:latin typeface="Consolas" panose="020B0609020204030204" pitchFamily="49" charset="0"/>
+                </a:rPr>
+                <a:t>lam</a:t>
+              </a:r>
+              <a:endParaRPr lang="en-US" sz="1050" b="0" dirty="0">
+                <a:solidFill>
+                  <a:srgbClr val="D4D4D4"/>
+                </a:solidFill>
+                <a:effectLst/>
+                <a:latin typeface="Consolas" panose="020B0609020204030204" pitchFamily="49" charset="0"/>
+              </a:endParaRPr>
+            </a:p>
+            <a:p>
+              <a:br>
+                <a:rPr lang="en-US" sz="1050" b="0" dirty="0">
+                  <a:solidFill>
+                    <a:srgbClr val="D4D4D4"/>
+                  </a:solidFill>
+                  <a:effectLst/>
+                  <a:latin typeface="Consolas" panose="020B0609020204030204" pitchFamily="49" charset="0"/>
+                </a:rPr>
+              </a:br>
+              <a:r>
+                <a:rPr lang="en-US" sz="1050" b="0" dirty="0">
+                  <a:solidFill>
+                    <a:srgbClr val="D4D4D4"/>
+                  </a:solidFill>
+                  <a:effectLst/>
+                  <a:latin typeface="Consolas" panose="020B0609020204030204" pitchFamily="49" charset="0"/>
+                </a:rPr>
+                <a:t>    </a:t>
+              </a:r>
+              <a:r>
+                <a:rPr lang="en-US" sz="1050" b="0" dirty="0">
+                  <a:solidFill>
+                    <a:srgbClr val="569CD6"/>
+                  </a:solidFill>
+                  <a:effectLst/>
+                  <a:latin typeface="Consolas" panose="020B0609020204030204" pitchFamily="49" charset="0"/>
+                </a:rPr>
+                <a:t>def</a:t>
+              </a:r>
+              <a:r>
+                <a:rPr lang="en-US" sz="1050" b="0" dirty="0">
+                  <a:solidFill>
+                    <a:srgbClr val="D4D4D4"/>
+                  </a:solidFill>
+                  <a:effectLst/>
+                  <a:latin typeface="Consolas" panose="020B0609020204030204" pitchFamily="49" charset="0"/>
+                </a:rPr>
+                <a:t> </a:t>
+              </a:r>
+              <a:r>
+                <a:rPr lang="en-US" sz="1050" b="0" dirty="0">
+                  <a:solidFill>
+                    <a:srgbClr val="DCDCAA"/>
+                  </a:solidFill>
+                  <a:effectLst/>
+                  <a:latin typeface="Consolas" panose="020B0609020204030204" pitchFamily="49" charset="0"/>
+                </a:rPr>
+                <a:t>build</a:t>
+              </a:r>
+              <a:r>
+                <a:rPr lang="en-US" sz="1050" b="0" dirty="0">
+                  <a:solidFill>
+                    <a:srgbClr val="D4D4D4"/>
+                  </a:solidFill>
+                  <a:effectLst/>
+                  <a:latin typeface="Consolas" panose="020B0609020204030204" pitchFamily="49" charset="0"/>
+                </a:rPr>
+                <a:t>(</a:t>
+              </a:r>
+              <a:r>
+                <a:rPr lang="en-US" sz="1050" b="0" dirty="0">
+                  <a:solidFill>
+                    <a:srgbClr val="9CDCFE"/>
+                  </a:solidFill>
+                  <a:effectLst/>
+                  <a:latin typeface="Consolas" panose="020B0609020204030204" pitchFamily="49" charset="0"/>
+                </a:rPr>
+                <a:t>self</a:t>
+              </a:r>
+              <a:r>
+                <a:rPr lang="en-US" sz="1050" b="0" dirty="0">
+                  <a:solidFill>
+                    <a:srgbClr val="D4D4D4"/>
+                  </a:solidFill>
+                  <a:effectLst/>
+                  <a:latin typeface="Consolas" panose="020B0609020204030204" pitchFamily="49" charset="0"/>
+                </a:rPr>
+                <a:t>, </a:t>
+              </a:r>
+              <a:r>
+                <a:rPr lang="en-US" sz="1050" b="0" dirty="0" err="1">
+                  <a:solidFill>
+                    <a:srgbClr val="9CDCFE"/>
+                  </a:solidFill>
+                  <a:effectLst/>
+                  <a:latin typeface="Consolas" panose="020B0609020204030204" pitchFamily="49" charset="0"/>
+                </a:rPr>
+                <a:t>input_shape</a:t>
+              </a:r>
+              <a:r>
+                <a:rPr lang="en-US" sz="1050" b="0" dirty="0">
+                  <a:solidFill>
+                    <a:srgbClr val="D4D4D4"/>
+                  </a:solidFill>
+                  <a:effectLst/>
+                  <a:latin typeface="Consolas" panose="020B0609020204030204" pitchFamily="49" charset="0"/>
+                </a:rPr>
+                <a:t>):</a:t>
+              </a:r>
+            </a:p>
+            <a:p>
+              <a:r>
+                <a:rPr lang="en-US" sz="1050" b="0" dirty="0">
+                  <a:solidFill>
+                    <a:srgbClr val="D4D4D4"/>
+                  </a:solidFill>
+                  <a:effectLst/>
+                  <a:latin typeface="Consolas" panose="020B0609020204030204" pitchFamily="49" charset="0"/>
+                </a:rPr>
+                <a:t>        </a:t>
+              </a:r>
+              <a:r>
+                <a:rPr lang="en-US" sz="1050" b="0" dirty="0" err="1">
+                  <a:solidFill>
+                    <a:srgbClr val="9CDCFE"/>
+                  </a:solidFill>
+                  <a:effectLst/>
+                  <a:latin typeface="Consolas" panose="020B0609020204030204" pitchFamily="49" charset="0"/>
+                </a:rPr>
+                <a:t>input_dim</a:t>
+              </a:r>
+              <a:r>
+                <a:rPr lang="en-US" sz="1050" b="0" dirty="0">
+                  <a:solidFill>
+                    <a:srgbClr val="D4D4D4"/>
+                  </a:solidFill>
+                  <a:effectLst/>
+                  <a:latin typeface="Consolas" panose="020B0609020204030204" pitchFamily="49" charset="0"/>
+                </a:rPr>
+                <a:t> = </a:t>
+              </a:r>
+              <a:r>
+                <a:rPr lang="en-US" sz="1050" b="0" dirty="0" err="1">
+                  <a:solidFill>
+                    <a:srgbClr val="9CDCFE"/>
+                  </a:solidFill>
+                  <a:effectLst/>
+                  <a:latin typeface="Consolas" panose="020B0609020204030204" pitchFamily="49" charset="0"/>
+                </a:rPr>
+                <a:t>input_shape</a:t>
+              </a:r>
+              <a:r>
+                <a:rPr lang="en-US" sz="1050" b="0" dirty="0">
+                  <a:solidFill>
+                    <a:srgbClr val="D4D4D4"/>
+                  </a:solidFill>
+                  <a:effectLst/>
+                  <a:latin typeface="Consolas" panose="020B0609020204030204" pitchFamily="49" charset="0"/>
+                </a:rPr>
+                <a:t>[-</a:t>
+              </a:r>
+              <a:r>
+                <a:rPr lang="en-US" sz="1050" b="0" dirty="0">
+                  <a:solidFill>
+                    <a:srgbClr val="B5CEA8"/>
+                  </a:solidFill>
+                  <a:effectLst/>
+                  <a:latin typeface="Consolas" panose="020B0609020204030204" pitchFamily="49" charset="0"/>
+                </a:rPr>
+                <a:t>1</a:t>
+              </a:r>
+              <a:r>
+                <a:rPr lang="en-US" sz="1050" b="0" dirty="0">
+                  <a:solidFill>
+                    <a:srgbClr val="D4D4D4"/>
+                  </a:solidFill>
+                  <a:effectLst/>
+                  <a:latin typeface="Consolas" panose="020B0609020204030204" pitchFamily="49" charset="0"/>
+                </a:rPr>
+                <a:t>]  </a:t>
+              </a:r>
+              <a:r>
+                <a:rPr lang="en-US" sz="1050" b="0" dirty="0">
+                  <a:solidFill>
+                    <a:srgbClr val="6A9955"/>
+                  </a:solidFill>
+                  <a:effectLst/>
+                  <a:latin typeface="Consolas" panose="020B0609020204030204" pitchFamily="49" charset="0"/>
+                </a:rPr>
+                <a:t># Extract the last dimension from </a:t>
+              </a:r>
+              <a:r>
+                <a:rPr lang="en-US" sz="1050" b="0" dirty="0" err="1">
+                  <a:solidFill>
+                    <a:srgbClr val="6A9955"/>
+                  </a:solidFill>
+                  <a:effectLst/>
+                  <a:latin typeface="Consolas" panose="020B0609020204030204" pitchFamily="49" charset="0"/>
+                </a:rPr>
+                <a:t>input_shape</a:t>
+              </a:r>
+              <a:endParaRPr lang="en-US" sz="1050" b="0" dirty="0">
+                <a:solidFill>
+                  <a:srgbClr val="D4D4D4"/>
+                </a:solidFill>
+                <a:effectLst/>
+                <a:latin typeface="Consolas" panose="020B0609020204030204" pitchFamily="49" charset="0"/>
+              </a:endParaRPr>
+            </a:p>
+            <a:p>
+              <a:r>
+                <a:rPr lang="en-US" sz="1050" b="0" dirty="0">
+                  <a:solidFill>
+                    <a:srgbClr val="D4D4D4"/>
+                  </a:solidFill>
+                  <a:effectLst/>
+                  <a:latin typeface="Consolas" panose="020B0609020204030204" pitchFamily="49" charset="0"/>
+                </a:rPr>
+                <a:t>        </a:t>
+              </a:r>
+              <a:r>
+                <a:rPr lang="en-US" sz="1050" b="0" dirty="0" err="1">
+                  <a:solidFill>
+                    <a:srgbClr val="9CDCFE"/>
+                  </a:solidFill>
+                  <a:effectLst/>
+                  <a:latin typeface="Consolas" panose="020B0609020204030204" pitchFamily="49" charset="0"/>
+                </a:rPr>
+                <a:t>self</a:t>
+              </a:r>
+              <a:r>
+                <a:rPr lang="en-US" sz="1050" b="0" dirty="0" err="1">
+                  <a:solidFill>
+                    <a:srgbClr val="D4D4D4"/>
+                  </a:solidFill>
+                  <a:effectLst/>
+                  <a:latin typeface="Consolas" panose="020B0609020204030204" pitchFamily="49" charset="0"/>
+                </a:rPr>
+                <a:t>.</a:t>
+              </a:r>
+              <a:r>
+                <a:rPr lang="en-US" sz="1050" b="0" dirty="0" err="1">
+                  <a:solidFill>
+                    <a:srgbClr val="9CDCFE"/>
+                  </a:solidFill>
+                  <a:effectLst/>
+                  <a:latin typeface="Consolas" panose="020B0609020204030204" pitchFamily="49" charset="0"/>
+                </a:rPr>
+                <a:t>w</a:t>
+              </a:r>
+              <a:r>
+                <a:rPr lang="en-US" sz="1050" b="0" dirty="0">
+                  <a:solidFill>
+                    <a:srgbClr val="D4D4D4"/>
+                  </a:solidFill>
+                  <a:effectLst/>
+                  <a:latin typeface="Consolas" panose="020B0609020204030204" pitchFamily="49" charset="0"/>
+                </a:rPr>
+                <a:t> = </a:t>
+              </a:r>
+              <a:r>
+                <a:rPr lang="en-US" sz="1050" b="0" dirty="0" err="1">
+                  <a:solidFill>
+                    <a:srgbClr val="9CDCFE"/>
+                  </a:solidFill>
+                  <a:effectLst/>
+                  <a:latin typeface="Consolas" panose="020B0609020204030204" pitchFamily="49" charset="0"/>
+                </a:rPr>
+                <a:t>self</a:t>
+              </a:r>
+              <a:r>
+                <a:rPr lang="en-US" sz="1050" b="0" dirty="0" err="1">
+                  <a:solidFill>
+                    <a:srgbClr val="D4D4D4"/>
+                  </a:solidFill>
+                  <a:effectLst/>
+                  <a:latin typeface="Consolas" panose="020B0609020204030204" pitchFamily="49" charset="0"/>
+                </a:rPr>
+                <a:t>.add_weight</a:t>
+              </a:r>
+              <a:r>
+                <a:rPr lang="en-US" sz="1050" b="0" dirty="0">
+                  <a:solidFill>
+                    <a:srgbClr val="D4D4D4"/>
+                  </a:solidFill>
+                  <a:effectLst/>
+                  <a:latin typeface="Consolas" panose="020B0609020204030204" pitchFamily="49" charset="0"/>
+                </a:rPr>
+                <a:t>(</a:t>
+              </a:r>
+              <a:r>
+                <a:rPr lang="en-US" sz="1050" b="0" dirty="0">
+                  <a:solidFill>
+                    <a:srgbClr val="9CDCFE"/>
+                  </a:solidFill>
+                  <a:effectLst/>
+                  <a:latin typeface="Consolas" panose="020B0609020204030204" pitchFamily="49" charset="0"/>
+                </a:rPr>
+                <a:t>name</a:t>
+              </a:r>
+              <a:r>
+                <a:rPr lang="en-US" sz="1050" b="0" dirty="0">
+                  <a:solidFill>
+                    <a:srgbClr val="D4D4D4"/>
+                  </a:solidFill>
+                  <a:effectLst/>
+                  <a:latin typeface="Consolas" panose="020B0609020204030204" pitchFamily="49" charset="0"/>
+                </a:rPr>
+                <a:t>=</a:t>
+              </a:r>
+              <a:r>
+                <a:rPr lang="en-US" sz="1050" b="0" dirty="0">
+                  <a:solidFill>
+                    <a:srgbClr val="CE9178"/>
+                  </a:solidFill>
+                  <a:effectLst/>
+                  <a:latin typeface="Consolas" panose="020B0609020204030204" pitchFamily="49" charset="0"/>
+                </a:rPr>
+                <a:t>'</a:t>
+              </a:r>
+              <a:r>
+                <a:rPr lang="en-US" sz="1050" b="0" dirty="0" err="1">
+                  <a:solidFill>
+                    <a:srgbClr val="CE9178"/>
+                  </a:solidFill>
+                  <a:effectLst/>
+                  <a:latin typeface="Consolas" panose="020B0609020204030204" pitchFamily="49" charset="0"/>
+                </a:rPr>
+                <a:t>tropical_fw</a:t>
+              </a:r>
+              <a:r>
+                <a:rPr lang="en-US" sz="1050" b="0" dirty="0">
+                  <a:solidFill>
+                    <a:srgbClr val="CE9178"/>
+                  </a:solidFill>
+                  <a:effectLst/>
+                  <a:latin typeface="Consolas" panose="020B0609020204030204" pitchFamily="49" charset="0"/>
+                </a:rPr>
+                <a:t>'</a:t>
+              </a:r>
+              <a:r>
+                <a:rPr lang="en-US" sz="1050" b="0" dirty="0">
+                  <a:solidFill>
+                    <a:srgbClr val="D4D4D4"/>
+                  </a:solidFill>
+                  <a:effectLst/>
+                  <a:latin typeface="Consolas" panose="020B0609020204030204" pitchFamily="49" charset="0"/>
+                </a:rPr>
+                <a:t>, </a:t>
+              </a:r>
+            </a:p>
+            <a:p>
+              <a:r>
+                <a:rPr lang="en-US" sz="1050" b="0" dirty="0">
+                  <a:solidFill>
+                    <a:srgbClr val="D4D4D4"/>
+                  </a:solidFill>
+                  <a:effectLst/>
+                  <a:latin typeface="Consolas" panose="020B0609020204030204" pitchFamily="49" charset="0"/>
+                </a:rPr>
+                <a:t>                                 </a:t>
+              </a:r>
+              <a:r>
+                <a:rPr lang="en-US" sz="1050" b="0" dirty="0">
+                  <a:solidFill>
+                    <a:srgbClr val="9CDCFE"/>
+                  </a:solidFill>
+                  <a:effectLst/>
+                  <a:latin typeface="Consolas" panose="020B0609020204030204" pitchFamily="49" charset="0"/>
+                </a:rPr>
+                <a:t>shape</a:t>
+              </a:r>
+              <a:r>
+                <a:rPr lang="en-US" sz="1050" b="0" dirty="0">
+                  <a:solidFill>
+                    <a:srgbClr val="D4D4D4"/>
+                  </a:solidFill>
+                  <a:effectLst/>
+                  <a:latin typeface="Consolas" panose="020B0609020204030204" pitchFamily="49" charset="0"/>
+                </a:rPr>
+                <a:t>=(</a:t>
+              </a:r>
+              <a:r>
+                <a:rPr lang="en-US" sz="1050" b="0" dirty="0" err="1">
+                  <a:solidFill>
+                    <a:srgbClr val="9CDCFE"/>
+                  </a:solidFill>
+                  <a:effectLst/>
+                  <a:latin typeface="Consolas" panose="020B0609020204030204" pitchFamily="49" charset="0"/>
+                </a:rPr>
+                <a:t>self</a:t>
+              </a:r>
+              <a:r>
+                <a:rPr lang="en-US" sz="1050" b="0" dirty="0" err="1">
+                  <a:solidFill>
+                    <a:srgbClr val="D4D4D4"/>
+                  </a:solidFill>
+                  <a:effectLst/>
+                  <a:latin typeface="Consolas" panose="020B0609020204030204" pitchFamily="49" charset="0"/>
+                </a:rPr>
+                <a:t>.</a:t>
+              </a:r>
+              <a:r>
+                <a:rPr lang="en-US" sz="1050" b="0" dirty="0" err="1">
+                  <a:solidFill>
+                    <a:srgbClr val="9CDCFE"/>
+                  </a:solidFill>
+                  <a:effectLst/>
+                  <a:latin typeface="Consolas" panose="020B0609020204030204" pitchFamily="49" charset="0"/>
+                </a:rPr>
+                <a:t>units</a:t>
+              </a:r>
+              <a:r>
+                <a:rPr lang="en-US" sz="1050" b="0" dirty="0">
+                  <a:solidFill>
+                    <a:srgbClr val="D4D4D4"/>
+                  </a:solidFill>
+                  <a:effectLst/>
+                  <a:latin typeface="Consolas" panose="020B0609020204030204" pitchFamily="49" charset="0"/>
+                </a:rPr>
+                <a:t>, </a:t>
+              </a:r>
+              <a:r>
+                <a:rPr lang="en-US" sz="1050" b="0" dirty="0" err="1">
+                  <a:solidFill>
+                    <a:srgbClr val="9CDCFE"/>
+                  </a:solidFill>
+                  <a:effectLst/>
+                  <a:latin typeface="Consolas" panose="020B0609020204030204" pitchFamily="49" charset="0"/>
+                </a:rPr>
+                <a:t>input_dim</a:t>
+              </a:r>
+              <a:r>
+                <a:rPr lang="en-US" sz="1050" b="0" dirty="0">
+                  <a:solidFill>
+                    <a:srgbClr val="D4D4D4"/>
+                  </a:solidFill>
+                  <a:effectLst/>
+                  <a:latin typeface="Consolas" panose="020B0609020204030204" pitchFamily="49" charset="0"/>
+                </a:rPr>
+                <a:t>),</a:t>
+              </a:r>
+            </a:p>
+            <a:p>
+              <a:r>
+                <a:rPr lang="en-US" sz="1050" b="0" dirty="0">
+                  <a:solidFill>
+                    <a:srgbClr val="D4D4D4"/>
+                  </a:solidFill>
+                  <a:effectLst/>
+                  <a:latin typeface="Consolas" panose="020B0609020204030204" pitchFamily="49" charset="0"/>
+                </a:rPr>
+                <a:t>                                 </a:t>
+              </a:r>
+              <a:r>
+                <a:rPr lang="en-US" sz="1050" b="0" dirty="0">
+                  <a:solidFill>
+                    <a:srgbClr val="9CDCFE"/>
+                  </a:solidFill>
+                  <a:effectLst/>
+                  <a:latin typeface="Consolas" panose="020B0609020204030204" pitchFamily="49" charset="0"/>
+                </a:rPr>
+                <a:t>initializer</a:t>
+              </a:r>
+              <a:r>
+                <a:rPr lang="en-US" sz="1050" b="0" dirty="0">
+                  <a:solidFill>
+                    <a:srgbClr val="D4D4D4"/>
+                  </a:solidFill>
+                  <a:effectLst/>
+                  <a:latin typeface="Consolas" panose="020B0609020204030204" pitchFamily="49" charset="0"/>
+                </a:rPr>
+                <a:t>=</a:t>
+              </a:r>
+              <a:r>
+                <a:rPr lang="en-US" sz="1050" b="0" dirty="0" err="1">
+                  <a:solidFill>
+                    <a:srgbClr val="9CDCFE"/>
+                  </a:solidFill>
+                  <a:effectLst/>
+                  <a:latin typeface="Consolas" panose="020B0609020204030204" pitchFamily="49" charset="0"/>
+                </a:rPr>
+                <a:t>self</a:t>
+              </a:r>
+              <a:r>
+                <a:rPr lang="en-US" sz="1050" b="0" dirty="0" err="1">
+                  <a:solidFill>
+                    <a:srgbClr val="D4D4D4"/>
+                  </a:solidFill>
+                  <a:effectLst/>
+                  <a:latin typeface="Consolas" panose="020B0609020204030204" pitchFamily="49" charset="0"/>
+                </a:rPr>
+                <a:t>.</a:t>
+              </a:r>
+              <a:r>
+                <a:rPr lang="en-US" sz="1050" b="0" dirty="0" err="1">
+                  <a:solidFill>
+                    <a:srgbClr val="9CDCFE"/>
+                  </a:solidFill>
+                  <a:effectLst/>
+                  <a:latin typeface="Consolas" panose="020B0609020204030204" pitchFamily="49" charset="0"/>
+                </a:rPr>
+                <a:t>initializer_w</a:t>
+              </a:r>
+              <a:r>
+                <a:rPr lang="en-US" sz="1050" b="0" dirty="0">
+                  <a:solidFill>
+                    <a:srgbClr val="D4D4D4"/>
+                  </a:solidFill>
+                  <a:effectLst/>
+                  <a:latin typeface="Consolas" panose="020B0609020204030204" pitchFamily="49" charset="0"/>
+                </a:rPr>
+                <a:t>,</a:t>
+              </a:r>
+            </a:p>
+            <a:p>
+              <a:r>
+                <a:rPr lang="en-US" sz="1050" b="0" dirty="0">
+                  <a:solidFill>
+                    <a:srgbClr val="D4D4D4"/>
+                  </a:solidFill>
+                  <a:effectLst/>
+                  <a:latin typeface="Consolas" panose="020B0609020204030204" pitchFamily="49" charset="0"/>
+                </a:rPr>
+                <a:t>                                 </a:t>
+              </a:r>
+              <a:r>
+                <a:rPr lang="en-US" sz="1050" b="0" dirty="0" err="1">
+                  <a:solidFill>
+                    <a:srgbClr val="9CDCFE"/>
+                  </a:solidFill>
+                  <a:effectLst/>
+                  <a:latin typeface="Consolas" panose="020B0609020204030204" pitchFamily="49" charset="0"/>
+                </a:rPr>
+                <a:t>regularizer</a:t>
+              </a:r>
+              <a:r>
+                <a:rPr lang="en-US" sz="1050" b="0" dirty="0">
+                  <a:solidFill>
+                    <a:srgbClr val="D4D4D4"/>
+                  </a:solidFill>
+                  <a:effectLst/>
+                  <a:latin typeface="Consolas" panose="020B0609020204030204" pitchFamily="49" charset="0"/>
+                </a:rPr>
+                <a:t>=</a:t>
+              </a:r>
+              <a:r>
+                <a:rPr lang="en-US" sz="1050" b="0" dirty="0" err="1">
+                  <a:solidFill>
+                    <a:srgbClr val="4EC9B0"/>
+                  </a:solidFill>
+                  <a:effectLst/>
+                  <a:latin typeface="Consolas" panose="020B0609020204030204" pitchFamily="49" charset="0"/>
+                </a:rPr>
+                <a:t>TropReg</a:t>
+              </a:r>
+              <a:r>
+                <a:rPr lang="en-US" sz="1050" b="0" dirty="0">
+                  <a:solidFill>
+                    <a:srgbClr val="D4D4D4"/>
+                  </a:solidFill>
+                  <a:effectLst/>
+                  <a:latin typeface="Consolas" panose="020B0609020204030204" pitchFamily="49" charset="0"/>
+                </a:rPr>
+                <a:t>(</a:t>
+              </a:r>
+              <a:r>
+                <a:rPr lang="en-US" sz="1050" b="0" dirty="0">
+                  <a:solidFill>
+                    <a:srgbClr val="9CDCFE"/>
+                  </a:solidFill>
+                  <a:effectLst/>
+                  <a:latin typeface="Consolas" panose="020B0609020204030204" pitchFamily="49" charset="0"/>
+                </a:rPr>
+                <a:t>lam</a:t>
+              </a:r>
+              <a:r>
+                <a:rPr lang="en-US" sz="1050" b="0" dirty="0">
+                  <a:solidFill>
+                    <a:srgbClr val="D4D4D4"/>
+                  </a:solidFill>
+                  <a:effectLst/>
+                  <a:latin typeface="Consolas" panose="020B0609020204030204" pitchFamily="49" charset="0"/>
+                </a:rPr>
+                <a:t>=</a:t>
+              </a:r>
+              <a:r>
+                <a:rPr lang="en-US" sz="1050" b="0" dirty="0" err="1">
+                  <a:solidFill>
+                    <a:srgbClr val="9CDCFE"/>
+                  </a:solidFill>
+                  <a:effectLst/>
+                  <a:latin typeface="Consolas" panose="020B0609020204030204" pitchFamily="49" charset="0"/>
+                </a:rPr>
+                <a:t>self</a:t>
+              </a:r>
+              <a:r>
+                <a:rPr lang="en-US" sz="1050" b="0" dirty="0" err="1">
+                  <a:solidFill>
+                    <a:srgbClr val="D4D4D4"/>
+                  </a:solidFill>
+                  <a:effectLst/>
+                  <a:latin typeface="Consolas" panose="020B0609020204030204" pitchFamily="49" charset="0"/>
+                </a:rPr>
+                <a:t>.</a:t>
+              </a:r>
+              <a:r>
+                <a:rPr lang="en-US" sz="1050" b="0" dirty="0" err="1">
+                  <a:solidFill>
+                    <a:srgbClr val="9CDCFE"/>
+                  </a:solidFill>
+                  <a:effectLst/>
+                  <a:latin typeface="Consolas" panose="020B0609020204030204" pitchFamily="49" charset="0"/>
+                </a:rPr>
+                <a:t>lam</a:t>
+              </a:r>
+              <a:r>
+                <a:rPr lang="en-US" sz="1050" b="0" dirty="0">
+                  <a:solidFill>
+                    <a:srgbClr val="D4D4D4"/>
+                  </a:solidFill>
+                  <a:effectLst/>
+                  <a:latin typeface="Consolas" panose="020B0609020204030204" pitchFamily="49" charset="0"/>
+                </a:rPr>
+                <a:t>),</a:t>
+              </a:r>
+            </a:p>
+            <a:p>
+              <a:r>
+                <a:rPr lang="en-US" sz="1050" b="0" dirty="0">
+                  <a:solidFill>
+                    <a:srgbClr val="D4D4D4"/>
+                  </a:solidFill>
+                  <a:effectLst/>
+                  <a:latin typeface="Consolas" panose="020B0609020204030204" pitchFamily="49" charset="0"/>
+                </a:rPr>
+                <a:t>                                 </a:t>
+              </a:r>
+              <a:r>
+                <a:rPr lang="en-US" sz="1050" b="0" dirty="0">
+                  <a:solidFill>
+                    <a:srgbClr val="9CDCFE"/>
+                  </a:solidFill>
+                  <a:effectLst/>
+                  <a:latin typeface="Consolas" panose="020B0609020204030204" pitchFamily="49" charset="0"/>
+                </a:rPr>
+                <a:t>trainable</a:t>
+              </a:r>
+              <a:r>
+                <a:rPr lang="en-US" sz="1050" b="0" dirty="0">
+                  <a:solidFill>
+                    <a:srgbClr val="D4D4D4"/>
+                  </a:solidFill>
+                  <a:effectLst/>
+                  <a:latin typeface="Consolas" panose="020B0609020204030204" pitchFamily="49" charset="0"/>
+                </a:rPr>
+                <a:t>=</a:t>
+              </a:r>
+              <a:r>
+                <a:rPr lang="en-US" sz="1050" b="0" dirty="0">
+                  <a:solidFill>
+                    <a:srgbClr val="569CD6"/>
+                  </a:solidFill>
+                  <a:effectLst/>
+                  <a:latin typeface="Consolas" panose="020B0609020204030204" pitchFamily="49" charset="0"/>
+                </a:rPr>
+                <a:t>True</a:t>
+              </a:r>
+              <a:r>
+                <a:rPr lang="en-US" sz="1050" b="0" dirty="0">
+                  <a:solidFill>
+                    <a:srgbClr val="D4D4D4"/>
+                  </a:solidFill>
+                  <a:effectLst/>
+                  <a:latin typeface="Consolas" panose="020B0609020204030204" pitchFamily="49" charset="0"/>
+                </a:rPr>
+                <a:t>)</a:t>
+              </a:r>
+            </a:p>
+            <a:p>
+              <a:r>
+                <a:rPr lang="en-US" sz="1050" b="0" dirty="0">
+                  <a:solidFill>
+                    <a:srgbClr val="D4D4D4"/>
+                  </a:solidFill>
+                  <a:effectLst/>
+                  <a:latin typeface="Consolas" panose="020B0609020204030204" pitchFamily="49" charset="0"/>
+                </a:rPr>
+                <a:t>        </a:t>
+              </a:r>
+              <a:r>
+                <a:rPr lang="en-US" sz="1050" b="0" dirty="0" err="1">
+                  <a:solidFill>
+                    <a:srgbClr val="9CDCFE"/>
+                  </a:solidFill>
+                  <a:effectLst/>
+                  <a:latin typeface="Consolas" panose="020B0609020204030204" pitchFamily="49" charset="0"/>
+                </a:rPr>
+                <a:t>self</a:t>
+              </a:r>
+              <a:r>
+                <a:rPr lang="en-US" sz="1050" b="0" dirty="0" err="1">
+                  <a:solidFill>
+                    <a:srgbClr val="D4D4D4"/>
+                  </a:solidFill>
+                  <a:effectLst/>
+                  <a:latin typeface="Consolas" panose="020B0609020204030204" pitchFamily="49" charset="0"/>
+                </a:rPr>
+                <a:t>.</a:t>
+              </a:r>
+              <a:r>
+                <a:rPr lang="en-US" sz="1050" b="0" dirty="0" err="1">
+                  <a:solidFill>
+                    <a:srgbClr val="9CDCFE"/>
+                  </a:solidFill>
+                  <a:effectLst/>
+                  <a:latin typeface="Consolas" panose="020B0609020204030204" pitchFamily="49" charset="0"/>
+                </a:rPr>
+                <a:t>bias</a:t>
+              </a:r>
+              <a:r>
+                <a:rPr lang="en-US" sz="1050" b="0" dirty="0">
+                  <a:solidFill>
+                    <a:srgbClr val="D4D4D4"/>
+                  </a:solidFill>
+                  <a:effectLst/>
+                  <a:latin typeface="Consolas" panose="020B0609020204030204" pitchFamily="49" charset="0"/>
+                </a:rPr>
+                <a:t> = </a:t>
+              </a:r>
+              <a:r>
+                <a:rPr lang="en-US" sz="1050" b="0" dirty="0" err="1">
+                  <a:solidFill>
+                    <a:srgbClr val="9CDCFE"/>
+                  </a:solidFill>
+                  <a:effectLst/>
+                  <a:latin typeface="Consolas" panose="020B0609020204030204" pitchFamily="49" charset="0"/>
+                </a:rPr>
+                <a:t>self</a:t>
+              </a:r>
+              <a:r>
+                <a:rPr lang="en-US" sz="1050" b="0" dirty="0" err="1">
+                  <a:solidFill>
+                    <a:srgbClr val="D4D4D4"/>
+                  </a:solidFill>
+                  <a:effectLst/>
+                  <a:latin typeface="Consolas" panose="020B0609020204030204" pitchFamily="49" charset="0"/>
+                </a:rPr>
+                <a:t>.add_weight</a:t>
+              </a:r>
+              <a:r>
+                <a:rPr lang="en-US" sz="1050" b="0" dirty="0">
+                  <a:solidFill>
+                    <a:srgbClr val="D4D4D4"/>
+                  </a:solidFill>
+                  <a:effectLst/>
+                  <a:latin typeface="Consolas" panose="020B0609020204030204" pitchFamily="49" charset="0"/>
+                </a:rPr>
+                <a:t>(</a:t>
+              </a:r>
+              <a:r>
+                <a:rPr lang="en-US" sz="1050" b="0" dirty="0">
+                  <a:solidFill>
+                    <a:srgbClr val="9CDCFE"/>
+                  </a:solidFill>
+                  <a:effectLst/>
+                  <a:latin typeface="Consolas" panose="020B0609020204030204" pitchFamily="49" charset="0"/>
+                </a:rPr>
+                <a:t>name</a:t>
+              </a:r>
+              <a:r>
+                <a:rPr lang="en-US" sz="1050" b="0" dirty="0">
+                  <a:solidFill>
+                    <a:srgbClr val="D4D4D4"/>
+                  </a:solidFill>
+                  <a:effectLst/>
+                  <a:latin typeface="Consolas" panose="020B0609020204030204" pitchFamily="49" charset="0"/>
+                </a:rPr>
+                <a:t>=</a:t>
+              </a:r>
+              <a:r>
+                <a:rPr lang="en-US" sz="1050" b="0" dirty="0">
+                  <a:solidFill>
+                    <a:srgbClr val="CE9178"/>
+                  </a:solidFill>
+                  <a:effectLst/>
+                  <a:latin typeface="Consolas" panose="020B0609020204030204" pitchFamily="49" charset="0"/>
+                </a:rPr>
+                <a:t>'bias'</a:t>
+              </a:r>
+              <a:r>
+                <a:rPr lang="en-US" sz="1050" b="0" dirty="0">
+                  <a:solidFill>
+                    <a:srgbClr val="D4D4D4"/>
+                  </a:solidFill>
+                  <a:effectLst/>
+                  <a:latin typeface="Consolas" panose="020B0609020204030204" pitchFamily="49" charset="0"/>
+                </a:rPr>
+                <a:t>,</a:t>
+              </a:r>
+            </a:p>
+            <a:p>
+              <a:r>
+                <a:rPr lang="en-US" sz="1050" b="0" dirty="0">
+                  <a:solidFill>
+                    <a:srgbClr val="D4D4D4"/>
+                  </a:solidFill>
+                  <a:effectLst/>
+                  <a:latin typeface="Consolas" panose="020B0609020204030204" pitchFamily="49" charset="0"/>
+                </a:rPr>
+                <a:t>                                    </a:t>
+              </a:r>
+              <a:r>
+                <a:rPr lang="en-US" sz="1050" b="0" dirty="0">
+                  <a:solidFill>
+                    <a:srgbClr val="9CDCFE"/>
+                  </a:solidFill>
+                  <a:effectLst/>
+                  <a:latin typeface="Consolas" panose="020B0609020204030204" pitchFamily="49" charset="0"/>
+                </a:rPr>
+                <a:t>shape</a:t>
+              </a:r>
+              <a:r>
+                <a:rPr lang="en-US" sz="1050" b="0" dirty="0">
+                  <a:solidFill>
+                    <a:srgbClr val="D4D4D4"/>
+                  </a:solidFill>
+                  <a:effectLst/>
+                  <a:latin typeface="Consolas" panose="020B0609020204030204" pitchFamily="49" charset="0"/>
+                </a:rPr>
+                <a:t>=(</a:t>
+              </a:r>
+              <a:r>
+                <a:rPr lang="en-US" sz="1050" b="0" dirty="0" err="1">
+                  <a:solidFill>
+                    <a:srgbClr val="9CDCFE"/>
+                  </a:solidFill>
+                  <a:effectLst/>
+                  <a:latin typeface="Consolas" panose="020B0609020204030204" pitchFamily="49" charset="0"/>
+                </a:rPr>
+                <a:t>self</a:t>
+              </a:r>
+              <a:r>
+                <a:rPr lang="en-US" sz="1050" b="0" dirty="0" err="1">
+                  <a:solidFill>
+                    <a:srgbClr val="D4D4D4"/>
+                  </a:solidFill>
+                  <a:effectLst/>
+                  <a:latin typeface="Consolas" panose="020B0609020204030204" pitchFamily="49" charset="0"/>
+                </a:rPr>
+                <a:t>.</a:t>
+              </a:r>
+              <a:r>
+                <a:rPr lang="en-US" sz="1050" b="0" dirty="0" err="1">
+                  <a:solidFill>
+                    <a:srgbClr val="9CDCFE"/>
+                  </a:solidFill>
+                  <a:effectLst/>
+                  <a:latin typeface="Consolas" panose="020B0609020204030204" pitchFamily="49" charset="0"/>
+                </a:rPr>
+                <a:t>units</a:t>
+              </a:r>
+              <a:r>
+                <a:rPr lang="en-US" sz="1050" b="0" dirty="0">
+                  <a:solidFill>
+                    <a:srgbClr val="D4D4D4"/>
+                  </a:solidFill>
+                  <a:effectLst/>
+                  <a:latin typeface="Consolas" panose="020B0609020204030204" pitchFamily="49" charset="0"/>
+                </a:rPr>
+                <a:t>,),</a:t>
+              </a:r>
+            </a:p>
+            <a:p>
+              <a:r>
+                <a:rPr lang="en-US" sz="1050" b="0" dirty="0">
+                  <a:solidFill>
+                    <a:srgbClr val="D4D4D4"/>
+                  </a:solidFill>
+                  <a:effectLst/>
+                  <a:latin typeface="Consolas" panose="020B0609020204030204" pitchFamily="49" charset="0"/>
+                </a:rPr>
+                <a:t>                                    </a:t>
+              </a:r>
+              <a:r>
+                <a:rPr lang="en-US" sz="1050" b="0" dirty="0">
+                  <a:solidFill>
+                    <a:srgbClr val="9CDCFE"/>
+                  </a:solidFill>
+                  <a:effectLst/>
+                  <a:latin typeface="Consolas" panose="020B0609020204030204" pitchFamily="49" charset="0"/>
+                </a:rPr>
+                <a:t>initializer</a:t>
+              </a:r>
+              <a:r>
+                <a:rPr lang="en-US" sz="1050" b="0" dirty="0">
+                  <a:solidFill>
+                    <a:srgbClr val="D4D4D4"/>
+                  </a:solidFill>
+                  <a:effectLst/>
+                  <a:latin typeface="Consolas" panose="020B0609020204030204" pitchFamily="49" charset="0"/>
+                </a:rPr>
+                <a:t>=</a:t>
+              </a:r>
+              <a:r>
+                <a:rPr lang="en-US" sz="1050" b="0" dirty="0">
+                  <a:solidFill>
+                    <a:srgbClr val="CE9178"/>
+                  </a:solidFill>
+                  <a:effectLst/>
+                  <a:latin typeface="Consolas" panose="020B0609020204030204" pitchFamily="49" charset="0"/>
+                </a:rPr>
+                <a:t>"zeros"</a:t>
+              </a:r>
+              <a:r>
+                <a:rPr lang="en-US" sz="1050" b="0" dirty="0">
+                  <a:solidFill>
+                    <a:srgbClr val="D4D4D4"/>
+                  </a:solidFill>
+                  <a:effectLst/>
+                  <a:latin typeface="Consolas" panose="020B0609020204030204" pitchFamily="49" charset="0"/>
+                </a:rPr>
+                <a:t>, </a:t>
+              </a:r>
+            </a:p>
+            <a:p>
+              <a:r>
+                <a:rPr lang="en-US" sz="1050" b="0" dirty="0">
+                  <a:solidFill>
+                    <a:srgbClr val="D4D4D4"/>
+                  </a:solidFill>
+                  <a:effectLst/>
+                  <a:latin typeface="Consolas" panose="020B0609020204030204" pitchFamily="49" charset="0"/>
+                </a:rPr>
+                <a:t>                                    </a:t>
+              </a:r>
+              <a:r>
+                <a:rPr lang="en-US" sz="1050" b="0" dirty="0">
+                  <a:solidFill>
+                    <a:srgbClr val="9CDCFE"/>
+                  </a:solidFill>
+                  <a:effectLst/>
+                  <a:latin typeface="Consolas" panose="020B0609020204030204" pitchFamily="49" charset="0"/>
+                </a:rPr>
+                <a:t>trainable</a:t>
+              </a:r>
+              <a:r>
+                <a:rPr lang="en-US" sz="1050" b="0" dirty="0">
+                  <a:solidFill>
+                    <a:srgbClr val="D4D4D4"/>
+                  </a:solidFill>
+                  <a:effectLst/>
+                  <a:latin typeface="Consolas" panose="020B0609020204030204" pitchFamily="49" charset="0"/>
+                </a:rPr>
+                <a:t>=</a:t>
+              </a:r>
+              <a:r>
+                <a:rPr lang="en-US" sz="1050" b="0" dirty="0">
+                  <a:solidFill>
+                    <a:srgbClr val="569CD6"/>
+                  </a:solidFill>
+                  <a:effectLst/>
+                  <a:latin typeface="Consolas" panose="020B0609020204030204" pitchFamily="49" charset="0"/>
+                </a:rPr>
+                <a:t>True</a:t>
+              </a:r>
+              <a:r>
+                <a:rPr lang="en-US" sz="1050" b="0" dirty="0">
+                  <a:solidFill>
+                    <a:srgbClr val="D4D4D4"/>
+                  </a:solidFill>
+                  <a:effectLst/>
+                  <a:latin typeface="Consolas" panose="020B0609020204030204" pitchFamily="49" charset="0"/>
+                </a:rPr>
+                <a:t>)</a:t>
+              </a:r>
+            </a:p>
+            <a:p>
+              <a:r>
+                <a:rPr lang="en-US" sz="1050" b="0" dirty="0">
+                  <a:solidFill>
+                    <a:srgbClr val="D4D4D4"/>
+                  </a:solidFill>
+                  <a:effectLst/>
+                  <a:latin typeface="Consolas" panose="020B0609020204030204" pitchFamily="49" charset="0"/>
+                </a:rPr>
+                <a:t>        </a:t>
+              </a:r>
+              <a:r>
+                <a:rPr lang="en-US" sz="1050" b="0" dirty="0">
+                  <a:solidFill>
+                    <a:srgbClr val="4EC9B0"/>
+                  </a:solidFill>
+                  <a:effectLst/>
+                  <a:latin typeface="Consolas" panose="020B0609020204030204" pitchFamily="49" charset="0"/>
+                </a:rPr>
+                <a:t>super</a:t>
+              </a:r>
+              <a:r>
+                <a:rPr lang="en-US" sz="1050" b="0" dirty="0">
+                  <a:solidFill>
+                    <a:srgbClr val="D4D4D4"/>
+                  </a:solidFill>
+                  <a:effectLst/>
+                  <a:latin typeface="Consolas" panose="020B0609020204030204" pitchFamily="49" charset="0"/>
+                </a:rPr>
+                <a:t>(</a:t>
+              </a:r>
+              <a:r>
+                <a:rPr lang="en-US" sz="1050" b="0" dirty="0" err="1">
+                  <a:solidFill>
+                    <a:srgbClr val="4EC9B0"/>
+                  </a:solidFill>
+                  <a:effectLst/>
+                  <a:latin typeface="Consolas" panose="020B0609020204030204" pitchFamily="49" charset="0"/>
+                </a:rPr>
+                <a:t>TropEmbedMaxMinLogits</a:t>
+              </a:r>
+              <a:r>
+                <a:rPr lang="en-US" sz="1050" b="0" dirty="0">
+                  <a:solidFill>
+                    <a:srgbClr val="D4D4D4"/>
+                  </a:solidFill>
+                  <a:effectLst/>
+                  <a:latin typeface="Consolas" panose="020B0609020204030204" pitchFamily="49" charset="0"/>
+                </a:rPr>
+                <a:t>, </a:t>
+              </a:r>
+              <a:r>
+                <a:rPr lang="en-US" sz="1050" b="0" dirty="0">
+                  <a:solidFill>
+                    <a:srgbClr val="9CDCFE"/>
+                  </a:solidFill>
+                  <a:effectLst/>
+                  <a:latin typeface="Consolas" panose="020B0609020204030204" pitchFamily="49" charset="0"/>
+                </a:rPr>
+                <a:t>self</a:t>
+              </a:r>
+              <a:r>
+                <a:rPr lang="en-US" sz="1050" b="0" dirty="0">
+                  <a:solidFill>
+                    <a:srgbClr val="D4D4D4"/>
+                  </a:solidFill>
+                  <a:effectLst/>
+                  <a:latin typeface="Consolas" panose="020B0609020204030204" pitchFamily="49" charset="0"/>
+                </a:rPr>
+                <a:t>).build(</a:t>
+              </a:r>
+              <a:r>
+                <a:rPr lang="en-US" sz="1050" b="0" dirty="0" err="1">
+                  <a:solidFill>
+                    <a:srgbClr val="9CDCFE"/>
+                  </a:solidFill>
+                  <a:effectLst/>
+                  <a:latin typeface="Consolas" panose="020B0609020204030204" pitchFamily="49" charset="0"/>
+                </a:rPr>
+                <a:t>input_shape</a:t>
+              </a:r>
+              <a:r>
+                <a:rPr lang="en-US" sz="1050" b="0" dirty="0">
+                  <a:solidFill>
+                    <a:srgbClr val="D4D4D4"/>
+                  </a:solidFill>
+                  <a:effectLst/>
+                  <a:latin typeface="Consolas" panose="020B0609020204030204" pitchFamily="49" charset="0"/>
+                </a:rPr>
+                <a:t>)</a:t>
+              </a:r>
+            </a:p>
+            <a:p>
+              <a:br>
+                <a:rPr lang="en-US" sz="1050" b="0" dirty="0">
+                  <a:solidFill>
+                    <a:srgbClr val="D4D4D4"/>
+                  </a:solidFill>
+                  <a:effectLst/>
+                  <a:latin typeface="Consolas" panose="020B0609020204030204" pitchFamily="49" charset="0"/>
+                </a:rPr>
+              </a:br>
+              <a:r>
+                <a:rPr lang="en-US" sz="1050" b="0" dirty="0">
+                  <a:solidFill>
+                    <a:srgbClr val="D4D4D4"/>
+                  </a:solidFill>
+                  <a:effectLst/>
+                  <a:latin typeface="Consolas" panose="020B0609020204030204" pitchFamily="49" charset="0"/>
+                </a:rPr>
+                <a:t>    </a:t>
+              </a:r>
+              <a:r>
+                <a:rPr lang="en-US" sz="1050" b="0" dirty="0">
+                  <a:solidFill>
+                    <a:srgbClr val="569CD6"/>
+                  </a:solidFill>
+                  <a:effectLst/>
+                  <a:latin typeface="Consolas" panose="020B0609020204030204" pitchFamily="49" charset="0"/>
+                </a:rPr>
+                <a:t>def</a:t>
+              </a:r>
+              <a:r>
+                <a:rPr lang="en-US" sz="1050" b="0" dirty="0">
+                  <a:solidFill>
+                    <a:srgbClr val="D4D4D4"/>
+                  </a:solidFill>
+                  <a:effectLst/>
+                  <a:latin typeface="Consolas" panose="020B0609020204030204" pitchFamily="49" charset="0"/>
+                </a:rPr>
+                <a:t> </a:t>
+              </a:r>
+              <a:r>
+                <a:rPr lang="en-US" sz="1050" b="0" dirty="0">
+                  <a:solidFill>
+                    <a:srgbClr val="DCDCAA"/>
+                  </a:solidFill>
+                  <a:effectLst/>
+                  <a:latin typeface="Consolas" panose="020B0609020204030204" pitchFamily="49" charset="0"/>
+                </a:rPr>
+                <a:t>call</a:t>
+              </a:r>
+              <a:r>
+                <a:rPr lang="en-US" sz="1050" b="0" dirty="0">
+                  <a:solidFill>
+                    <a:srgbClr val="D4D4D4"/>
+                  </a:solidFill>
+                  <a:effectLst/>
+                  <a:latin typeface="Consolas" panose="020B0609020204030204" pitchFamily="49" charset="0"/>
+                </a:rPr>
+                <a:t>(</a:t>
+              </a:r>
+              <a:r>
+                <a:rPr lang="en-US" sz="1050" b="0" dirty="0">
+                  <a:solidFill>
+                    <a:srgbClr val="9CDCFE"/>
+                  </a:solidFill>
+                  <a:effectLst/>
+                  <a:latin typeface="Consolas" panose="020B0609020204030204" pitchFamily="49" charset="0"/>
+                </a:rPr>
+                <a:t>self</a:t>
+              </a:r>
+              <a:r>
+                <a:rPr lang="en-US" sz="1050" b="0" dirty="0">
+                  <a:solidFill>
+                    <a:srgbClr val="D4D4D4"/>
+                  </a:solidFill>
+                  <a:effectLst/>
+                  <a:latin typeface="Consolas" panose="020B0609020204030204" pitchFamily="49" charset="0"/>
+                </a:rPr>
+                <a:t>, </a:t>
+              </a:r>
+              <a:r>
+                <a:rPr lang="en-US" sz="1050" b="0" dirty="0">
+                  <a:solidFill>
+                    <a:srgbClr val="9CDCFE"/>
+                  </a:solidFill>
+                  <a:effectLst/>
+                  <a:latin typeface="Consolas" panose="020B0609020204030204" pitchFamily="49" charset="0"/>
+                </a:rPr>
+                <a:t>x</a:t>
+              </a:r>
+              <a:r>
+                <a:rPr lang="en-US" sz="1050" b="0" dirty="0">
+                  <a:solidFill>
+                    <a:srgbClr val="D4D4D4"/>
+                  </a:solidFill>
+                  <a:effectLst/>
+                  <a:latin typeface="Consolas" panose="020B0609020204030204" pitchFamily="49" charset="0"/>
+                </a:rPr>
+                <a:t>):</a:t>
+              </a:r>
+            </a:p>
+            <a:p>
+              <a:r>
+                <a:rPr lang="en-US" sz="1050" b="0" dirty="0">
+                  <a:solidFill>
+                    <a:srgbClr val="D4D4D4"/>
+                  </a:solidFill>
+                  <a:effectLst/>
+                  <a:latin typeface="Consolas" panose="020B0609020204030204" pitchFamily="49" charset="0"/>
+                </a:rPr>
+                <a:t>        </a:t>
+              </a:r>
+              <a:r>
+                <a:rPr lang="en-US" sz="1050" b="0" dirty="0" err="1">
+                  <a:solidFill>
+                    <a:srgbClr val="9CDCFE"/>
+                  </a:solidFill>
+                  <a:effectLst/>
+                  <a:latin typeface="Consolas" panose="020B0609020204030204" pitchFamily="49" charset="0"/>
+                </a:rPr>
+                <a:t>x_reshaped</a:t>
+              </a:r>
+              <a:r>
+                <a:rPr lang="en-US" sz="1050" b="0" dirty="0">
+                  <a:solidFill>
+                    <a:srgbClr val="D4D4D4"/>
+                  </a:solidFill>
+                  <a:effectLst/>
+                  <a:latin typeface="Consolas" panose="020B0609020204030204" pitchFamily="49" charset="0"/>
+                </a:rPr>
+                <a:t> = reshape(</a:t>
+              </a:r>
+              <a:r>
+                <a:rPr lang="en-US" sz="1050" b="0" dirty="0">
+                  <a:solidFill>
+                    <a:srgbClr val="9CDCFE"/>
+                  </a:solidFill>
+                  <a:effectLst/>
+                  <a:latin typeface="Consolas" panose="020B0609020204030204" pitchFamily="49" charset="0"/>
+                </a:rPr>
+                <a:t>x</a:t>
+              </a:r>
+              <a:r>
+                <a:rPr lang="en-US" sz="1050" b="0" dirty="0">
+                  <a:solidFill>
+                    <a:srgbClr val="D4D4D4"/>
+                  </a:solidFill>
+                  <a:effectLst/>
+                  <a:latin typeface="Consolas" panose="020B0609020204030204" pitchFamily="49" charset="0"/>
+                </a:rPr>
+                <a:t>,[-</a:t>
+              </a:r>
+              <a:r>
+                <a:rPr lang="en-US" sz="1050" b="0" dirty="0">
+                  <a:solidFill>
+                    <a:srgbClr val="B5CEA8"/>
+                  </a:solidFill>
+                  <a:effectLst/>
+                  <a:latin typeface="Consolas" panose="020B0609020204030204" pitchFamily="49" charset="0"/>
+                </a:rPr>
+                <a:t>1</a:t>
+              </a:r>
+              <a:r>
+                <a:rPr lang="en-US" sz="1050" b="0" dirty="0">
+                  <a:solidFill>
+                    <a:srgbClr val="D4D4D4"/>
+                  </a:solidFill>
+                  <a:effectLst/>
+                  <a:latin typeface="Consolas" panose="020B0609020204030204" pitchFamily="49" charset="0"/>
+                </a:rPr>
+                <a:t>, </a:t>
+              </a:r>
+              <a:r>
+                <a:rPr lang="en-US" sz="1050" b="0" dirty="0">
+                  <a:solidFill>
+                    <a:srgbClr val="B5CEA8"/>
+                  </a:solidFill>
+                  <a:effectLst/>
+                  <a:latin typeface="Consolas" panose="020B0609020204030204" pitchFamily="49" charset="0"/>
+                </a:rPr>
+                <a:t>1</a:t>
+              </a:r>
+              <a:r>
+                <a:rPr lang="en-US" sz="1050" b="0" dirty="0">
+                  <a:solidFill>
+                    <a:srgbClr val="D4D4D4"/>
+                  </a:solidFill>
+                  <a:effectLst/>
+                  <a:latin typeface="Consolas" panose="020B0609020204030204" pitchFamily="49" charset="0"/>
+                </a:rPr>
+                <a:t>, </a:t>
+              </a:r>
+              <a:r>
+                <a:rPr lang="en-US" sz="1050" b="0" dirty="0" err="1">
+                  <a:solidFill>
+                    <a:srgbClr val="9CDCFE"/>
+                  </a:solidFill>
+                  <a:effectLst/>
+                  <a:latin typeface="Consolas" panose="020B0609020204030204" pitchFamily="49" charset="0"/>
+                </a:rPr>
+                <a:t>self</a:t>
+              </a:r>
+              <a:r>
+                <a:rPr lang="en-US" sz="1050" b="0" dirty="0" err="1">
+                  <a:solidFill>
+                    <a:srgbClr val="D4D4D4"/>
+                  </a:solidFill>
+                  <a:effectLst/>
+                  <a:latin typeface="Consolas" panose="020B0609020204030204" pitchFamily="49" charset="0"/>
+                </a:rPr>
+                <a:t>.</a:t>
+              </a:r>
+              <a:r>
+                <a:rPr lang="en-US" sz="1050" b="0" dirty="0" err="1">
+                  <a:solidFill>
+                    <a:srgbClr val="9CDCFE"/>
+                  </a:solidFill>
+                  <a:effectLst/>
+                  <a:latin typeface="Consolas" panose="020B0609020204030204" pitchFamily="49" charset="0"/>
+                </a:rPr>
+                <a:t>w</a:t>
+              </a:r>
+              <a:r>
+                <a:rPr lang="en-US" sz="1050" b="0" dirty="0" err="1">
+                  <a:solidFill>
+                    <a:srgbClr val="D4D4D4"/>
+                  </a:solidFill>
+                  <a:effectLst/>
+                  <a:latin typeface="Consolas" panose="020B0609020204030204" pitchFamily="49" charset="0"/>
+                </a:rPr>
+                <a:t>.shape</a:t>
+              </a:r>
+              <a:r>
+                <a:rPr lang="en-US" sz="1050" b="0" dirty="0">
+                  <a:solidFill>
+                    <a:srgbClr val="D4D4D4"/>
+                  </a:solidFill>
+                  <a:effectLst/>
+                  <a:latin typeface="Consolas" panose="020B0609020204030204" pitchFamily="49" charset="0"/>
+                </a:rPr>
+                <a:t>[-</a:t>
+              </a:r>
+              <a:r>
+                <a:rPr lang="en-US" sz="1050" b="0" dirty="0">
+                  <a:solidFill>
+                    <a:srgbClr val="B5CEA8"/>
+                  </a:solidFill>
+                  <a:effectLst/>
+                  <a:latin typeface="Consolas" panose="020B0609020204030204" pitchFamily="49" charset="0"/>
+                </a:rPr>
+                <a:t>1</a:t>
+              </a:r>
+              <a:r>
+                <a:rPr lang="en-US" sz="1050" b="0" dirty="0">
+                  <a:solidFill>
+                    <a:srgbClr val="D4D4D4"/>
+                  </a:solidFill>
+                  <a:effectLst/>
+                  <a:latin typeface="Consolas" panose="020B0609020204030204" pitchFamily="49" charset="0"/>
+                </a:rPr>
+                <a:t>]])</a:t>
+              </a:r>
+            </a:p>
+            <a:p>
+              <a:r>
+                <a:rPr lang="en-US" sz="1050" b="0" dirty="0">
+                  <a:solidFill>
+                    <a:srgbClr val="D4D4D4"/>
+                  </a:solidFill>
+                  <a:effectLst/>
+                  <a:latin typeface="Consolas" panose="020B0609020204030204" pitchFamily="49" charset="0"/>
+                </a:rPr>
+                <a:t>        </a:t>
+              </a:r>
+              <a:r>
+                <a:rPr lang="en-US" sz="1050" b="0" dirty="0" err="1">
+                  <a:solidFill>
+                    <a:srgbClr val="9CDCFE"/>
+                  </a:solidFill>
+                  <a:effectLst/>
+                  <a:latin typeface="Consolas" panose="020B0609020204030204" pitchFamily="49" charset="0"/>
+                </a:rPr>
+                <a:t>x_for_broadcast</a:t>
+              </a:r>
+              <a:r>
+                <a:rPr lang="en-US" sz="1050" b="0" dirty="0">
+                  <a:solidFill>
+                    <a:srgbClr val="D4D4D4"/>
+                  </a:solidFill>
+                  <a:effectLst/>
+                  <a:latin typeface="Consolas" panose="020B0609020204030204" pitchFamily="49" charset="0"/>
+                </a:rPr>
+                <a:t> = </a:t>
+              </a:r>
+              <a:r>
+                <a:rPr lang="en-US" sz="1050" b="0" dirty="0" err="1">
+                  <a:solidFill>
+                    <a:srgbClr val="D4D4D4"/>
+                  </a:solidFill>
+                  <a:effectLst/>
+                  <a:latin typeface="Consolas" panose="020B0609020204030204" pitchFamily="49" charset="0"/>
+                </a:rPr>
+                <a:t>repeat_elements</a:t>
+              </a:r>
+              <a:r>
+                <a:rPr lang="en-US" sz="1050" b="0" dirty="0">
+                  <a:solidFill>
+                    <a:srgbClr val="D4D4D4"/>
+                  </a:solidFill>
+                  <a:effectLst/>
+                  <a:latin typeface="Consolas" panose="020B0609020204030204" pitchFamily="49" charset="0"/>
+                </a:rPr>
+                <a:t>(</a:t>
+              </a:r>
+              <a:r>
+                <a:rPr lang="en-US" sz="1050" b="0" dirty="0" err="1">
+                  <a:solidFill>
+                    <a:srgbClr val="9CDCFE"/>
+                  </a:solidFill>
+                  <a:effectLst/>
+                  <a:latin typeface="Consolas" panose="020B0609020204030204" pitchFamily="49" charset="0"/>
+                </a:rPr>
+                <a:t>x_reshaped</a:t>
+              </a:r>
+              <a:r>
+                <a:rPr lang="en-US" sz="1050" b="0" dirty="0">
+                  <a:solidFill>
+                    <a:srgbClr val="D4D4D4"/>
+                  </a:solidFill>
+                  <a:effectLst/>
+                  <a:latin typeface="Consolas" panose="020B0609020204030204" pitchFamily="49" charset="0"/>
+                </a:rPr>
+                <a:t>, </a:t>
+              </a:r>
+              <a:r>
+                <a:rPr lang="en-US" sz="1050" b="0" dirty="0" err="1">
+                  <a:solidFill>
+                    <a:srgbClr val="9CDCFE"/>
+                  </a:solidFill>
+                  <a:effectLst/>
+                  <a:latin typeface="Consolas" panose="020B0609020204030204" pitchFamily="49" charset="0"/>
+                </a:rPr>
+                <a:t>self</a:t>
+              </a:r>
+              <a:r>
+                <a:rPr lang="en-US" sz="1050" b="0" dirty="0" err="1">
+                  <a:solidFill>
+                    <a:srgbClr val="D4D4D4"/>
+                  </a:solidFill>
+                  <a:effectLst/>
+                  <a:latin typeface="Consolas" panose="020B0609020204030204" pitchFamily="49" charset="0"/>
+                </a:rPr>
+                <a:t>.</a:t>
+              </a:r>
+              <a:r>
+                <a:rPr lang="en-US" sz="1050" b="0" dirty="0" err="1">
+                  <a:solidFill>
+                    <a:srgbClr val="9CDCFE"/>
+                  </a:solidFill>
+                  <a:effectLst/>
+                  <a:latin typeface="Consolas" panose="020B0609020204030204" pitchFamily="49" charset="0"/>
+                </a:rPr>
+                <a:t>units</a:t>
+              </a:r>
+              <a:r>
+                <a:rPr lang="en-US" sz="1050" b="0" dirty="0">
+                  <a:solidFill>
+                    <a:srgbClr val="D4D4D4"/>
+                  </a:solidFill>
+                  <a:effectLst/>
+                  <a:latin typeface="Consolas" panose="020B0609020204030204" pitchFamily="49" charset="0"/>
+                </a:rPr>
+                <a:t>, </a:t>
+              </a:r>
+              <a:r>
+                <a:rPr lang="en-US" sz="1050" b="0" dirty="0">
+                  <a:solidFill>
+                    <a:srgbClr val="B5CEA8"/>
+                  </a:solidFill>
+                  <a:effectLst/>
+                  <a:latin typeface="Consolas" panose="020B0609020204030204" pitchFamily="49" charset="0"/>
+                </a:rPr>
+                <a:t>1</a:t>
+              </a:r>
+              <a:r>
+                <a:rPr lang="en-US" sz="1050" b="0" dirty="0">
+                  <a:solidFill>
+                    <a:srgbClr val="D4D4D4"/>
+                  </a:solidFill>
+                  <a:effectLst/>
+                  <a:latin typeface="Consolas" panose="020B0609020204030204" pitchFamily="49" charset="0"/>
+                </a:rPr>
+                <a:t>)</a:t>
+              </a:r>
+            </a:p>
+            <a:p>
+              <a:r>
+                <a:rPr lang="en-US" sz="1050" b="0" dirty="0">
+                  <a:solidFill>
+                    <a:srgbClr val="D4D4D4"/>
+                  </a:solidFill>
+                  <a:effectLst/>
+                  <a:latin typeface="Consolas" panose="020B0609020204030204" pitchFamily="49" charset="0"/>
+                </a:rPr>
+                <a:t>        </a:t>
+              </a:r>
+              <a:r>
+                <a:rPr lang="en-US" sz="1050" b="0" dirty="0" err="1">
+                  <a:solidFill>
+                    <a:srgbClr val="9CDCFE"/>
+                  </a:solidFill>
+                  <a:effectLst/>
+                  <a:latin typeface="Consolas" panose="020B0609020204030204" pitchFamily="49" charset="0"/>
+                </a:rPr>
+                <a:t>result_addition</a:t>
+              </a:r>
+              <a:r>
+                <a:rPr lang="en-US" sz="1050" b="0" dirty="0">
+                  <a:solidFill>
+                    <a:srgbClr val="D4D4D4"/>
+                  </a:solidFill>
+                  <a:effectLst/>
+                  <a:latin typeface="Consolas" panose="020B0609020204030204" pitchFamily="49" charset="0"/>
+                </a:rPr>
+                <a:t> = </a:t>
+              </a:r>
+              <a:r>
+                <a:rPr lang="en-US" sz="1050" b="0" dirty="0" err="1">
+                  <a:solidFill>
+                    <a:srgbClr val="9CDCFE"/>
+                  </a:solidFill>
+                  <a:effectLst/>
+                  <a:latin typeface="Consolas" panose="020B0609020204030204" pitchFamily="49" charset="0"/>
+                </a:rPr>
+                <a:t>x_for_broadcast</a:t>
+              </a:r>
+              <a:r>
+                <a:rPr lang="en-US" sz="1050" b="0" dirty="0">
+                  <a:solidFill>
+                    <a:srgbClr val="D4D4D4"/>
+                  </a:solidFill>
+                  <a:effectLst/>
+                  <a:latin typeface="Consolas" panose="020B0609020204030204" pitchFamily="49" charset="0"/>
+                </a:rPr>
+                <a:t> + </a:t>
+              </a:r>
+              <a:r>
+                <a:rPr lang="en-US" sz="1050" b="0" dirty="0" err="1">
+                  <a:solidFill>
+                    <a:srgbClr val="9CDCFE"/>
+                  </a:solidFill>
+                  <a:effectLst/>
+                  <a:latin typeface="Consolas" panose="020B0609020204030204" pitchFamily="49" charset="0"/>
+                </a:rPr>
+                <a:t>self</a:t>
+              </a:r>
+              <a:r>
+                <a:rPr lang="en-US" sz="1050" b="0" dirty="0" err="1">
+                  <a:solidFill>
+                    <a:srgbClr val="D4D4D4"/>
+                  </a:solidFill>
+                  <a:effectLst/>
+                  <a:latin typeface="Consolas" panose="020B0609020204030204" pitchFamily="49" charset="0"/>
+                </a:rPr>
+                <a:t>.</a:t>
+              </a:r>
+              <a:r>
+                <a:rPr lang="en-US" sz="1050" b="0" dirty="0" err="1">
+                  <a:solidFill>
+                    <a:srgbClr val="9CDCFE"/>
+                  </a:solidFill>
+                  <a:effectLst/>
+                  <a:latin typeface="Consolas" panose="020B0609020204030204" pitchFamily="49" charset="0"/>
+                </a:rPr>
+                <a:t>w</a:t>
+              </a:r>
+              <a:endParaRPr lang="en-US" sz="1050" b="0" dirty="0">
+                <a:solidFill>
+                  <a:srgbClr val="D4D4D4"/>
+                </a:solidFill>
+                <a:effectLst/>
+                <a:latin typeface="Consolas" panose="020B0609020204030204" pitchFamily="49" charset="0"/>
+              </a:endParaRPr>
+            </a:p>
+            <a:p>
+              <a:r>
+                <a:rPr lang="en-US" sz="1050" b="0" dirty="0">
+                  <a:solidFill>
+                    <a:srgbClr val="D4D4D4"/>
+                  </a:solidFill>
+                  <a:effectLst/>
+                  <a:latin typeface="Consolas" panose="020B0609020204030204" pitchFamily="49" charset="0"/>
+                </a:rPr>
+                <a:t>        </a:t>
+              </a:r>
+              <a:r>
+                <a:rPr lang="en-US" sz="1050" b="0" dirty="0" err="1">
+                  <a:solidFill>
+                    <a:srgbClr val="9CDCFE"/>
+                  </a:solidFill>
+                  <a:effectLst/>
+                  <a:latin typeface="Consolas" panose="020B0609020204030204" pitchFamily="49" charset="0"/>
+                </a:rPr>
+                <a:t>trop_distance</a:t>
+              </a:r>
+              <a:r>
+                <a:rPr lang="en-US" sz="1050" b="0" dirty="0">
+                  <a:solidFill>
+                    <a:srgbClr val="D4D4D4"/>
+                  </a:solidFill>
+                  <a:effectLst/>
+                  <a:latin typeface="Consolas" panose="020B0609020204030204" pitchFamily="49" charset="0"/>
+                </a:rPr>
+                <a:t> = </a:t>
+              </a:r>
+              <a:r>
+                <a:rPr lang="en-US" sz="1050" b="0" dirty="0" err="1">
+                  <a:solidFill>
+                    <a:srgbClr val="D4D4D4"/>
+                  </a:solidFill>
+                  <a:effectLst/>
+                  <a:latin typeface="Consolas" panose="020B0609020204030204" pitchFamily="49" charset="0"/>
+                </a:rPr>
+                <a:t>reduce_max</a:t>
+              </a:r>
+              <a:r>
+                <a:rPr lang="en-US" sz="1050" b="0" dirty="0">
+                  <a:solidFill>
+                    <a:srgbClr val="D4D4D4"/>
+                  </a:solidFill>
+                  <a:effectLst/>
+                  <a:latin typeface="Consolas" panose="020B0609020204030204" pitchFamily="49" charset="0"/>
+                </a:rPr>
+                <a:t>(</a:t>
+              </a:r>
+              <a:r>
+                <a:rPr lang="en-US" sz="1050" b="0" dirty="0" err="1">
+                  <a:solidFill>
+                    <a:srgbClr val="9CDCFE"/>
+                  </a:solidFill>
+                  <a:effectLst/>
+                  <a:latin typeface="Consolas" panose="020B0609020204030204" pitchFamily="49" charset="0"/>
+                </a:rPr>
+                <a:t>result_addition</a:t>
+              </a:r>
+              <a:r>
+                <a:rPr lang="en-US" sz="1050" b="0" dirty="0">
+                  <a:solidFill>
+                    <a:srgbClr val="D4D4D4"/>
+                  </a:solidFill>
+                  <a:effectLst/>
+                  <a:latin typeface="Consolas" panose="020B0609020204030204" pitchFamily="49" charset="0"/>
+                </a:rPr>
+                <a:t>, </a:t>
+              </a:r>
+              <a:r>
+                <a:rPr lang="en-US" sz="1050" b="0" dirty="0">
+                  <a:solidFill>
+                    <a:srgbClr val="9CDCFE"/>
+                  </a:solidFill>
+                  <a:effectLst/>
+                  <a:latin typeface="Consolas" panose="020B0609020204030204" pitchFamily="49" charset="0"/>
+                </a:rPr>
+                <a:t>axis</a:t>
+              </a:r>
+              <a:r>
+                <a:rPr lang="en-US" sz="1050" b="0" dirty="0">
+                  <a:solidFill>
+                    <a:srgbClr val="D4D4D4"/>
+                  </a:solidFill>
+                  <a:effectLst/>
+                  <a:latin typeface="Consolas" panose="020B0609020204030204" pitchFamily="49" charset="0"/>
+                </a:rPr>
+                <a:t>=(</a:t>
+              </a:r>
+              <a:r>
+                <a:rPr lang="en-US" sz="1050" b="0" dirty="0">
+                  <a:solidFill>
+                    <a:srgbClr val="B5CEA8"/>
+                  </a:solidFill>
+                  <a:effectLst/>
+                  <a:latin typeface="Consolas" panose="020B0609020204030204" pitchFamily="49" charset="0"/>
+                </a:rPr>
+                <a:t>2</a:t>
+              </a:r>
+              <a:r>
+                <a:rPr lang="en-US" sz="1050" b="0" dirty="0">
+                  <a:solidFill>
+                    <a:srgbClr val="D4D4D4"/>
+                  </a:solidFill>
+                  <a:effectLst/>
+                  <a:latin typeface="Consolas" panose="020B0609020204030204" pitchFamily="49" charset="0"/>
+                </a:rPr>
+                <a:t>)) - </a:t>
+              </a:r>
+              <a:r>
+                <a:rPr lang="en-US" sz="1050" b="0" dirty="0" err="1">
+                  <a:solidFill>
+                    <a:srgbClr val="D4D4D4"/>
+                  </a:solidFill>
+                  <a:effectLst/>
+                  <a:latin typeface="Consolas" panose="020B0609020204030204" pitchFamily="49" charset="0"/>
+                </a:rPr>
+                <a:t>reduce_min</a:t>
+              </a:r>
+              <a:r>
+                <a:rPr lang="en-US" sz="1050" b="0" dirty="0">
+                  <a:solidFill>
+                    <a:srgbClr val="D4D4D4"/>
+                  </a:solidFill>
+                  <a:effectLst/>
+                  <a:latin typeface="Consolas" panose="020B0609020204030204" pitchFamily="49" charset="0"/>
+                </a:rPr>
+                <a:t>(</a:t>
+              </a:r>
+              <a:r>
+                <a:rPr lang="en-US" sz="1050" b="0" dirty="0" err="1">
+                  <a:solidFill>
+                    <a:srgbClr val="9CDCFE"/>
+                  </a:solidFill>
+                  <a:effectLst/>
+                  <a:latin typeface="Consolas" panose="020B0609020204030204" pitchFamily="49" charset="0"/>
+                </a:rPr>
+                <a:t>result_addition</a:t>
+              </a:r>
+              <a:r>
+                <a:rPr lang="en-US" sz="1050" b="0" dirty="0">
+                  <a:solidFill>
+                    <a:srgbClr val="D4D4D4"/>
+                  </a:solidFill>
+                  <a:effectLst/>
+                  <a:latin typeface="Consolas" panose="020B0609020204030204" pitchFamily="49" charset="0"/>
+                </a:rPr>
+                <a:t>, </a:t>
+              </a:r>
+              <a:r>
+                <a:rPr lang="en-US" sz="1050" b="0" dirty="0">
+                  <a:solidFill>
+                    <a:srgbClr val="9CDCFE"/>
+                  </a:solidFill>
+                  <a:effectLst/>
+                  <a:latin typeface="Consolas" panose="020B0609020204030204" pitchFamily="49" charset="0"/>
+                </a:rPr>
+                <a:t>axis</a:t>
+              </a:r>
+              <a:r>
+                <a:rPr lang="en-US" sz="1050" b="0" dirty="0">
+                  <a:solidFill>
+                    <a:srgbClr val="D4D4D4"/>
+                  </a:solidFill>
+                  <a:effectLst/>
+                  <a:latin typeface="Consolas" panose="020B0609020204030204" pitchFamily="49" charset="0"/>
+                </a:rPr>
+                <a:t>=(</a:t>
+              </a:r>
+              <a:r>
+                <a:rPr lang="en-US" sz="1050" b="0" dirty="0">
+                  <a:solidFill>
+                    <a:srgbClr val="B5CEA8"/>
+                  </a:solidFill>
+                  <a:effectLst/>
+                  <a:latin typeface="Consolas" panose="020B0609020204030204" pitchFamily="49" charset="0"/>
+                </a:rPr>
+                <a:t>2</a:t>
+              </a:r>
+              <a:r>
+                <a:rPr lang="en-US" sz="1050" b="0" dirty="0">
+                  <a:solidFill>
+                    <a:srgbClr val="D4D4D4"/>
+                  </a:solidFill>
+                  <a:effectLst/>
+                  <a:latin typeface="Consolas" panose="020B0609020204030204" pitchFamily="49" charset="0"/>
+                </a:rPr>
+                <a:t>)) + </a:t>
+              </a:r>
+              <a:r>
+                <a:rPr lang="en-US" sz="1050" b="0" dirty="0" err="1">
+                  <a:solidFill>
+                    <a:srgbClr val="9CDCFE"/>
+                  </a:solidFill>
+                  <a:effectLst/>
+                  <a:latin typeface="Consolas" panose="020B0609020204030204" pitchFamily="49" charset="0"/>
+                </a:rPr>
+                <a:t>self</a:t>
+              </a:r>
+              <a:r>
+                <a:rPr lang="en-US" sz="1050" b="0" dirty="0" err="1">
+                  <a:solidFill>
+                    <a:srgbClr val="D4D4D4"/>
+                  </a:solidFill>
+                  <a:effectLst/>
+                  <a:latin typeface="Consolas" panose="020B0609020204030204" pitchFamily="49" charset="0"/>
+                </a:rPr>
+                <a:t>.</a:t>
+              </a:r>
+              <a:r>
+                <a:rPr lang="en-US" sz="1050" b="0" dirty="0" err="1">
+                  <a:solidFill>
+                    <a:srgbClr val="9CDCFE"/>
+                  </a:solidFill>
+                  <a:effectLst/>
+                  <a:latin typeface="Consolas" panose="020B0609020204030204" pitchFamily="49" charset="0"/>
+                </a:rPr>
+                <a:t>bias</a:t>
+              </a:r>
+              <a:endParaRPr lang="en-US" sz="1050" b="0" dirty="0">
+                <a:solidFill>
+                  <a:srgbClr val="D4D4D4"/>
+                </a:solidFill>
+                <a:effectLst/>
+                <a:latin typeface="Consolas" panose="020B0609020204030204" pitchFamily="49" charset="0"/>
+              </a:endParaRPr>
+            </a:p>
+            <a:p>
+              <a:r>
+                <a:rPr lang="en-US" sz="1050" b="0" dirty="0">
+                  <a:solidFill>
+                    <a:srgbClr val="D4D4D4"/>
+                  </a:solidFill>
+                  <a:effectLst/>
+                  <a:latin typeface="Consolas" panose="020B0609020204030204" pitchFamily="49" charset="0"/>
+                </a:rPr>
+                <a:t>        </a:t>
+              </a:r>
+              <a:r>
+                <a:rPr lang="en-US" sz="1050" b="0" dirty="0" err="1">
+                  <a:solidFill>
+                    <a:srgbClr val="9CDCFE"/>
+                  </a:solidFill>
+                  <a:effectLst/>
+                  <a:latin typeface="Consolas" panose="020B0609020204030204" pitchFamily="49" charset="0"/>
+                </a:rPr>
+                <a:t>negative_exponents</a:t>
+              </a:r>
+              <a:r>
+                <a:rPr lang="en-US" sz="1050" b="0" dirty="0">
+                  <a:solidFill>
+                    <a:srgbClr val="D4D4D4"/>
+                  </a:solidFill>
+                  <a:effectLst/>
+                  <a:latin typeface="Consolas" panose="020B0609020204030204" pitchFamily="49" charset="0"/>
+                </a:rPr>
+                <a:t> = exp(-</a:t>
+              </a:r>
+              <a:r>
+                <a:rPr lang="en-US" sz="1050" b="0" dirty="0" err="1">
+                  <a:solidFill>
+                    <a:srgbClr val="9CDCFE"/>
+                  </a:solidFill>
+                  <a:effectLst/>
+                  <a:latin typeface="Consolas" panose="020B0609020204030204" pitchFamily="49" charset="0"/>
+                </a:rPr>
+                <a:t>trop_distance</a:t>
+              </a:r>
+              <a:r>
+                <a:rPr lang="en-US" sz="1050" b="0" dirty="0">
+                  <a:solidFill>
+                    <a:srgbClr val="D4D4D4"/>
+                  </a:solidFill>
+                  <a:effectLst/>
+                  <a:latin typeface="Consolas" panose="020B0609020204030204" pitchFamily="49" charset="0"/>
+                </a:rPr>
+                <a:t>)</a:t>
+              </a:r>
+            </a:p>
+            <a:p>
+              <a:r>
+                <a:rPr lang="en-US" sz="1050" b="0" dirty="0">
+                  <a:solidFill>
+                    <a:srgbClr val="D4D4D4"/>
+                  </a:solidFill>
+                  <a:effectLst/>
+                  <a:latin typeface="Consolas" panose="020B0609020204030204" pitchFamily="49" charset="0"/>
+                </a:rPr>
+                <a:t>        </a:t>
+              </a:r>
+              <a:r>
+                <a:rPr lang="en-US" sz="1050" b="0" dirty="0" err="1">
+                  <a:solidFill>
+                    <a:srgbClr val="9CDCFE"/>
+                  </a:solidFill>
+                  <a:effectLst/>
+                  <a:latin typeface="Consolas" panose="020B0609020204030204" pitchFamily="49" charset="0"/>
+                </a:rPr>
+                <a:t>softmin_values</a:t>
+              </a:r>
+              <a:r>
+                <a:rPr lang="en-US" sz="1050" b="0" dirty="0">
+                  <a:solidFill>
+                    <a:srgbClr val="D4D4D4"/>
+                  </a:solidFill>
+                  <a:effectLst/>
+                  <a:latin typeface="Consolas" panose="020B0609020204030204" pitchFamily="49" charset="0"/>
+                </a:rPr>
+                <a:t> = </a:t>
+              </a:r>
+              <a:r>
+                <a:rPr lang="en-US" sz="1050" b="0" dirty="0" err="1">
+                  <a:solidFill>
+                    <a:srgbClr val="9CDCFE"/>
+                  </a:solidFill>
+                  <a:effectLst/>
+                  <a:latin typeface="Consolas" panose="020B0609020204030204" pitchFamily="49" charset="0"/>
+                </a:rPr>
+                <a:t>negative_exponents</a:t>
+              </a:r>
+              <a:r>
+                <a:rPr lang="en-US" sz="1050" b="0" dirty="0">
+                  <a:solidFill>
+                    <a:srgbClr val="D4D4D4"/>
+                  </a:solidFill>
+                  <a:effectLst/>
+                  <a:latin typeface="Consolas" panose="020B0609020204030204" pitchFamily="49" charset="0"/>
+                </a:rPr>
+                <a:t> / </a:t>
+              </a:r>
+              <a:r>
+                <a:rPr lang="en-US" sz="1050" b="0" dirty="0" err="1">
+                  <a:solidFill>
+                    <a:srgbClr val="D4D4D4"/>
+                  </a:solidFill>
+                  <a:effectLst/>
+                  <a:latin typeface="Consolas" panose="020B0609020204030204" pitchFamily="49" charset="0"/>
+                </a:rPr>
+                <a:t>reduce_sum</a:t>
+              </a:r>
+              <a:r>
+                <a:rPr lang="en-US" sz="1050" b="0" dirty="0">
+                  <a:solidFill>
+                    <a:srgbClr val="D4D4D4"/>
+                  </a:solidFill>
+                  <a:effectLst/>
+                  <a:latin typeface="Consolas" panose="020B0609020204030204" pitchFamily="49" charset="0"/>
+                </a:rPr>
+                <a:t>(</a:t>
+              </a:r>
+              <a:r>
+                <a:rPr lang="en-US" sz="1050" b="0" dirty="0" err="1">
+                  <a:solidFill>
+                    <a:srgbClr val="9CDCFE"/>
+                  </a:solidFill>
+                  <a:effectLst/>
+                  <a:latin typeface="Consolas" panose="020B0609020204030204" pitchFamily="49" charset="0"/>
+                </a:rPr>
+                <a:t>negative_exponents</a:t>
+              </a:r>
+              <a:r>
+                <a:rPr lang="en-US" sz="1050" b="0" dirty="0">
+                  <a:solidFill>
+                    <a:srgbClr val="D4D4D4"/>
+                  </a:solidFill>
+                  <a:effectLst/>
+                  <a:latin typeface="Consolas" panose="020B0609020204030204" pitchFamily="49" charset="0"/>
+                </a:rPr>
+                <a:t>, </a:t>
+              </a:r>
+              <a:r>
+                <a:rPr lang="en-US" sz="1050" b="0" dirty="0">
+                  <a:solidFill>
+                    <a:srgbClr val="9CDCFE"/>
+                  </a:solidFill>
+                  <a:effectLst/>
+                  <a:latin typeface="Consolas" panose="020B0609020204030204" pitchFamily="49" charset="0"/>
+                </a:rPr>
+                <a:t>axis</a:t>
+              </a:r>
+              <a:r>
+                <a:rPr lang="en-US" sz="1050" b="0" dirty="0">
+                  <a:solidFill>
+                    <a:srgbClr val="D4D4D4"/>
+                  </a:solidFill>
+                  <a:effectLst/>
+                  <a:latin typeface="Consolas" panose="020B0609020204030204" pitchFamily="49" charset="0"/>
+                </a:rPr>
+                <a:t>=-</a:t>
+              </a:r>
+              <a:r>
+                <a:rPr lang="en-US" sz="1050" b="0" dirty="0">
+                  <a:solidFill>
+                    <a:srgbClr val="B5CEA8"/>
+                  </a:solidFill>
+                  <a:effectLst/>
+                  <a:latin typeface="Consolas" panose="020B0609020204030204" pitchFamily="49" charset="0"/>
+                </a:rPr>
+                <a:t>1</a:t>
+              </a:r>
+              <a:r>
+                <a:rPr lang="en-US" sz="1050" b="0" dirty="0">
+                  <a:solidFill>
+                    <a:srgbClr val="D4D4D4"/>
+                  </a:solidFill>
+                  <a:effectLst/>
+                  <a:latin typeface="Consolas" panose="020B0609020204030204" pitchFamily="49" charset="0"/>
+                </a:rPr>
+                <a:t>, </a:t>
+              </a:r>
+              <a:r>
+                <a:rPr lang="en-US" sz="1050" b="0" dirty="0" err="1">
+                  <a:solidFill>
+                    <a:srgbClr val="9CDCFE"/>
+                  </a:solidFill>
+                  <a:effectLst/>
+                  <a:latin typeface="Consolas" panose="020B0609020204030204" pitchFamily="49" charset="0"/>
+                </a:rPr>
+                <a:t>keepdims</a:t>
+              </a:r>
+              <a:r>
+                <a:rPr lang="en-US" sz="1050" b="0" dirty="0">
+                  <a:solidFill>
+                    <a:srgbClr val="D4D4D4"/>
+                  </a:solidFill>
+                  <a:effectLst/>
+                  <a:latin typeface="Consolas" panose="020B0609020204030204" pitchFamily="49" charset="0"/>
+                </a:rPr>
+                <a:t>=</a:t>
+              </a:r>
+              <a:r>
+                <a:rPr lang="en-US" sz="1050" b="0" dirty="0">
+                  <a:solidFill>
+                    <a:srgbClr val="569CD6"/>
+                  </a:solidFill>
+                  <a:effectLst/>
+                  <a:latin typeface="Consolas" panose="020B0609020204030204" pitchFamily="49" charset="0"/>
+                </a:rPr>
+                <a:t>True</a:t>
+              </a:r>
+              <a:r>
+                <a:rPr lang="en-US" sz="1050" b="0" dirty="0">
+                  <a:solidFill>
+                    <a:srgbClr val="D4D4D4"/>
+                  </a:solidFill>
+                  <a:effectLst/>
+                  <a:latin typeface="Consolas" panose="020B0609020204030204" pitchFamily="49" charset="0"/>
+                </a:rPr>
+                <a:t>)</a:t>
+              </a:r>
+            </a:p>
+            <a:p>
+              <a:r>
+                <a:rPr lang="en-US" sz="1050" b="0" dirty="0">
+                  <a:solidFill>
+                    <a:srgbClr val="D4D4D4"/>
+                  </a:solidFill>
+                  <a:effectLst/>
+                  <a:latin typeface="Consolas" panose="020B0609020204030204" pitchFamily="49" charset="0"/>
+                </a:rPr>
+                <a:t>        </a:t>
+              </a:r>
+              <a:r>
+                <a:rPr lang="en-US" sz="1050" b="0" dirty="0">
+                  <a:solidFill>
+                    <a:srgbClr val="C586C0"/>
+                  </a:solidFill>
+                  <a:effectLst/>
+                  <a:latin typeface="Consolas" panose="020B0609020204030204" pitchFamily="49" charset="0"/>
+                </a:rPr>
+                <a:t>return</a:t>
+              </a:r>
+              <a:r>
+                <a:rPr lang="en-US" sz="1050" b="0" dirty="0">
+                  <a:solidFill>
+                    <a:srgbClr val="D4D4D4"/>
+                  </a:solidFill>
+                  <a:effectLst/>
+                  <a:latin typeface="Consolas" panose="020B0609020204030204" pitchFamily="49" charset="0"/>
+                </a:rPr>
+                <a:t> </a:t>
+              </a:r>
+              <a:r>
+                <a:rPr lang="en-US" sz="1050" b="0" dirty="0" err="1">
+                  <a:solidFill>
+                    <a:srgbClr val="9CDCFE"/>
+                  </a:solidFill>
+                  <a:effectLst/>
+                  <a:latin typeface="Consolas" panose="020B0609020204030204" pitchFamily="49" charset="0"/>
+                </a:rPr>
+                <a:t>softmin_values</a:t>
+              </a:r>
+              <a:r>
+                <a:rPr lang="en-US" sz="1050" b="0" dirty="0">
+                  <a:solidFill>
+                    <a:srgbClr val="D4D4D4"/>
+                  </a:solidFill>
+                  <a:effectLst/>
+                  <a:latin typeface="Consolas" panose="020B0609020204030204" pitchFamily="49" charset="0"/>
+                </a:rPr>
+                <a:t> </a:t>
+              </a:r>
+            </a:p>
+          </p:txBody>
+        </p:sp>
+        <p:pic>
+          <p:nvPicPr>
+            <p:cNvPr id="8" name="Picture 7">
+              <a:extLst>
+                <a:ext uri="{FF2B5EF4-FFF2-40B4-BE49-F238E27FC236}">
+                  <a16:creationId xmlns:a16="http://schemas.microsoft.com/office/drawing/2014/main" id="{D953750A-0537-E2F3-E510-8E951464E8CF}"/>
+                </a:ext>
+              </a:extLst>
+            </p:cNvPr>
+            <p:cNvPicPr>
+              <a:picLocks noChangeAspect="1"/>
+            </p:cNvPicPr>
+            <p:nvPr/>
+          </p:nvPicPr>
+          <p:blipFill>
+            <a:blip r:embed="rId2"/>
+            <a:stretch>
+              <a:fillRect/>
+            </a:stretch>
+          </p:blipFill>
+          <p:spPr>
+            <a:xfrm>
+              <a:off x="5315733" y="4596257"/>
+              <a:ext cx="3619500" cy="942975"/>
+            </a:xfrm>
+            <a:prstGeom prst="rect">
+              <a:avLst/>
+            </a:prstGeom>
+            <a:ln w="28575">
+              <a:solidFill>
+                <a:srgbClr val="FF0000"/>
+              </a:solidFill>
+            </a:ln>
+          </p:spPr>
+        </p:pic>
+        <p:sp>
+          <p:nvSpPr>
+            <p:cNvPr id="9" name="Rectangle 8">
+              <a:extLst>
+                <a:ext uri="{FF2B5EF4-FFF2-40B4-BE49-F238E27FC236}">
+                  <a16:creationId xmlns:a16="http://schemas.microsoft.com/office/drawing/2014/main" id="{05B45214-B641-2E5A-EF1B-687619E3A4DF}"/>
+                </a:ext>
+              </a:extLst>
+            </p:cNvPr>
+            <p:cNvSpPr/>
+            <p:nvPr/>
+          </p:nvSpPr>
+          <p:spPr>
+            <a:xfrm>
+              <a:off x="1139868" y="6269277"/>
+              <a:ext cx="6870527" cy="388307"/>
+            </a:xfrm>
+            <a:prstGeom prst="rect">
+              <a:avLst/>
+            </a:prstGeom>
+            <a:noFill/>
+            <a:ln>
+              <a:solidFill>
+                <a:srgbClr val="FF0000"/>
+              </a:solidFill>
+            </a:ln>
+          </p:spPr>
+          <p:style>
+            <a:lnRef idx="2">
+              <a:schemeClr val="accent1">
+                <a:shade val="15000"/>
+              </a:schemeClr>
+            </a:lnRef>
+            <a:fillRef idx="1">
+              <a:schemeClr val="accent1"/>
+            </a:fillRef>
+            <a:effectRef idx="0">
+              <a:schemeClr val="accent1"/>
+            </a:effectRef>
+            <a:fontRef idx="minor">
+              <a:schemeClr val="lt1"/>
+            </a:fontRef>
+          </p:style>
+          <p:txBody>
+            <a:bodyPr rtlCol="0" anchor="ctr"/>
+            <a:lstStyle/>
+            <a:p>
+              <a:pPr algn="ctr"/>
+              <a:endParaRPr lang="en-US"/>
+            </a:p>
+          </p:txBody>
+        </p:sp>
+        <p:cxnSp>
+          <p:nvCxnSpPr>
+            <p:cNvPr id="11" name="Straight Connector 10">
+              <a:extLst>
+                <a:ext uri="{FF2B5EF4-FFF2-40B4-BE49-F238E27FC236}">
+                  <a16:creationId xmlns:a16="http://schemas.microsoft.com/office/drawing/2014/main" id="{090C3C93-1ECC-DD8C-8A7C-B15A3FFD17CD}"/>
+                </a:ext>
+              </a:extLst>
+            </p:cNvPr>
+            <p:cNvCxnSpPr>
+              <a:cxnSpLocks/>
+              <a:stCxn id="8" idx="2"/>
+              <a:endCxn id="9" idx="0"/>
+            </p:cNvCxnSpPr>
+            <p:nvPr/>
+          </p:nvCxnSpPr>
+          <p:spPr>
+            <a:xfrm flipH="1">
+              <a:off x="4575132" y="5539232"/>
+              <a:ext cx="2550351" cy="730045"/>
+            </a:xfrm>
+            <a:prstGeom prst="line">
+              <a:avLst/>
+            </a:prstGeom>
+            <a:ln w="28575">
+              <a:solidFill>
+                <a:srgbClr val="FF0000"/>
+              </a:solidFill>
+            </a:ln>
+          </p:spPr>
+          <p:style>
+            <a:lnRef idx="1">
+              <a:schemeClr val="accent1"/>
+            </a:lnRef>
+            <a:fillRef idx="0">
+              <a:schemeClr val="accent1"/>
+            </a:fillRef>
+            <a:effectRef idx="0">
+              <a:schemeClr val="accent1"/>
+            </a:effectRef>
+            <a:fontRef idx="minor">
+              <a:schemeClr val="tx1"/>
+            </a:fontRef>
+          </p:style>
+        </p:cxnSp>
+      </p:grpSp>
+    </p:spTree>
+    <p:extLst>
+      <p:ext uri="{BB962C8B-B14F-4D97-AF65-F5344CB8AC3E}">
+        <p14:creationId xmlns:p14="http://schemas.microsoft.com/office/powerpoint/2010/main" val="522857407"/>
+      </p:ext>
+    </p:extLst>
+  </p:cSld>
+  <p:clrMapOvr>
+    <a:masterClrMapping/>
+  </p:clrMapOvr>
+  <p:transition spd="med">
+    <p:fade thruBlk="1"/>
+  </p:transition>
+</p:sld>
+</file>
+
+<file path=ppt/slides/slide5.xml><?xml version="1.0" encoding="utf-8"?>
+<p:sld xmlns:a="http://schemas.openxmlformats.org/drawingml/2006/main" xmlns:r="http://schemas.openxmlformats.org/officeDocument/2006/relationships" xmlns:p="http://schemas.openxmlformats.org/presentationml/2006/main">
+  <p:cSld>
+    <p:spTree>
+      <p:nvGrpSpPr>
+        <p:cNvPr id="1" name=""/>
+        <p:cNvGrpSpPr/>
+        <p:nvPr/>
+      </p:nvGrpSpPr>
+      <p:grpSpPr>
+        <a:xfrm>
+          <a:off x="0" y="0"/>
+          <a:ext cx="0" cy="0"/>
+          <a:chOff x="0" y="0"/>
+          <a:chExt cx="0" cy="0"/>
+        </a:xfrm>
+      </p:grpSpPr>
+      <p:sp>
+        <p:nvSpPr>
+          <p:cNvPr id="2" name="Title 1">
+            <a:extLst>
+              <a:ext uri="{FF2B5EF4-FFF2-40B4-BE49-F238E27FC236}">
+                <a16:creationId xmlns:a16="http://schemas.microsoft.com/office/drawing/2014/main" id="{BAFC9C09-D88F-9831-B5E6-B3E0A358F917}"/>
+              </a:ext>
+            </a:extLst>
+          </p:cNvPr>
+          <p:cNvSpPr>
+            <a:spLocks noGrp="1"/>
+          </p:cNvSpPr>
+          <p:nvPr>
+            <p:ph type="title"/>
+          </p:nvPr>
+        </p:nvSpPr>
+        <p:spPr/>
+        <p:txBody>
+          <a:bodyPr/>
+          <a:lstStyle/>
+          <a:p>
+            <a:r>
+              <a:rPr lang="en-US" sz="3600" dirty="0"/>
+              <a:t>Using Tropical Distance to Make Logits</a:t>
+            </a:r>
+          </a:p>
+        </p:txBody>
+      </p:sp>
+      <p:sp>
+        <p:nvSpPr>
+          <p:cNvPr id="3" name="Content Placeholder 2">
+            <a:extLst>
+              <a:ext uri="{FF2B5EF4-FFF2-40B4-BE49-F238E27FC236}">
+                <a16:creationId xmlns:a16="http://schemas.microsoft.com/office/drawing/2014/main" id="{2CA6B673-0CC3-B715-8542-9C3E648CCA4A}"/>
+              </a:ext>
+            </a:extLst>
+          </p:cNvPr>
+          <p:cNvSpPr>
+            <a:spLocks noGrp="1"/>
+          </p:cNvSpPr>
+          <p:nvPr>
+            <p:ph idx="1"/>
+          </p:nvPr>
+        </p:nvSpPr>
+        <p:spPr>
+          <a:xfrm>
+            <a:off x="490220" y="836452"/>
+            <a:ext cx="2649220" cy="4800600"/>
+          </a:xfrm>
+        </p:spPr>
+        <p:txBody>
+          <a:bodyPr/>
+          <a:lstStyle/>
+          <a:p>
+            <a:pPr marL="0" indent="0">
+              <a:buNone/>
+            </a:pPr>
+            <a:r>
+              <a:rPr lang="en-US" sz="2800" b="1" dirty="0"/>
+              <a:t>Model used for testing:</a:t>
+            </a:r>
+          </a:p>
+        </p:txBody>
+      </p:sp>
+      <p:sp>
+        <p:nvSpPr>
+          <p:cNvPr id="5" name="TextBox 4">
+            <a:extLst>
+              <a:ext uri="{FF2B5EF4-FFF2-40B4-BE49-F238E27FC236}">
+                <a16:creationId xmlns:a16="http://schemas.microsoft.com/office/drawing/2014/main" id="{816F9CAE-F4F5-AB23-9E30-A8B33B6B967D}"/>
+              </a:ext>
+            </a:extLst>
+          </p:cNvPr>
+          <p:cNvSpPr txBox="1"/>
+          <p:nvPr/>
+        </p:nvSpPr>
+        <p:spPr>
+          <a:xfrm>
+            <a:off x="2644836" y="768478"/>
+            <a:ext cx="6407726" cy="1631216"/>
+          </a:xfrm>
+          <a:prstGeom prst="rect">
+            <a:avLst/>
+          </a:prstGeom>
+          <a:solidFill>
+            <a:schemeClr val="tx1"/>
+          </a:solidFill>
+        </p:spPr>
+        <p:txBody>
+          <a:bodyPr wrap="square">
+            <a:spAutoFit/>
+          </a:bodyPr>
+          <a:lstStyle/>
+          <a:p>
+            <a:r>
+              <a:rPr lang="en-US" sz="1200" b="0" dirty="0">
+                <a:solidFill>
+                  <a:srgbClr val="9CDCFE"/>
+                </a:solidFill>
+                <a:effectLst/>
+                <a:latin typeface="Consolas" panose="020B0609020204030204" pitchFamily="49" charset="0"/>
+              </a:rPr>
+              <a:t>model</a:t>
+            </a:r>
+            <a:r>
+              <a:rPr lang="en-US" sz="1200" b="0" dirty="0">
+                <a:solidFill>
+                  <a:srgbClr val="D4D4D4"/>
+                </a:solidFill>
+                <a:effectLst/>
+                <a:latin typeface="Consolas" panose="020B0609020204030204" pitchFamily="49" charset="0"/>
+              </a:rPr>
+              <a:t> = Sequential([Conv2D(</a:t>
+            </a:r>
+            <a:r>
+              <a:rPr lang="en-US" sz="1200" dirty="0">
+                <a:solidFill>
+                  <a:srgbClr val="B5CEA8"/>
+                </a:solidFill>
+                <a:latin typeface="Consolas" panose="020B0609020204030204" pitchFamily="49" charset="0"/>
+              </a:rPr>
+              <a:t>32</a:t>
+            </a:r>
+            <a:r>
+              <a:rPr lang="en-US" sz="1200" b="0" dirty="0">
+                <a:solidFill>
+                  <a:srgbClr val="D4D4D4"/>
+                </a:solidFill>
+                <a:effectLst/>
+                <a:latin typeface="Consolas" panose="020B0609020204030204" pitchFamily="49" charset="0"/>
+              </a:rPr>
+              <a:t>, (</a:t>
+            </a:r>
+            <a:r>
+              <a:rPr lang="en-US" sz="1200" b="0" dirty="0">
+                <a:solidFill>
+                  <a:srgbClr val="B5CEA8"/>
+                </a:solidFill>
+                <a:effectLst/>
+                <a:latin typeface="Consolas" panose="020B0609020204030204" pitchFamily="49" charset="0"/>
+              </a:rPr>
+              <a:t>3</a:t>
+            </a:r>
+            <a:r>
+              <a:rPr lang="en-US" sz="1200" b="0" dirty="0">
+                <a:solidFill>
+                  <a:srgbClr val="D4D4D4"/>
+                </a:solidFill>
+                <a:effectLst/>
+                <a:latin typeface="Consolas" panose="020B0609020204030204" pitchFamily="49" charset="0"/>
+              </a:rPr>
+              <a:t>, </a:t>
+            </a:r>
+            <a:r>
+              <a:rPr lang="en-US" sz="1200" b="0" dirty="0">
+                <a:solidFill>
+                  <a:srgbClr val="B5CEA8"/>
+                </a:solidFill>
+                <a:effectLst/>
+                <a:latin typeface="Consolas" panose="020B0609020204030204" pitchFamily="49" charset="0"/>
+              </a:rPr>
+              <a:t>3</a:t>
+            </a:r>
+            <a:r>
+              <a:rPr lang="en-US" sz="1200" b="0" dirty="0">
+                <a:solidFill>
+                  <a:srgbClr val="D4D4D4"/>
+                </a:solidFill>
+                <a:effectLst/>
+                <a:latin typeface="Consolas" panose="020B0609020204030204" pitchFamily="49" charset="0"/>
+              </a:rPr>
+              <a:t>), </a:t>
+            </a:r>
+            <a:r>
+              <a:rPr lang="en-US" sz="1200" b="0" dirty="0">
+                <a:solidFill>
+                  <a:srgbClr val="9CDCFE"/>
+                </a:solidFill>
+                <a:effectLst/>
+                <a:latin typeface="Consolas" panose="020B0609020204030204" pitchFamily="49" charset="0"/>
+              </a:rPr>
+              <a:t>activation</a:t>
+            </a:r>
+            <a:r>
+              <a:rPr lang="en-US" sz="1200" b="0" dirty="0">
+                <a:solidFill>
+                  <a:srgbClr val="D4D4D4"/>
+                </a:solidFill>
+                <a:effectLst/>
+                <a:latin typeface="Consolas" panose="020B0609020204030204" pitchFamily="49" charset="0"/>
+              </a:rPr>
+              <a:t>=</a:t>
+            </a:r>
+            <a:r>
+              <a:rPr lang="en-US" sz="1200" b="0" dirty="0">
+                <a:solidFill>
+                  <a:srgbClr val="CE9178"/>
+                </a:solidFill>
+                <a:effectLst/>
+                <a:latin typeface="Consolas" panose="020B0609020204030204" pitchFamily="49" charset="0"/>
+              </a:rPr>
+              <a:t>'</a:t>
+            </a:r>
+            <a:r>
+              <a:rPr lang="en-US" sz="1200" b="0" dirty="0" err="1">
+                <a:solidFill>
+                  <a:srgbClr val="CE9178"/>
+                </a:solidFill>
+                <a:effectLst/>
+                <a:latin typeface="Consolas" panose="020B0609020204030204" pitchFamily="49" charset="0"/>
+              </a:rPr>
+              <a:t>relu</a:t>
+            </a:r>
+            <a:r>
+              <a:rPr lang="en-US" sz="1200" b="0" dirty="0">
+                <a:solidFill>
+                  <a:srgbClr val="CE9178"/>
+                </a:solidFill>
+                <a:effectLst/>
+                <a:latin typeface="Consolas" panose="020B0609020204030204" pitchFamily="49" charset="0"/>
+              </a:rPr>
+              <a:t>'</a:t>
+            </a:r>
+            <a:r>
+              <a:rPr lang="en-US" sz="1200" b="0" dirty="0">
+                <a:solidFill>
+                  <a:srgbClr val="D4D4D4"/>
+                </a:solidFill>
+                <a:effectLst/>
+                <a:latin typeface="Consolas" panose="020B0609020204030204" pitchFamily="49" charset="0"/>
+              </a:rPr>
+              <a:t>),</a:t>
+            </a:r>
+          </a:p>
+          <a:p>
+            <a:r>
+              <a:rPr lang="en-US" sz="1200" b="0" dirty="0">
+                <a:solidFill>
+                  <a:srgbClr val="D4D4D4"/>
+                </a:solidFill>
+                <a:effectLst/>
+                <a:latin typeface="Consolas" panose="020B0609020204030204" pitchFamily="49" charset="0"/>
+              </a:rPr>
+              <a:t>                        MaxPooling2D((</a:t>
+            </a:r>
+            <a:r>
+              <a:rPr lang="en-US" sz="1200" b="0" dirty="0">
+                <a:solidFill>
+                  <a:srgbClr val="B5CEA8"/>
+                </a:solidFill>
+                <a:effectLst/>
+                <a:latin typeface="Consolas" panose="020B0609020204030204" pitchFamily="49" charset="0"/>
+              </a:rPr>
+              <a:t>2</a:t>
+            </a:r>
+            <a:r>
+              <a:rPr lang="en-US" sz="1200" b="0" dirty="0">
+                <a:solidFill>
+                  <a:srgbClr val="D4D4D4"/>
+                </a:solidFill>
+                <a:effectLst/>
+                <a:latin typeface="Consolas" panose="020B0609020204030204" pitchFamily="49" charset="0"/>
+              </a:rPr>
+              <a:t>, </a:t>
+            </a:r>
+            <a:r>
+              <a:rPr lang="en-US" sz="1200" b="0" dirty="0">
+                <a:solidFill>
+                  <a:srgbClr val="B5CEA8"/>
+                </a:solidFill>
+                <a:effectLst/>
+                <a:latin typeface="Consolas" panose="020B0609020204030204" pitchFamily="49" charset="0"/>
+              </a:rPr>
+              <a:t>2</a:t>
+            </a:r>
+            <a:r>
+              <a:rPr lang="en-US" sz="1200" b="0" dirty="0">
+                <a:solidFill>
+                  <a:srgbClr val="D4D4D4"/>
+                </a:solidFill>
+                <a:effectLst/>
+                <a:latin typeface="Consolas" panose="020B0609020204030204" pitchFamily="49" charset="0"/>
+              </a:rPr>
+              <a:t>)),                            </a:t>
+            </a:r>
+          </a:p>
+          <a:p>
+            <a:r>
+              <a:rPr lang="en-US" sz="1200" b="0" dirty="0">
+                <a:solidFill>
+                  <a:srgbClr val="D4D4D4"/>
+                </a:solidFill>
+                <a:effectLst/>
+                <a:latin typeface="Consolas" panose="020B0609020204030204" pitchFamily="49" charset="0"/>
+              </a:rPr>
+              <a:t>                        Conv2D(</a:t>
+            </a:r>
+            <a:r>
+              <a:rPr lang="en-US" sz="1200" b="0" dirty="0">
+                <a:solidFill>
+                  <a:srgbClr val="B5CEA8"/>
+                </a:solidFill>
+                <a:effectLst/>
+                <a:latin typeface="Consolas" panose="020B0609020204030204" pitchFamily="49" charset="0"/>
+              </a:rPr>
+              <a:t>64</a:t>
+            </a:r>
+            <a:r>
+              <a:rPr lang="en-US" sz="1200" b="0" dirty="0">
+                <a:solidFill>
+                  <a:srgbClr val="D4D4D4"/>
+                </a:solidFill>
+                <a:effectLst/>
+                <a:latin typeface="Consolas" panose="020B0609020204030204" pitchFamily="49" charset="0"/>
+              </a:rPr>
+              <a:t>, (</a:t>
+            </a:r>
+            <a:r>
+              <a:rPr lang="en-US" sz="1200" b="0" dirty="0">
+                <a:solidFill>
+                  <a:srgbClr val="B5CEA8"/>
+                </a:solidFill>
+                <a:effectLst/>
+                <a:latin typeface="Consolas" panose="020B0609020204030204" pitchFamily="49" charset="0"/>
+              </a:rPr>
+              <a:t>3</a:t>
+            </a:r>
+            <a:r>
+              <a:rPr lang="en-US" sz="1200" b="0" dirty="0">
+                <a:solidFill>
+                  <a:srgbClr val="D4D4D4"/>
+                </a:solidFill>
+                <a:effectLst/>
+                <a:latin typeface="Consolas" panose="020B0609020204030204" pitchFamily="49" charset="0"/>
+              </a:rPr>
+              <a:t>, </a:t>
+            </a:r>
+            <a:r>
+              <a:rPr lang="en-US" sz="1200" b="0" dirty="0">
+                <a:solidFill>
+                  <a:srgbClr val="B5CEA8"/>
+                </a:solidFill>
+                <a:effectLst/>
+                <a:latin typeface="Consolas" panose="020B0609020204030204" pitchFamily="49" charset="0"/>
+              </a:rPr>
+              <a:t>3</a:t>
+            </a:r>
+            <a:r>
+              <a:rPr lang="en-US" sz="1200" b="0" dirty="0">
+                <a:solidFill>
+                  <a:srgbClr val="D4D4D4"/>
+                </a:solidFill>
+                <a:effectLst/>
+                <a:latin typeface="Consolas" panose="020B0609020204030204" pitchFamily="49" charset="0"/>
+              </a:rPr>
+              <a:t>), </a:t>
+            </a:r>
+            <a:r>
+              <a:rPr lang="en-US" sz="1200" b="0" dirty="0">
+                <a:solidFill>
+                  <a:srgbClr val="9CDCFE"/>
+                </a:solidFill>
+                <a:effectLst/>
+                <a:latin typeface="Consolas" panose="020B0609020204030204" pitchFamily="49" charset="0"/>
+              </a:rPr>
+              <a:t>activation</a:t>
+            </a:r>
+            <a:r>
+              <a:rPr lang="en-US" sz="1200" b="0" dirty="0">
+                <a:solidFill>
+                  <a:srgbClr val="D4D4D4"/>
+                </a:solidFill>
+                <a:effectLst/>
+                <a:latin typeface="Consolas" panose="020B0609020204030204" pitchFamily="49" charset="0"/>
+              </a:rPr>
+              <a:t>=</a:t>
+            </a:r>
+            <a:r>
+              <a:rPr lang="en-US" sz="1200" b="0" dirty="0">
+                <a:solidFill>
+                  <a:srgbClr val="CE9178"/>
+                </a:solidFill>
+                <a:effectLst/>
+                <a:latin typeface="Consolas" panose="020B0609020204030204" pitchFamily="49" charset="0"/>
+              </a:rPr>
+              <a:t>'</a:t>
+            </a:r>
+            <a:r>
+              <a:rPr lang="en-US" sz="1200" b="0" dirty="0" err="1">
+                <a:solidFill>
+                  <a:srgbClr val="CE9178"/>
+                </a:solidFill>
+                <a:effectLst/>
+                <a:latin typeface="Consolas" panose="020B0609020204030204" pitchFamily="49" charset="0"/>
+              </a:rPr>
+              <a:t>relu</a:t>
+            </a:r>
+            <a:r>
+              <a:rPr lang="en-US" sz="1200" b="0" dirty="0">
+                <a:solidFill>
+                  <a:srgbClr val="CE9178"/>
+                </a:solidFill>
+                <a:effectLst/>
+                <a:latin typeface="Consolas" panose="020B0609020204030204" pitchFamily="49" charset="0"/>
+              </a:rPr>
+              <a:t>'</a:t>
+            </a:r>
+            <a:r>
+              <a:rPr lang="en-US" sz="1200" b="0" dirty="0">
+                <a:solidFill>
+                  <a:srgbClr val="D4D4D4"/>
+                </a:solidFill>
+                <a:effectLst/>
+                <a:latin typeface="Consolas" panose="020B0609020204030204" pitchFamily="49" charset="0"/>
+              </a:rPr>
+              <a:t>),</a:t>
+            </a:r>
+          </a:p>
+          <a:p>
+            <a:r>
+              <a:rPr lang="en-US" sz="1200" b="0" dirty="0">
+                <a:solidFill>
+                  <a:srgbClr val="D4D4D4"/>
+                </a:solidFill>
+                <a:effectLst/>
+                <a:latin typeface="Consolas" panose="020B0609020204030204" pitchFamily="49" charset="0"/>
+              </a:rPr>
+              <a:t>                        MaxPooling2D((</a:t>
+            </a:r>
+            <a:r>
+              <a:rPr lang="en-US" sz="1200" b="0" dirty="0">
+                <a:solidFill>
+                  <a:srgbClr val="B5CEA8"/>
+                </a:solidFill>
+                <a:effectLst/>
+                <a:latin typeface="Consolas" panose="020B0609020204030204" pitchFamily="49" charset="0"/>
+              </a:rPr>
+              <a:t>2</a:t>
+            </a:r>
+            <a:r>
+              <a:rPr lang="en-US" sz="1200" b="0" dirty="0">
+                <a:solidFill>
+                  <a:srgbClr val="D4D4D4"/>
+                </a:solidFill>
+                <a:effectLst/>
+                <a:latin typeface="Consolas" panose="020B0609020204030204" pitchFamily="49" charset="0"/>
+              </a:rPr>
+              <a:t>, </a:t>
+            </a:r>
+            <a:r>
+              <a:rPr lang="en-US" sz="1200" b="0" dirty="0">
+                <a:solidFill>
+                  <a:srgbClr val="B5CEA8"/>
+                </a:solidFill>
+                <a:effectLst/>
+                <a:latin typeface="Consolas" panose="020B0609020204030204" pitchFamily="49" charset="0"/>
+              </a:rPr>
+              <a:t>2</a:t>
+            </a:r>
+            <a:r>
+              <a:rPr lang="en-US" sz="1200" b="0" dirty="0">
+                <a:solidFill>
+                  <a:srgbClr val="D4D4D4"/>
+                </a:solidFill>
+                <a:effectLst/>
+                <a:latin typeface="Consolas" panose="020B0609020204030204" pitchFamily="49" charset="0"/>
+              </a:rPr>
+              <a:t>)),                            </a:t>
+            </a:r>
+          </a:p>
+          <a:p>
+            <a:r>
+              <a:rPr lang="en-US" sz="1200" b="0" dirty="0">
+                <a:solidFill>
+                  <a:srgbClr val="D4D4D4"/>
+                </a:solidFill>
+                <a:effectLst/>
+                <a:latin typeface="Consolas" panose="020B0609020204030204" pitchFamily="49" charset="0"/>
+              </a:rPr>
+              <a:t>                        Conv2D(</a:t>
+            </a:r>
+            <a:r>
+              <a:rPr lang="en-US" sz="1200" b="0" dirty="0">
+                <a:solidFill>
+                  <a:srgbClr val="B5CEA8"/>
+                </a:solidFill>
+                <a:effectLst/>
+                <a:latin typeface="Consolas" panose="020B0609020204030204" pitchFamily="49" charset="0"/>
+              </a:rPr>
+              <a:t>64</a:t>
+            </a:r>
+            <a:r>
+              <a:rPr lang="en-US" sz="1200" b="0" dirty="0">
+                <a:solidFill>
+                  <a:srgbClr val="D4D4D4"/>
+                </a:solidFill>
+                <a:effectLst/>
+                <a:latin typeface="Consolas" panose="020B0609020204030204" pitchFamily="49" charset="0"/>
+              </a:rPr>
+              <a:t>, (</a:t>
+            </a:r>
+            <a:r>
+              <a:rPr lang="en-US" sz="1200" b="0" dirty="0">
+                <a:solidFill>
+                  <a:srgbClr val="B5CEA8"/>
+                </a:solidFill>
+                <a:effectLst/>
+                <a:latin typeface="Consolas" panose="020B0609020204030204" pitchFamily="49" charset="0"/>
+              </a:rPr>
+              <a:t>3</a:t>
+            </a:r>
+            <a:r>
+              <a:rPr lang="en-US" sz="1200" b="0" dirty="0">
+                <a:solidFill>
+                  <a:srgbClr val="D4D4D4"/>
+                </a:solidFill>
+                <a:effectLst/>
+                <a:latin typeface="Consolas" panose="020B0609020204030204" pitchFamily="49" charset="0"/>
+              </a:rPr>
+              <a:t>, </a:t>
+            </a:r>
+            <a:r>
+              <a:rPr lang="en-US" sz="1200" b="0" dirty="0">
+                <a:solidFill>
+                  <a:srgbClr val="B5CEA8"/>
+                </a:solidFill>
+                <a:effectLst/>
+                <a:latin typeface="Consolas" panose="020B0609020204030204" pitchFamily="49" charset="0"/>
+              </a:rPr>
+              <a:t>3</a:t>
+            </a:r>
+            <a:r>
+              <a:rPr lang="en-US" sz="1200" b="0" dirty="0">
+                <a:solidFill>
+                  <a:srgbClr val="D4D4D4"/>
+                </a:solidFill>
+                <a:effectLst/>
+                <a:latin typeface="Consolas" panose="020B0609020204030204" pitchFamily="49" charset="0"/>
+              </a:rPr>
+              <a:t>), </a:t>
+            </a:r>
+            <a:r>
+              <a:rPr lang="en-US" sz="1200" b="0" dirty="0">
+                <a:solidFill>
+                  <a:srgbClr val="9CDCFE"/>
+                </a:solidFill>
+                <a:effectLst/>
+                <a:latin typeface="Consolas" panose="020B0609020204030204" pitchFamily="49" charset="0"/>
+              </a:rPr>
+              <a:t>activation</a:t>
+            </a:r>
+            <a:r>
+              <a:rPr lang="en-US" sz="1200" b="0" dirty="0">
+                <a:solidFill>
+                  <a:srgbClr val="D4D4D4"/>
+                </a:solidFill>
+                <a:effectLst/>
+                <a:latin typeface="Consolas" panose="020B0609020204030204" pitchFamily="49" charset="0"/>
+              </a:rPr>
+              <a:t>=</a:t>
+            </a:r>
+            <a:r>
+              <a:rPr lang="en-US" sz="1200" b="0" dirty="0">
+                <a:solidFill>
+                  <a:srgbClr val="CE9178"/>
+                </a:solidFill>
+                <a:effectLst/>
+                <a:latin typeface="Consolas" panose="020B0609020204030204" pitchFamily="49" charset="0"/>
+              </a:rPr>
+              <a:t>'</a:t>
+            </a:r>
+            <a:r>
+              <a:rPr lang="en-US" sz="1200" b="0" dirty="0" err="1">
+                <a:solidFill>
+                  <a:srgbClr val="CE9178"/>
+                </a:solidFill>
+                <a:effectLst/>
+                <a:latin typeface="Consolas" panose="020B0609020204030204" pitchFamily="49" charset="0"/>
+              </a:rPr>
+              <a:t>relu</a:t>
+            </a:r>
+            <a:r>
+              <a:rPr lang="en-US" sz="1200" b="0" dirty="0">
+                <a:solidFill>
+                  <a:srgbClr val="CE9178"/>
+                </a:solidFill>
+                <a:effectLst/>
+                <a:latin typeface="Consolas" panose="020B0609020204030204" pitchFamily="49" charset="0"/>
+              </a:rPr>
+              <a:t>'</a:t>
+            </a:r>
+            <a:r>
+              <a:rPr lang="en-US" sz="1200" b="0" dirty="0">
+                <a:solidFill>
+                  <a:srgbClr val="D4D4D4"/>
+                </a:solidFill>
+                <a:effectLst/>
+                <a:latin typeface="Consolas" panose="020B0609020204030204" pitchFamily="49" charset="0"/>
+              </a:rPr>
+              <a:t>),</a:t>
+            </a:r>
+          </a:p>
+          <a:p>
+            <a:r>
+              <a:rPr lang="en-US" sz="1200" b="0" dirty="0">
+                <a:solidFill>
+                  <a:srgbClr val="D4D4D4"/>
+                </a:solidFill>
+                <a:effectLst/>
+                <a:latin typeface="Consolas" panose="020B0609020204030204" pitchFamily="49" charset="0"/>
+              </a:rPr>
+              <a:t>                        Flatten(),</a:t>
+            </a:r>
+          </a:p>
+          <a:p>
+            <a:r>
+              <a:rPr lang="en-US" sz="1200" b="0" dirty="0">
+                <a:solidFill>
+                  <a:srgbClr val="D4D4D4"/>
+                </a:solidFill>
+                <a:effectLst/>
+                <a:latin typeface="Consolas" panose="020B0609020204030204" pitchFamily="49" charset="0"/>
+              </a:rPr>
+              <a:t>                        Dense(</a:t>
+            </a:r>
+            <a:r>
+              <a:rPr lang="en-US" sz="1200" b="0" dirty="0">
+                <a:solidFill>
+                  <a:srgbClr val="B5CEA8"/>
+                </a:solidFill>
+                <a:effectLst/>
+                <a:latin typeface="Consolas" panose="020B0609020204030204" pitchFamily="49" charset="0"/>
+              </a:rPr>
+              <a:t>64</a:t>
+            </a:r>
+            <a:r>
+              <a:rPr lang="en-US" sz="1200" b="0" dirty="0">
+                <a:solidFill>
+                  <a:srgbClr val="D4D4D4"/>
+                </a:solidFill>
+                <a:effectLst/>
+                <a:latin typeface="Consolas" panose="020B0609020204030204" pitchFamily="49" charset="0"/>
+              </a:rPr>
+              <a:t>, </a:t>
+            </a:r>
+            <a:r>
+              <a:rPr lang="en-US" sz="1200" b="0" dirty="0">
+                <a:solidFill>
+                  <a:srgbClr val="9CDCFE"/>
+                </a:solidFill>
+                <a:effectLst/>
+                <a:latin typeface="Consolas" panose="020B0609020204030204" pitchFamily="49" charset="0"/>
+              </a:rPr>
+              <a:t>activation</a:t>
+            </a:r>
+            <a:r>
+              <a:rPr lang="en-US" sz="1200" b="0" dirty="0">
+                <a:solidFill>
+                  <a:srgbClr val="D4D4D4"/>
+                </a:solidFill>
+                <a:effectLst/>
+                <a:latin typeface="Consolas" panose="020B0609020204030204" pitchFamily="49" charset="0"/>
+              </a:rPr>
+              <a:t>=</a:t>
+            </a:r>
+            <a:r>
+              <a:rPr lang="en-US" sz="1200" b="0" dirty="0">
+                <a:solidFill>
+                  <a:srgbClr val="CE9178"/>
+                </a:solidFill>
+                <a:effectLst/>
+                <a:latin typeface="Consolas" panose="020B0609020204030204" pitchFamily="49" charset="0"/>
+              </a:rPr>
+              <a:t>'</a:t>
+            </a:r>
+            <a:r>
+              <a:rPr lang="en-US" sz="1200" b="0" dirty="0" err="1">
+                <a:solidFill>
+                  <a:srgbClr val="CE9178"/>
+                </a:solidFill>
+                <a:effectLst/>
+                <a:latin typeface="Consolas" panose="020B0609020204030204" pitchFamily="49" charset="0"/>
+              </a:rPr>
+              <a:t>relu</a:t>
+            </a:r>
+            <a:r>
+              <a:rPr lang="en-US" sz="1200" b="0" dirty="0">
+                <a:solidFill>
+                  <a:srgbClr val="CE9178"/>
+                </a:solidFill>
+                <a:effectLst/>
+                <a:latin typeface="Consolas" panose="020B0609020204030204" pitchFamily="49" charset="0"/>
+              </a:rPr>
+              <a:t>'</a:t>
+            </a:r>
+            <a:r>
+              <a:rPr lang="en-US" sz="1200" b="0" dirty="0">
+                <a:solidFill>
+                  <a:srgbClr val="D4D4D4"/>
+                </a:solidFill>
+                <a:effectLst/>
+                <a:latin typeface="Consolas" panose="020B0609020204030204" pitchFamily="49" charset="0"/>
+              </a:rPr>
+              <a:t>),</a:t>
+            </a:r>
+          </a:p>
+          <a:p>
+            <a:r>
+              <a:rPr lang="en-US" sz="1200" b="0" dirty="0">
+                <a:solidFill>
+                  <a:srgbClr val="D4D4D4"/>
+                </a:solidFill>
+                <a:effectLst/>
+                <a:latin typeface="Consolas" panose="020B0609020204030204" pitchFamily="49" charset="0"/>
+              </a:rPr>
+              <a:t>                        </a:t>
+            </a:r>
+            <a:r>
+              <a:rPr lang="en-US" sz="1200" b="0" dirty="0" err="1">
+                <a:solidFill>
+                  <a:srgbClr val="4EC9B0"/>
+                </a:solidFill>
+                <a:effectLst/>
+                <a:latin typeface="Consolas" panose="020B0609020204030204" pitchFamily="49" charset="0"/>
+              </a:rPr>
+              <a:t>TropEmbedMaxMinLogits</a:t>
+            </a:r>
+            <a:r>
+              <a:rPr lang="en-US" sz="1200" b="0" dirty="0">
+                <a:solidFill>
+                  <a:srgbClr val="D4D4D4"/>
+                </a:solidFill>
+                <a:effectLst/>
+                <a:latin typeface="Consolas" panose="020B0609020204030204" pitchFamily="49" charset="0"/>
+              </a:rPr>
+              <a:t>(</a:t>
+            </a:r>
+            <a:r>
+              <a:rPr lang="en-US" sz="1200" b="0" dirty="0">
+                <a:solidFill>
+                  <a:srgbClr val="B5CEA8"/>
+                </a:solidFill>
+                <a:effectLst/>
+                <a:latin typeface="Consolas" panose="020B0609020204030204" pitchFamily="49" charset="0"/>
+              </a:rPr>
+              <a:t>10</a:t>
+            </a:r>
+            <a:r>
+              <a:rPr lang="en-US" sz="1200" b="0" dirty="0">
+                <a:solidFill>
+                  <a:srgbClr val="D4D4D4"/>
+                </a:solidFill>
+                <a:effectLst/>
+                <a:latin typeface="Consolas" panose="020B0609020204030204" pitchFamily="49" charset="0"/>
+              </a:rPr>
+              <a:t>)])</a:t>
+            </a:r>
+          </a:p>
+        </p:txBody>
+      </p:sp>
+      <p:pic>
+        <p:nvPicPr>
+          <p:cNvPr id="11" name="Picture 10">
+            <a:extLst>
+              <a:ext uri="{FF2B5EF4-FFF2-40B4-BE49-F238E27FC236}">
+                <a16:creationId xmlns:a16="http://schemas.microsoft.com/office/drawing/2014/main" id="{985D68CC-693A-D34D-0FAB-CBBCE4D8C4E5}"/>
+              </a:ext>
+            </a:extLst>
+          </p:cNvPr>
+          <p:cNvPicPr>
+            <a:picLocks noChangeAspect="1"/>
+          </p:cNvPicPr>
+          <p:nvPr/>
+        </p:nvPicPr>
+        <p:blipFill>
+          <a:blip r:embed="rId2"/>
+          <a:stretch>
+            <a:fillRect/>
+          </a:stretch>
+        </p:blipFill>
+        <p:spPr>
+          <a:xfrm>
+            <a:off x="1726708" y="3197548"/>
+            <a:ext cx="3671981" cy="3657600"/>
+          </a:xfrm>
+          <a:prstGeom prst="rect">
+            <a:avLst/>
+          </a:prstGeom>
+        </p:spPr>
+      </p:pic>
+      <p:pic>
+        <p:nvPicPr>
+          <p:cNvPr id="13" name="Picture 12">
+            <a:extLst>
+              <a:ext uri="{FF2B5EF4-FFF2-40B4-BE49-F238E27FC236}">
+                <a16:creationId xmlns:a16="http://schemas.microsoft.com/office/drawing/2014/main" id="{B89FEDCF-F689-3DD6-1329-8F860A7C0805}"/>
+              </a:ext>
+            </a:extLst>
+          </p:cNvPr>
+          <p:cNvPicPr>
+            <a:picLocks noChangeAspect="1"/>
+          </p:cNvPicPr>
+          <p:nvPr/>
+        </p:nvPicPr>
+        <p:blipFill>
+          <a:blip r:embed="rId3"/>
+          <a:stretch>
+            <a:fillRect/>
+          </a:stretch>
+        </p:blipFill>
+        <p:spPr>
+          <a:xfrm>
+            <a:off x="7571361" y="3197548"/>
+            <a:ext cx="3715124" cy="3657600"/>
+          </a:xfrm>
+          <a:prstGeom prst="rect">
+            <a:avLst/>
+          </a:prstGeom>
+        </p:spPr>
+      </p:pic>
+      <p:sp>
+        <p:nvSpPr>
+          <p:cNvPr id="14" name="Content Placeholder 2">
+            <a:extLst>
+              <a:ext uri="{FF2B5EF4-FFF2-40B4-BE49-F238E27FC236}">
+                <a16:creationId xmlns:a16="http://schemas.microsoft.com/office/drawing/2014/main" id="{BC30714D-F8B5-B7F9-50DD-BAB561318F41}"/>
+              </a:ext>
+            </a:extLst>
+          </p:cNvPr>
+          <p:cNvSpPr txBox="1">
+            <a:spLocks/>
+          </p:cNvSpPr>
+          <p:nvPr/>
+        </p:nvSpPr>
+        <p:spPr bwMode="auto">
+          <a:xfrm>
+            <a:off x="1993225" y="2399694"/>
+            <a:ext cx="3778844" cy="959016"/>
+          </a:xfrm>
+          <a:prstGeom prst="rect">
+            <a:avLst/>
+          </a:prstGeom>
+          <a:noFill/>
+          <a:ln>
+            <a:noFill/>
+          </a:ln>
+          <a:extLst>
+            <a:ext uri="{909E8E84-426E-40DD-AFC4-6F175D3DCCD1}">
+              <a14:hiddenFill xmlns:a14="http://schemas.microsoft.com/office/drawing/2010/main">
+                <a:solidFill>
+                  <a:srgbClr val="FFFFFF"/>
+                </a:solidFill>
+              </a14:hiddenFill>
+            </a:ext>
+            <a:ext uri="{91240B29-F687-4F45-9708-019B960494DF}">
+              <a14:hiddenLine xmlns:a14="http://schemas.microsoft.com/office/drawing/2010/main" w="9525">
+                <a:solidFill>
+                  <a:srgbClr val="000000"/>
+                </a:solidFill>
+                <a:miter lim="800000"/>
+                <a:headEnd/>
+                <a:tailEnd/>
+              </a14:hiddenLine>
+            </a:ext>
+          </a:extLst>
+        </p:spPr>
+        <p:txBody>
+          <a:bodyPr vert="horz" wrap="square" lIns="91440" tIns="45720" rIns="91440" bIns="45720" numCol="1" anchor="t" anchorCtr="0" compatLnSpc="1">
+            <a:prstTxWarp prst="textNoShape">
+              <a:avLst/>
+            </a:prstTxWarp>
+          </a:bodyPr>
+          <a:lstStyle>
+            <a:lvl1pPr marL="457189" indent="-457189" algn="l" rtl="0" eaLnBrk="1" fontAlgn="base" hangingPunct="1">
+              <a:spcBef>
+                <a:spcPct val="20000"/>
+              </a:spcBef>
+              <a:spcAft>
+                <a:spcPct val="0"/>
+              </a:spcAft>
+              <a:buChar char="•"/>
+              <a:defRPr sz="4267">
+                <a:solidFill>
+                  <a:schemeClr val="tx1"/>
+                </a:solidFill>
+                <a:latin typeface="+mn-lt"/>
+                <a:ea typeface="+mn-ea"/>
+                <a:cs typeface="+mn-cs"/>
+              </a:defRPr>
+            </a:lvl1pPr>
+            <a:lvl2pPr marL="990575" indent="-380990" algn="l" rtl="0" eaLnBrk="1" fontAlgn="base" hangingPunct="1">
+              <a:spcBef>
+                <a:spcPct val="20000"/>
+              </a:spcBef>
+              <a:spcAft>
+                <a:spcPct val="0"/>
+              </a:spcAft>
+              <a:buChar char="–"/>
+              <a:defRPr sz="3733">
+                <a:solidFill>
+                  <a:schemeClr val="tx1"/>
+                </a:solidFill>
+                <a:latin typeface="+mn-lt"/>
+              </a:defRPr>
+            </a:lvl2pPr>
+            <a:lvl3pPr marL="1523962" indent="-304792" algn="l" rtl="0" eaLnBrk="1" fontAlgn="base" hangingPunct="1">
+              <a:spcBef>
+                <a:spcPct val="20000"/>
+              </a:spcBef>
+              <a:spcAft>
+                <a:spcPct val="0"/>
+              </a:spcAft>
+              <a:buChar char="•"/>
+              <a:defRPr sz="3200">
+                <a:solidFill>
+                  <a:schemeClr val="tx1"/>
+                </a:solidFill>
+                <a:latin typeface="+mn-lt"/>
+              </a:defRPr>
+            </a:lvl3pPr>
+            <a:lvl4pPr marL="2133547" indent="-304792" algn="l" rtl="0" eaLnBrk="1" fontAlgn="base" hangingPunct="1">
+              <a:spcBef>
+                <a:spcPct val="20000"/>
+              </a:spcBef>
+              <a:spcAft>
+                <a:spcPct val="0"/>
+              </a:spcAft>
+              <a:buChar char="–"/>
+              <a:defRPr sz="2667">
+                <a:solidFill>
+                  <a:schemeClr val="tx1"/>
+                </a:solidFill>
+                <a:latin typeface="+mn-lt"/>
+              </a:defRPr>
+            </a:lvl4pPr>
+            <a:lvl5pPr marL="2743131" indent="-304792" algn="l" rtl="0" eaLnBrk="1" fontAlgn="base" hangingPunct="1">
+              <a:spcBef>
+                <a:spcPct val="20000"/>
+              </a:spcBef>
+              <a:spcAft>
+                <a:spcPct val="0"/>
+              </a:spcAft>
+              <a:buChar char="»"/>
+              <a:defRPr sz="2667">
+                <a:solidFill>
+                  <a:schemeClr val="tx1"/>
+                </a:solidFill>
+                <a:latin typeface="+mn-lt"/>
+              </a:defRPr>
+            </a:lvl5pPr>
+            <a:lvl6pPr marL="3352716" indent="-304792" algn="l" rtl="0" eaLnBrk="1" fontAlgn="base" hangingPunct="1">
+              <a:spcBef>
+                <a:spcPct val="20000"/>
+              </a:spcBef>
+              <a:spcAft>
+                <a:spcPct val="0"/>
+              </a:spcAft>
+              <a:buChar char="»"/>
+              <a:defRPr sz="2667">
+                <a:solidFill>
+                  <a:schemeClr val="tx1"/>
+                </a:solidFill>
+                <a:latin typeface="+mn-lt"/>
+              </a:defRPr>
+            </a:lvl6pPr>
+            <a:lvl7pPr marL="3962301" indent="-304792" algn="l" rtl="0" eaLnBrk="1" fontAlgn="base" hangingPunct="1">
+              <a:spcBef>
+                <a:spcPct val="20000"/>
+              </a:spcBef>
+              <a:spcAft>
+                <a:spcPct val="0"/>
+              </a:spcAft>
+              <a:buChar char="»"/>
+              <a:defRPr sz="2667">
+                <a:solidFill>
+                  <a:schemeClr val="tx1"/>
+                </a:solidFill>
+                <a:latin typeface="+mn-lt"/>
+              </a:defRPr>
+            </a:lvl7pPr>
+            <a:lvl8pPr marL="4571886" indent="-304792" algn="l" rtl="0" eaLnBrk="1" fontAlgn="base" hangingPunct="1">
+              <a:spcBef>
+                <a:spcPct val="20000"/>
+              </a:spcBef>
+              <a:spcAft>
+                <a:spcPct val="0"/>
+              </a:spcAft>
+              <a:buChar char="»"/>
+              <a:defRPr sz="2667">
+                <a:solidFill>
+                  <a:schemeClr val="tx1"/>
+                </a:solidFill>
+                <a:latin typeface="+mn-lt"/>
+              </a:defRPr>
+            </a:lvl8pPr>
+            <a:lvl9pPr marL="5181470" indent="-304792" algn="l" rtl="0" eaLnBrk="1" fontAlgn="base" hangingPunct="1">
+              <a:spcBef>
+                <a:spcPct val="20000"/>
+              </a:spcBef>
+              <a:spcAft>
+                <a:spcPct val="0"/>
+              </a:spcAft>
+              <a:buChar char="»"/>
+              <a:defRPr sz="2667">
+                <a:solidFill>
+                  <a:schemeClr val="tx1"/>
+                </a:solidFill>
+                <a:latin typeface="+mn-lt"/>
+              </a:defRPr>
+            </a:lvl9pPr>
+          </a:lstStyle>
+          <a:p>
+            <a:pPr marL="0" indent="0">
+              <a:buFontTx/>
+              <a:buNone/>
+            </a:pPr>
+            <a:r>
+              <a:rPr lang="en-US" sz="2400" b="1" dirty="0"/>
+              <a:t>Model structure for MNIST: (28,28,1)</a:t>
+            </a:r>
+          </a:p>
+        </p:txBody>
+      </p:sp>
+      <p:sp>
+        <p:nvSpPr>
+          <p:cNvPr id="15" name="Content Placeholder 2">
+            <a:extLst>
+              <a:ext uri="{FF2B5EF4-FFF2-40B4-BE49-F238E27FC236}">
+                <a16:creationId xmlns:a16="http://schemas.microsoft.com/office/drawing/2014/main" id="{62F25BDD-3B1F-0A84-9A2B-A8B35C1A88C5}"/>
+              </a:ext>
+            </a:extLst>
+          </p:cNvPr>
+          <p:cNvSpPr txBox="1">
+            <a:spLocks/>
+          </p:cNvSpPr>
+          <p:nvPr/>
+        </p:nvSpPr>
+        <p:spPr bwMode="auto">
+          <a:xfrm>
+            <a:off x="7376160" y="2399694"/>
+            <a:ext cx="4060426" cy="959016"/>
+          </a:xfrm>
+          <a:prstGeom prst="rect">
+            <a:avLst/>
+          </a:prstGeom>
+          <a:noFill/>
+          <a:ln>
+            <a:noFill/>
+          </a:ln>
+          <a:extLst>
+            <a:ext uri="{909E8E84-426E-40DD-AFC4-6F175D3DCCD1}">
+              <a14:hiddenFill xmlns:a14="http://schemas.microsoft.com/office/drawing/2010/main">
+                <a:solidFill>
+                  <a:srgbClr val="FFFFFF"/>
+                </a:solidFill>
+              </a14:hiddenFill>
+            </a:ext>
+            <a:ext uri="{91240B29-F687-4F45-9708-019B960494DF}">
+              <a14:hiddenLine xmlns:a14="http://schemas.microsoft.com/office/drawing/2010/main" w="9525">
+                <a:solidFill>
+                  <a:srgbClr val="000000"/>
+                </a:solidFill>
+                <a:miter lim="800000"/>
+                <a:headEnd/>
+                <a:tailEnd/>
+              </a14:hiddenLine>
+            </a:ext>
+          </a:extLst>
+        </p:spPr>
+        <p:txBody>
+          <a:bodyPr vert="horz" wrap="square" lIns="91440" tIns="45720" rIns="91440" bIns="45720" numCol="1" anchor="t" anchorCtr="0" compatLnSpc="1">
+            <a:prstTxWarp prst="textNoShape">
+              <a:avLst/>
+            </a:prstTxWarp>
+          </a:bodyPr>
+          <a:lstStyle>
+            <a:lvl1pPr marL="457189" indent="-457189" algn="l" rtl="0" eaLnBrk="1" fontAlgn="base" hangingPunct="1">
+              <a:spcBef>
+                <a:spcPct val="20000"/>
+              </a:spcBef>
+              <a:spcAft>
+                <a:spcPct val="0"/>
+              </a:spcAft>
+              <a:buChar char="•"/>
+              <a:defRPr sz="4267">
+                <a:solidFill>
+                  <a:schemeClr val="tx1"/>
+                </a:solidFill>
+                <a:latin typeface="+mn-lt"/>
+                <a:ea typeface="+mn-ea"/>
+                <a:cs typeface="+mn-cs"/>
+              </a:defRPr>
+            </a:lvl1pPr>
+            <a:lvl2pPr marL="990575" indent="-380990" algn="l" rtl="0" eaLnBrk="1" fontAlgn="base" hangingPunct="1">
+              <a:spcBef>
+                <a:spcPct val="20000"/>
+              </a:spcBef>
+              <a:spcAft>
+                <a:spcPct val="0"/>
+              </a:spcAft>
+              <a:buChar char="–"/>
+              <a:defRPr sz="3733">
+                <a:solidFill>
+                  <a:schemeClr val="tx1"/>
+                </a:solidFill>
+                <a:latin typeface="+mn-lt"/>
+              </a:defRPr>
+            </a:lvl2pPr>
+            <a:lvl3pPr marL="1523962" indent="-304792" algn="l" rtl="0" eaLnBrk="1" fontAlgn="base" hangingPunct="1">
+              <a:spcBef>
+                <a:spcPct val="20000"/>
+              </a:spcBef>
+              <a:spcAft>
+                <a:spcPct val="0"/>
+              </a:spcAft>
+              <a:buChar char="•"/>
+              <a:defRPr sz="3200">
+                <a:solidFill>
+                  <a:schemeClr val="tx1"/>
+                </a:solidFill>
+                <a:latin typeface="+mn-lt"/>
+              </a:defRPr>
+            </a:lvl3pPr>
+            <a:lvl4pPr marL="2133547" indent="-304792" algn="l" rtl="0" eaLnBrk="1" fontAlgn="base" hangingPunct="1">
+              <a:spcBef>
+                <a:spcPct val="20000"/>
+              </a:spcBef>
+              <a:spcAft>
+                <a:spcPct val="0"/>
+              </a:spcAft>
+              <a:buChar char="–"/>
+              <a:defRPr sz="2667">
+                <a:solidFill>
+                  <a:schemeClr val="tx1"/>
+                </a:solidFill>
+                <a:latin typeface="+mn-lt"/>
+              </a:defRPr>
+            </a:lvl4pPr>
+            <a:lvl5pPr marL="2743131" indent="-304792" algn="l" rtl="0" eaLnBrk="1" fontAlgn="base" hangingPunct="1">
+              <a:spcBef>
+                <a:spcPct val="20000"/>
+              </a:spcBef>
+              <a:spcAft>
+                <a:spcPct val="0"/>
+              </a:spcAft>
+              <a:buChar char="»"/>
+              <a:defRPr sz="2667">
+                <a:solidFill>
+                  <a:schemeClr val="tx1"/>
+                </a:solidFill>
+                <a:latin typeface="+mn-lt"/>
+              </a:defRPr>
+            </a:lvl5pPr>
+            <a:lvl6pPr marL="3352716" indent="-304792" algn="l" rtl="0" eaLnBrk="1" fontAlgn="base" hangingPunct="1">
+              <a:spcBef>
+                <a:spcPct val="20000"/>
+              </a:spcBef>
+              <a:spcAft>
+                <a:spcPct val="0"/>
+              </a:spcAft>
+              <a:buChar char="»"/>
+              <a:defRPr sz="2667">
+                <a:solidFill>
+                  <a:schemeClr val="tx1"/>
+                </a:solidFill>
+                <a:latin typeface="+mn-lt"/>
+              </a:defRPr>
+            </a:lvl6pPr>
+            <a:lvl7pPr marL="3962301" indent="-304792" algn="l" rtl="0" eaLnBrk="1" fontAlgn="base" hangingPunct="1">
+              <a:spcBef>
+                <a:spcPct val="20000"/>
+              </a:spcBef>
+              <a:spcAft>
+                <a:spcPct val="0"/>
+              </a:spcAft>
+              <a:buChar char="»"/>
+              <a:defRPr sz="2667">
+                <a:solidFill>
+                  <a:schemeClr val="tx1"/>
+                </a:solidFill>
+                <a:latin typeface="+mn-lt"/>
+              </a:defRPr>
+            </a:lvl7pPr>
+            <a:lvl8pPr marL="4571886" indent="-304792" algn="l" rtl="0" eaLnBrk="1" fontAlgn="base" hangingPunct="1">
+              <a:spcBef>
+                <a:spcPct val="20000"/>
+              </a:spcBef>
+              <a:spcAft>
+                <a:spcPct val="0"/>
+              </a:spcAft>
+              <a:buChar char="»"/>
+              <a:defRPr sz="2667">
+                <a:solidFill>
+                  <a:schemeClr val="tx1"/>
+                </a:solidFill>
+                <a:latin typeface="+mn-lt"/>
+              </a:defRPr>
+            </a:lvl8pPr>
+            <a:lvl9pPr marL="5181470" indent="-304792" algn="l" rtl="0" eaLnBrk="1" fontAlgn="base" hangingPunct="1">
+              <a:spcBef>
+                <a:spcPct val="20000"/>
+              </a:spcBef>
+              <a:spcAft>
+                <a:spcPct val="0"/>
+              </a:spcAft>
+              <a:buChar char="»"/>
+              <a:defRPr sz="2667">
+                <a:solidFill>
+                  <a:schemeClr val="tx1"/>
+                </a:solidFill>
+                <a:latin typeface="+mn-lt"/>
+              </a:defRPr>
+            </a:lvl9pPr>
+          </a:lstStyle>
+          <a:p>
+            <a:pPr marL="0" indent="0">
+              <a:buFontTx/>
+              <a:buNone/>
+            </a:pPr>
+            <a:r>
+              <a:rPr lang="en-US" sz="2400" b="1" dirty="0"/>
+              <a:t>Model structure for SVHN and CIFAR: (32,32,3)</a:t>
+            </a:r>
+          </a:p>
+        </p:txBody>
+      </p:sp>
+    </p:spTree>
+    <p:extLst>
+      <p:ext uri="{BB962C8B-B14F-4D97-AF65-F5344CB8AC3E}">
+        <p14:creationId xmlns:p14="http://schemas.microsoft.com/office/powerpoint/2010/main" val="2799942086"/>
+      </p:ext>
+    </p:extLst>
+  </p:cSld>
+  <p:clrMapOvr>
+    <a:masterClrMapping/>
+  </p:clrMapOvr>
+  <p:transition spd="med">
+    <p:fade thruBlk="1"/>
+  </p:transition>
+</p:sld>
+</file>
+
+<file path=ppt/slides/slide6.xml><?xml version="1.0" encoding="utf-8"?>
 <p:sld xmlns:a="http://schemas.openxmlformats.org/drawingml/2006/main" xmlns:r="http://schemas.openxmlformats.org/officeDocument/2006/relationships" xmlns:p="http://schemas.openxmlformats.org/presentationml/2006/main">
   <p:cSld>
     <p:spTree>
@@ -5519,17 +13787,17 @@
           <a:p>
             <a:r>
               <a:rPr lang="en-US" dirty="0"/>
-              <a:t>SVHN - Logits</a:t>
+              <a:t>MNIST – Logits, PGD attack 0.1</a:t>
             </a:r>
           </a:p>
         </p:txBody>
       </p:sp>
       <p:pic>
         <p:nvPicPr>
-          <p:cNvPr id="10" name="Picture 9">
+          <p:cNvPr id="7" name="Picture 6">
             <a:extLst>
               <a:ext uri="{FF2B5EF4-FFF2-40B4-BE49-F238E27FC236}">
-                <a16:creationId xmlns:a16="http://schemas.microsoft.com/office/drawing/2014/main" id="{90046523-A98D-69DB-BF3A-CB324B6FE9D2}"/>
+                <a16:creationId xmlns:a16="http://schemas.microsoft.com/office/drawing/2014/main" id="{6AFDE43D-3654-678F-CC5C-838181BEE1A1}"/>
               </a:ext>
             </a:extLst>
           </p:cNvPr>
@@ -5546,7 +13814,7 @@
         </p:blipFill>
         <p:spPr>
           <a:xfrm>
-            <a:off x="492442" y="1792605"/>
+            <a:off x="6288405" y="1516302"/>
             <a:ext cx="5400675" cy="4476750"/>
           </a:xfrm>
           <a:prstGeom prst="rect">
@@ -5556,10 +13824,10 @@
       </p:pic>
       <p:pic>
         <p:nvPicPr>
-          <p:cNvPr id="12" name="Picture 11">
+          <p:cNvPr id="4" name="Picture 3">
             <a:extLst>
               <a:ext uri="{FF2B5EF4-FFF2-40B4-BE49-F238E27FC236}">
-                <a16:creationId xmlns:a16="http://schemas.microsoft.com/office/drawing/2014/main" id="{27D01637-59E7-33B5-17AE-FAA725F059B9}"/>
+                <a16:creationId xmlns:a16="http://schemas.microsoft.com/office/drawing/2014/main" id="{EC59C78F-DB45-B6B6-F522-217770B9412D}"/>
               </a:ext>
             </a:extLst>
           </p:cNvPr>
@@ -5576,8 +13844,8 @@
         </p:blipFill>
         <p:spPr>
           <a:xfrm>
-            <a:off x="6211252" y="1670685"/>
-            <a:ext cx="5362575" cy="4476750"/>
+            <a:off x="589831" y="1641562"/>
+            <a:ext cx="5400675" cy="4476750"/>
           </a:xfrm>
           <a:prstGeom prst="rect">
             <a:avLst/>
@@ -5587,7 +13855,7 @@
     </p:spTree>
     <p:extLst>
       <p:ext uri="{BB962C8B-B14F-4D97-AF65-F5344CB8AC3E}">
-        <p14:creationId xmlns:p14="http://schemas.microsoft.com/office/powerpoint/2010/main" val="3193513255"/>
+        <p14:creationId xmlns:p14="http://schemas.microsoft.com/office/powerpoint/2010/main" val="913688695"/>
       </p:ext>
     </p:extLst>
   </p:cSld>
@@ -5600,7 +13868,7 @@
 </p:sld>
 </file>
 
-<file path=ppt/slides/slide4.xml><?xml version="1.0" encoding="utf-8"?>
+<file path=ppt/slides/slide7.xml><?xml version="1.0" encoding="utf-8"?>
 <p:sld xmlns:a="http://schemas.openxmlformats.org/drawingml/2006/main" xmlns:r="http://schemas.openxmlformats.org/officeDocument/2006/relationships" xmlns:p="http://schemas.openxmlformats.org/presentationml/2006/main">
   <p:cSld>
     <p:spTree>
@@ -5640,17 +13908,17 @@
           <a:p>
             <a:r>
               <a:rPr lang="en-US" dirty="0"/>
-              <a:t>CIFAR - Logits</a:t>
+              <a:t>SVHN – Logits, PGD attack 8/255</a:t>
             </a:r>
           </a:p>
         </p:txBody>
       </p:sp>
       <p:pic>
         <p:nvPicPr>
-          <p:cNvPr id="10" name="Picture 9">
+          <p:cNvPr id="12" name="Picture 11">
             <a:extLst>
               <a:ext uri="{FF2B5EF4-FFF2-40B4-BE49-F238E27FC236}">
-                <a16:creationId xmlns:a16="http://schemas.microsoft.com/office/drawing/2014/main" id="{0CE395BF-2EBF-0D71-C88D-136D80156AAE}"/>
+                <a16:creationId xmlns:a16="http://schemas.microsoft.com/office/drawing/2014/main" id="{27D01637-59E7-33B5-17AE-FAA725F059B9}"/>
               </a:ext>
             </a:extLst>
           </p:cNvPr>
@@ -5667,8 +13935,8 @@
         </p:blipFill>
         <p:spPr>
           <a:xfrm>
-            <a:off x="609600" y="1906905"/>
-            <a:ext cx="5486400" cy="4476750"/>
+            <a:off x="6211252" y="1670685"/>
+            <a:ext cx="5362575" cy="4476750"/>
           </a:xfrm>
           <a:prstGeom prst="rect">
             <a:avLst/>
@@ -5677,10 +13945,10 @@
       </p:pic>
       <p:pic>
         <p:nvPicPr>
-          <p:cNvPr id="12" name="Picture 11">
+          <p:cNvPr id="4" name="Picture 3">
             <a:extLst>
               <a:ext uri="{FF2B5EF4-FFF2-40B4-BE49-F238E27FC236}">
-                <a16:creationId xmlns:a16="http://schemas.microsoft.com/office/drawing/2014/main" id="{DED4978B-F7DB-2CB1-EE05-CA2430F98E15}"/>
+                <a16:creationId xmlns:a16="http://schemas.microsoft.com/office/drawing/2014/main" id="{F6BA69FA-6CC5-80A4-BD2A-B00C9D589754}"/>
               </a:ext>
             </a:extLst>
           </p:cNvPr>
@@ -5697,7 +13965,133 @@
         </p:blipFill>
         <p:spPr>
           <a:xfrm>
+            <a:off x="433256" y="1766822"/>
+            <a:ext cx="5400675" cy="4476750"/>
+          </a:xfrm>
+          <a:prstGeom prst="rect">
+            <a:avLst/>
+          </a:prstGeom>
+        </p:spPr>
+      </p:pic>
+    </p:spTree>
+    <p:extLst>
+      <p:ext uri="{BB962C8B-B14F-4D97-AF65-F5344CB8AC3E}">
+        <p14:creationId xmlns:p14="http://schemas.microsoft.com/office/powerpoint/2010/main" val="3193513255"/>
+      </p:ext>
+    </p:extLst>
+  </p:cSld>
+  <p:clrMapOvr>
+    <a:masterClrMapping/>
+  </p:clrMapOvr>
+  <p:transition spd="med">
+    <p:fade thruBlk="1"/>
+  </p:transition>
+</p:sld>
+</file>
+
+<file path=ppt/slides/slide8.xml><?xml version="1.0" encoding="utf-8"?>
+<p:sld xmlns:a="http://schemas.openxmlformats.org/drawingml/2006/main" xmlns:r="http://schemas.openxmlformats.org/officeDocument/2006/relationships" xmlns:p="http://schemas.openxmlformats.org/presentationml/2006/main">
+  <p:cSld>
+    <p:spTree>
+      <p:nvGrpSpPr>
+        <p:cNvPr id="1" name=""/>
+        <p:cNvGrpSpPr/>
+        <p:nvPr/>
+      </p:nvGrpSpPr>
+      <p:grpSpPr>
+        <a:xfrm>
+          <a:off x="0" y="0"/>
+          <a:ext cx="0" cy="0"/>
+          <a:chOff x="0" y="0"/>
+          <a:chExt cx="0" cy="0"/>
+        </a:xfrm>
+      </p:grpSpPr>
+      <p:sp>
+        <p:nvSpPr>
+          <p:cNvPr id="2" name="Title 1">
+            <a:extLst>
+              <a:ext uri="{FF2B5EF4-FFF2-40B4-BE49-F238E27FC236}">
+                <a16:creationId xmlns:a16="http://schemas.microsoft.com/office/drawing/2014/main" id="{2D6961BA-1AE2-DA4D-85B1-EB065E052886}"/>
+              </a:ext>
+            </a:extLst>
+          </p:cNvPr>
+          <p:cNvSpPr>
+            <a:spLocks noGrp="1"/>
+          </p:cNvSpPr>
+          <p:nvPr>
+            <p:ph type="title"/>
+          </p:nvPr>
+        </p:nvSpPr>
+        <p:spPr/>
+        <p:txBody>
+          <a:bodyPr/>
+          <a:lstStyle/>
+          <a:p>
+            <a:r>
+              <a:rPr lang="en-US" dirty="0"/>
+              <a:t>CIFAR - Logits , PGD </a:t>
+            </a:r>
+            <a:r>
+              <a:rPr lang="en-US"/>
+              <a:t>attack 8/255</a:t>
+            </a:r>
+            <a:endParaRPr lang="en-US" dirty="0"/>
+          </a:p>
+        </p:txBody>
+      </p:sp>
+      <p:pic>
+        <p:nvPicPr>
+          <p:cNvPr id="12" name="Picture 11">
+            <a:extLst>
+              <a:ext uri="{FF2B5EF4-FFF2-40B4-BE49-F238E27FC236}">
+                <a16:creationId xmlns:a16="http://schemas.microsoft.com/office/drawing/2014/main" id="{DED4978B-F7DB-2CB1-EE05-CA2430F98E15}"/>
+              </a:ext>
+            </a:extLst>
+          </p:cNvPr>
+          <p:cNvPicPr>
+            <a:picLocks noChangeAspect="1"/>
+          </p:cNvPicPr>
+          <p:nvPr/>
+        </p:nvPicPr>
+        <p:blipFill>
+          <a:blip r:embed="rId2"/>
+          <a:stretch>
+            <a:fillRect/>
+          </a:stretch>
+        </p:blipFill>
+        <p:spPr>
+          <a:xfrm>
             <a:off x="6652260" y="1693545"/>
+            <a:ext cx="5486400" cy="4476750"/>
+          </a:xfrm>
+          <a:prstGeom prst="rect">
+            <a:avLst/>
+          </a:prstGeom>
+        </p:spPr>
+      </p:pic>
+      <p:pic>
+        <p:nvPicPr>
+          <p:cNvPr id="4" name="Picture 3">
+            <a:extLst>
+              <a:ext uri="{FF2B5EF4-FFF2-40B4-BE49-F238E27FC236}">
+                <a16:creationId xmlns:a16="http://schemas.microsoft.com/office/drawing/2014/main" id="{6CDF42DE-AF13-3E2A-7E73-D9A2658A130D}"/>
+              </a:ext>
+            </a:extLst>
+          </p:cNvPr>
+          <p:cNvPicPr>
+            <a:picLocks noChangeAspect="1"/>
+          </p:cNvPicPr>
+          <p:nvPr/>
+        </p:nvPicPr>
+        <p:blipFill>
+          <a:blip r:embed="rId3"/>
+          <a:stretch>
+            <a:fillRect/>
+          </a:stretch>
+        </p:blipFill>
+        <p:spPr>
+          <a:xfrm>
+            <a:off x="609600" y="1693545"/>
             <a:ext cx="5486400" cy="4476750"/>
           </a:xfrm>
           <a:prstGeom prst="rect">
@@ -5709,6 +14103,127 @@
     <p:extLst>
       <p:ext uri="{BB962C8B-B14F-4D97-AF65-F5344CB8AC3E}">
         <p14:creationId xmlns:p14="http://schemas.microsoft.com/office/powerpoint/2010/main" val="3413000079"/>
+      </p:ext>
+    </p:extLst>
+  </p:cSld>
+  <p:clrMapOvr>
+    <a:masterClrMapping/>
+  </p:clrMapOvr>
+  <p:transition spd="med">
+    <p:fade thruBlk="1"/>
+  </p:transition>
+</p:sld>
+</file>
+
+<file path=ppt/slides/slide9.xml><?xml version="1.0" encoding="utf-8"?>
+<p:sld xmlns:a="http://schemas.openxmlformats.org/drawingml/2006/main" xmlns:r="http://schemas.openxmlformats.org/officeDocument/2006/relationships" xmlns:p="http://schemas.openxmlformats.org/presentationml/2006/main">
+  <p:cSld>
+    <p:spTree>
+      <p:nvGrpSpPr>
+        <p:cNvPr id="1" name=""/>
+        <p:cNvGrpSpPr/>
+        <p:nvPr/>
+      </p:nvGrpSpPr>
+      <p:grpSpPr>
+        <a:xfrm>
+          <a:off x="0" y="0"/>
+          <a:ext cx="0" cy="0"/>
+          <a:chOff x="0" y="0"/>
+          <a:chExt cx="0" cy="0"/>
+        </a:xfrm>
+      </p:grpSpPr>
+      <p:sp>
+        <p:nvSpPr>
+          <p:cNvPr id="2" name="Title 1">
+            <a:extLst>
+              <a:ext uri="{FF2B5EF4-FFF2-40B4-BE49-F238E27FC236}">
+                <a16:creationId xmlns:a16="http://schemas.microsoft.com/office/drawing/2014/main" id="{887BCE78-CF7B-B487-CCE8-034127F07369}"/>
+              </a:ext>
+            </a:extLst>
+          </p:cNvPr>
+          <p:cNvSpPr>
+            <a:spLocks noGrp="1"/>
+          </p:cNvSpPr>
+          <p:nvPr>
+            <p:ph type="title"/>
+          </p:nvPr>
+        </p:nvSpPr>
+        <p:spPr/>
+        <p:txBody>
+          <a:bodyPr/>
+          <a:lstStyle/>
+          <a:p>
+            <a:r>
+              <a:rPr lang="en-US" dirty="0"/>
+              <a:t>MNIST – Max w/ p=3</a:t>
+            </a:r>
+          </a:p>
+        </p:txBody>
+      </p:sp>
+      <p:pic>
+        <p:nvPicPr>
+          <p:cNvPr id="5" name="Picture 4">
+            <a:extLst>
+              <a:ext uri="{FF2B5EF4-FFF2-40B4-BE49-F238E27FC236}">
+                <a16:creationId xmlns:a16="http://schemas.microsoft.com/office/drawing/2014/main" id="{FB967640-A322-4B06-66C4-B73CC7F21385}"/>
+              </a:ext>
+            </a:extLst>
+          </p:cNvPr>
+          <p:cNvPicPr>
+            <a:picLocks noChangeAspect="1"/>
+          </p:cNvPicPr>
+          <p:nvPr/>
+        </p:nvPicPr>
+        <p:blipFill>
+          <a:blip r:embed="rId2"/>
+          <a:stretch>
+            <a:fillRect/>
+          </a:stretch>
+        </p:blipFill>
+        <p:spPr>
+          <a:xfrm>
+            <a:off x="812800" y="1691666"/>
+            <a:ext cx="5486400" cy="4476750"/>
+          </a:xfrm>
+          <a:prstGeom prst="rect">
+            <a:avLst/>
+          </a:prstGeom>
+        </p:spPr>
+      </p:pic>
+      <p:pic>
+        <p:nvPicPr>
+          <p:cNvPr id="7" name="Picture 6">
+            <a:extLst>
+              <a:ext uri="{FF2B5EF4-FFF2-40B4-BE49-F238E27FC236}">
+                <a16:creationId xmlns:a16="http://schemas.microsoft.com/office/drawing/2014/main" id="{E7D86DCB-50E3-0EB5-98FD-AD3DE9A52901}"/>
+              </a:ext>
+            </a:extLst>
+          </p:cNvPr>
+          <p:cNvPicPr>
+            <a:picLocks noChangeAspect="1"/>
+          </p:cNvPicPr>
+          <p:nvPr/>
+        </p:nvPicPr>
+        <p:blipFill>
+          <a:blip r:embed="rId3"/>
+          <a:stretch>
+            <a:fillRect/>
+          </a:stretch>
+        </p:blipFill>
+        <p:spPr>
+          <a:xfrm>
+            <a:off x="6299200" y="1867030"/>
+            <a:ext cx="5486400" cy="4476750"/>
+          </a:xfrm>
+          <a:prstGeom prst="rect">
+            <a:avLst/>
+          </a:prstGeom>
+        </p:spPr>
+      </p:pic>
+    </p:spTree>
+    <p:extLst>
+      <p:ext uri="{BB962C8B-B14F-4D97-AF65-F5344CB8AC3E}">
+        <p14:creationId xmlns:p14="http://schemas.microsoft.com/office/powerpoint/2010/main" val="3640744532"/>
       </p:ext>
     </p:extLst>
   </p:cSld>
